--- a/joint_analyses/inveff-matrix.pptx
+++ b/joint_analyses/inveff-matrix.pptx
@@ -9,6 +9,8 @@
     <p:sldId id="259" r:id="rId3"/>
     <p:sldId id="260" r:id="rId4"/>
     <p:sldId id="256" r:id="rId5"/>
+    <p:sldId id="261" r:id="rId6"/>
+    <p:sldId id="263" r:id="rId7"/>
   </p:sldIdLst>
   <p:sldSz cx="12192000" cy="6858000"/>
   <p:notesSz cx="6858000" cy="9144000"/>
@@ -110,7 +112,7 @@
   <p:extLst>
     <p:ext uri="{EFAFB233-063F-42B5-8137-9DF3F51BA10A}">
       <p15:sldGuideLst xmlns:p15="http://schemas.microsoft.com/office/powerpoint/2012/main">
-        <p15:guide id="1" orient="horz" pos="3936" userDrawn="1">
+        <p15:guide id="1" orient="horz" pos="3768" userDrawn="1">
           <p15:clr>
             <a:srgbClr val="A4A3A4"/>
           </p15:clr>
@@ -273,7 +275,7 @@
           <a:p>
             <a:fld id="{6054B079-D842-C440-BBD8-EC39EFE5DEA7}" type="datetimeFigureOut">
               <a:rPr lang="en-US" smtClean="0"/>
-              <a:t>10/16/23</a:t>
+              <a:t>10/31/23</a:t>
             </a:fld>
             <a:endParaRPr lang="en-US"/>
           </a:p>
@@ -471,7 +473,7 @@
           <a:p>
             <a:fld id="{6054B079-D842-C440-BBD8-EC39EFE5DEA7}" type="datetimeFigureOut">
               <a:rPr lang="en-US" smtClean="0"/>
-              <a:t>10/16/23</a:t>
+              <a:t>10/31/23</a:t>
             </a:fld>
             <a:endParaRPr lang="en-US"/>
           </a:p>
@@ -679,7 +681,7 @@
           <a:p>
             <a:fld id="{6054B079-D842-C440-BBD8-EC39EFE5DEA7}" type="datetimeFigureOut">
               <a:rPr lang="en-US" smtClean="0"/>
-              <a:t>10/16/23</a:t>
+              <a:t>10/31/23</a:t>
             </a:fld>
             <a:endParaRPr lang="en-US"/>
           </a:p>
@@ -877,7 +879,7 @@
           <a:p>
             <a:fld id="{6054B079-D842-C440-BBD8-EC39EFE5DEA7}" type="datetimeFigureOut">
               <a:rPr lang="en-US" smtClean="0"/>
-              <a:t>10/16/23</a:t>
+              <a:t>10/31/23</a:t>
             </a:fld>
             <a:endParaRPr lang="en-US"/>
           </a:p>
@@ -1152,7 +1154,7 @@
           <a:p>
             <a:fld id="{6054B079-D842-C440-BBD8-EC39EFE5DEA7}" type="datetimeFigureOut">
               <a:rPr lang="en-US" smtClean="0"/>
-              <a:t>10/16/23</a:t>
+              <a:t>10/31/23</a:t>
             </a:fld>
             <a:endParaRPr lang="en-US"/>
           </a:p>
@@ -1417,7 +1419,7 @@
           <a:p>
             <a:fld id="{6054B079-D842-C440-BBD8-EC39EFE5DEA7}" type="datetimeFigureOut">
               <a:rPr lang="en-US" smtClean="0"/>
-              <a:t>10/16/23</a:t>
+              <a:t>10/31/23</a:t>
             </a:fld>
             <a:endParaRPr lang="en-US"/>
           </a:p>
@@ -1829,7 +1831,7 @@
           <a:p>
             <a:fld id="{6054B079-D842-C440-BBD8-EC39EFE5DEA7}" type="datetimeFigureOut">
               <a:rPr lang="en-US" smtClean="0"/>
-              <a:t>10/16/23</a:t>
+              <a:t>10/31/23</a:t>
             </a:fld>
             <a:endParaRPr lang="en-US"/>
           </a:p>
@@ -1970,7 +1972,7 @@
           <a:p>
             <a:fld id="{6054B079-D842-C440-BBD8-EC39EFE5DEA7}" type="datetimeFigureOut">
               <a:rPr lang="en-US" smtClean="0"/>
-              <a:t>10/16/23</a:t>
+              <a:t>10/31/23</a:t>
             </a:fld>
             <a:endParaRPr lang="en-US"/>
           </a:p>
@@ -2083,7 +2085,7 @@
           <a:p>
             <a:fld id="{6054B079-D842-C440-BBD8-EC39EFE5DEA7}" type="datetimeFigureOut">
               <a:rPr lang="en-US" smtClean="0"/>
-              <a:t>10/16/23</a:t>
+              <a:t>10/31/23</a:t>
             </a:fld>
             <a:endParaRPr lang="en-US"/>
           </a:p>
@@ -2394,7 +2396,7 @@
           <a:p>
             <a:fld id="{6054B079-D842-C440-BBD8-EC39EFE5DEA7}" type="datetimeFigureOut">
               <a:rPr lang="en-US" smtClean="0"/>
-              <a:t>10/16/23</a:t>
+              <a:t>10/31/23</a:t>
             </a:fld>
             <a:endParaRPr lang="en-US"/>
           </a:p>
@@ -2682,7 +2684,7 @@
           <a:p>
             <a:fld id="{6054B079-D842-C440-BBD8-EC39EFE5DEA7}" type="datetimeFigureOut">
               <a:rPr lang="en-US" smtClean="0"/>
-              <a:t>10/16/23</a:t>
+              <a:t>10/31/23</a:t>
             </a:fld>
             <a:endParaRPr lang="en-US"/>
           </a:p>
@@ -2923,7 +2925,7 @@
           <a:p>
             <a:fld id="{6054B079-D842-C440-BBD8-EC39EFE5DEA7}" type="datetimeFigureOut">
               <a:rPr lang="en-US" smtClean="0"/>
-              <a:t>10/16/23</a:t>
+              <a:t>10/31/23</a:t>
             </a:fld>
             <a:endParaRPr lang="en-US"/>
           </a:p>
@@ -6820,6 +6822,2897 @@
 </p:sld>
 </file>
 
+<file path=ppt/slides/slide5.xml><?xml version="1.0" encoding="utf-8"?>
+<p:sld xmlns:a="http://schemas.openxmlformats.org/drawingml/2006/main" xmlns:r="http://schemas.openxmlformats.org/officeDocument/2006/relationships" xmlns:p="http://schemas.openxmlformats.org/presentationml/2006/main">
+  <p:cSld>
+    <p:spTree>
+      <p:nvGrpSpPr>
+        <p:cNvPr id="1" name=""/>
+        <p:cNvGrpSpPr/>
+        <p:nvPr/>
+      </p:nvGrpSpPr>
+      <p:grpSpPr>
+        <a:xfrm>
+          <a:off x="0" y="0"/>
+          <a:ext cx="0" cy="0"/>
+          <a:chOff x="0" y="0"/>
+          <a:chExt cx="0" cy="0"/>
+        </a:xfrm>
+      </p:grpSpPr>
+      <p:sp>
+        <p:nvSpPr>
+          <p:cNvPr id="7" name="Left Brace 6">
+            <a:extLst>
+              <a:ext uri="{FF2B5EF4-FFF2-40B4-BE49-F238E27FC236}">
+                <a16:creationId xmlns:a16="http://schemas.microsoft.com/office/drawing/2014/main" id="{98514535-ED5C-6F4B-8CF4-D78ED7E6046D}"/>
+              </a:ext>
+            </a:extLst>
+          </p:cNvPr>
+          <p:cNvSpPr/>
+          <p:nvPr/>
+        </p:nvSpPr>
+        <p:spPr>
+          <a:xfrm rot="16200000">
+            <a:off x="4860579" y="3886904"/>
+            <a:ext cx="167346" cy="2050951"/>
+          </a:xfrm>
+          <a:prstGeom prst="leftBrace">
+            <a:avLst>
+              <a:gd name="adj1" fmla="val 8333"/>
+              <a:gd name="adj2" fmla="val 50895"/>
+            </a:avLst>
+          </a:prstGeom>
+        </p:spPr>
+        <p:style>
+          <a:lnRef idx="1">
+            <a:schemeClr val="dk1"/>
+          </a:lnRef>
+          <a:fillRef idx="0">
+            <a:schemeClr val="dk1"/>
+          </a:fillRef>
+          <a:effectRef idx="0">
+            <a:schemeClr val="dk1"/>
+          </a:effectRef>
+          <a:fontRef idx="minor">
+            <a:schemeClr val="tx1"/>
+          </a:fontRef>
+        </p:style>
+        <p:txBody>
+          <a:bodyPr rot="0" spcFirstLastPara="0" vert="horz" wrap="square" lIns="18288" tIns="9144" rIns="18288" bIns="9144" numCol="1" spcCol="0" rtlCol="0" fromWordArt="0" anchor="ctr" anchorCtr="0" forceAA="0" compatLnSpc="1">
+            <a:prstTxWarp prst="textNoShape">
+              <a:avLst/>
+            </a:prstTxWarp>
+            <a:noAutofit/>
+          </a:bodyPr>
+          <a:lstStyle/>
+          <a:p>
+            <a:endParaRPr lang="en-US" sz="700" dirty="0">
+              <a:solidFill>
+                <a:schemeClr val="bg2">
+                  <a:lumMod val="90000"/>
+                </a:schemeClr>
+              </a:solidFill>
+            </a:endParaRPr>
+          </a:p>
+        </p:txBody>
+      </p:sp>
+      <p:sp>
+        <p:nvSpPr>
+          <p:cNvPr id="9" name="Left Brace 8">
+            <a:extLst>
+              <a:ext uri="{FF2B5EF4-FFF2-40B4-BE49-F238E27FC236}">
+                <a16:creationId xmlns:a16="http://schemas.microsoft.com/office/drawing/2014/main" id="{2424E69E-E7BE-454B-9B6A-CD83B0130A11}"/>
+              </a:ext>
+            </a:extLst>
+          </p:cNvPr>
+          <p:cNvSpPr/>
+          <p:nvPr/>
+        </p:nvSpPr>
+        <p:spPr>
+          <a:xfrm rot="16200000">
+            <a:off x="6929956" y="3886902"/>
+            <a:ext cx="167346" cy="2050951"/>
+          </a:xfrm>
+          <a:prstGeom prst="leftBrace">
+            <a:avLst>
+              <a:gd name="adj1" fmla="val 8333"/>
+              <a:gd name="adj2" fmla="val 50895"/>
+            </a:avLst>
+          </a:prstGeom>
+        </p:spPr>
+        <p:style>
+          <a:lnRef idx="1">
+            <a:schemeClr val="dk1"/>
+          </a:lnRef>
+          <a:fillRef idx="0">
+            <a:schemeClr val="dk1"/>
+          </a:fillRef>
+          <a:effectRef idx="0">
+            <a:schemeClr val="dk1"/>
+          </a:effectRef>
+          <a:fontRef idx="minor">
+            <a:schemeClr val="tx1"/>
+          </a:fontRef>
+        </p:style>
+        <p:txBody>
+          <a:bodyPr rot="0" spcFirstLastPara="0" vert="horz" wrap="square" lIns="18288" tIns="9144" rIns="18288" bIns="9144" numCol="1" spcCol="0" rtlCol="0" fromWordArt="0" anchor="ctr" anchorCtr="0" forceAA="0" compatLnSpc="1">
+            <a:prstTxWarp prst="textNoShape">
+              <a:avLst/>
+            </a:prstTxWarp>
+            <a:noAutofit/>
+          </a:bodyPr>
+          <a:lstStyle/>
+          <a:p>
+            <a:endParaRPr lang="en-US" sz="700" dirty="0">
+              <a:solidFill>
+                <a:schemeClr val="bg2">
+                  <a:lumMod val="90000"/>
+                </a:schemeClr>
+              </a:solidFill>
+            </a:endParaRPr>
+          </a:p>
+        </p:txBody>
+      </p:sp>
+      <p:sp>
+        <p:nvSpPr>
+          <p:cNvPr id="10" name="TextBox 9">
+            <a:extLst>
+              <a:ext uri="{FF2B5EF4-FFF2-40B4-BE49-F238E27FC236}">
+                <a16:creationId xmlns:a16="http://schemas.microsoft.com/office/drawing/2014/main" id="{8EEDC0E5-C5F4-FC40-ADC0-94400593B90A}"/>
+              </a:ext>
+            </a:extLst>
+          </p:cNvPr>
+          <p:cNvSpPr txBox="1"/>
+          <p:nvPr/>
+        </p:nvSpPr>
+        <p:spPr>
+          <a:xfrm>
+            <a:off x="3802080" y="4669907"/>
+            <a:ext cx="566502" cy="215444"/>
+          </a:xfrm>
+          <a:prstGeom prst="rect">
+            <a:avLst/>
+          </a:prstGeom>
+          <a:noFill/>
+        </p:spPr>
+        <p:txBody>
+          <a:bodyPr wrap="square" rtlCol="0">
+            <a:spAutoFit/>
+          </a:bodyPr>
+          <a:lstStyle/>
+          <a:p>
+            <a:pPr algn="ctr"/>
+            <a:r>
+              <a:rPr lang="en-US" sz="800" dirty="0">
+                <a:latin typeface="Arial" panose="020B0604020202020204" pitchFamily="34" charset="0"/>
+                <a:cs typeface="Arial" panose="020B0604020202020204" pitchFamily="34" charset="0"/>
+              </a:rPr>
+              <a:t>125</a:t>
+            </a:r>
+          </a:p>
+        </p:txBody>
+      </p:sp>
+      <p:sp>
+        <p:nvSpPr>
+          <p:cNvPr id="11" name="TextBox 10">
+            <a:extLst>
+              <a:ext uri="{FF2B5EF4-FFF2-40B4-BE49-F238E27FC236}">
+                <a16:creationId xmlns:a16="http://schemas.microsoft.com/office/drawing/2014/main" id="{0ED97296-6CAC-6240-A143-5372F4955746}"/>
+              </a:ext>
+            </a:extLst>
+          </p:cNvPr>
+          <p:cNvSpPr txBox="1"/>
+          <p:nvPr/>
+        </p:nvSpPr>
+        <p:spPr>
+          <a:xfrm>
+            <a:off x="4130221" y="4669907"/>
+            <a:ext cx="566502" cy="215444"/>
+          </a:xfrm>
+          <a:prstGeom prst="rect">
+            <a:avLst/>
+          </a:prstGeom>
+          <a:noFill/>
+        </p:spPr>
+        <p:txBody>
+          <a:bodyPr wrap="square" rtlCol="0">
+            <a:spAutoFit/>
+          </a:bodyPr>
+          <a:lstStyle/>
+          <a:p>
+            <a:pPr algn="ctr"/>
+            <a:r>
+              <a:rPr lang="en-US" sz="800" dirty="0">
+                <a:latin typeface="Arial" panose="020B0604020202020204" pitchFamily="34" charset="0"/>
+                <a:cs typeface="Arial" panose="020B0604020202020204" pitchFamily="34" charset="0"/>
+              </a:rPr>
+              <a:t>250</a:t>
+            </a:r>
+          </a:p>
+        </p:txBody>
+      </p:sp>
+      <p:sp>
+        <p:nvSpPr>
+          <p:cNvPr id="12" name="TextBox 11">
+            <a:extLst>
+              <a:ext uri="{FF2B5EF4-FFF2-40B4-BE49-F238E27FC236}">
+                <a16:creationId xmlns:a16="http://schemas.microsoft.com/office/drawing/2014/main" id="{63AE2E17-E643-B24A-A49A-6ED7DF4DB912}"/>
+              </a:ext>
+            </a:extLst>
+          </p:cNvPr>
+          <p:cNvSpPr txBox="1"/>
+          <p:nvPr/>
+        </p:nvSpPr>
+        <p:spPr>
+          <a:xfrm>
+            <a:off x="4432409" y="4665758"/>
+            <a:ext cx="672514" cy="215444"/>
+          </a:xfrm>
+          <a:prstGeom prst="rect">
+            <a:avLst/>
+          </a:prstGeom>
+          <a:noFill/>
+        </p:spPr>
+        <p:txBody>
+          <a:bodyPr wrap="square" rtlCol="0">
+            <a:spAutoFit/>
+          </a:bodyPr>
+          <a:lstStyle/>
+          <a:p>
+            <a:pPr algn="ctr"/>
+            <a:r>
+              <a:rPr lang="en-US" sz="800" dirty="0">
+                <a:latin typeface="Arial" panose="020B0604020202020204" pitchFamily="34" charset="0"/>
+                <a:cs typeface="Arial" panose="020B0604020202020204" pitchFamily="34" charset="0"/>
+              </a:rPr>
+              <a:t>1000</a:t>
+            </a:r>
+          </a:p>
+        </p:txBody>
+      </p:sp>
+      <p:sp>
+        <p:nvSpPr>
+          <p:cNvPr id="13" name="TextBox 12">
+            <a:extLst>
+              <a:ext uri="{FF2B5EF4-FFF2-40B4-BE49-F238E27FC236}">
+                <a16:creationId xmlns:a16="http://schemas.microsoft.com/office/drawing/2014/main" id="{4165D498-B344-FB43-8B61-5C40804C6E1B}"/>
+              </a:ext>
+            </a:extLst>
+          </p:cNvPr>
+          <p:cNvSpPr txBox="1"/>
+          <p:nvPr/>
+        </p:nvSpPr>
+        <p:spPr>
+          <a:xfrm>
+            <a:off x="4828134" y="4669907"/>
+            <a:ext cx="566502" cy="215444"/>
+          </a:xfrm>
+          <a:prstGeom prst="rect">
+            <a:avLst/>
+          </a:prstGeom>
+          <a:noFill/>
+        </p:spPr>
+        <p:txBody>
+          <a:bodyPr wrap="square" rtlCol="0">
+            <a:spAutoFit/>
+          </a:bodyPr>
+          <a:lstStyle/>
+          <a:p>
+            <a:pPr algn="ctr"/>
+            <a:r>
+              <a:rPr lang="en-US" sz="800" dirty="0">
+                <a:latin typeface="Arial" panose="020B0604020202020204" pitchFamily="34" charset="0"/>
+                <a:cs typeface="Arial" panose="020B0604020202020204" pitchFamily="34" charset="0"/>
+              </a:rPr>
+              <a:t>125</a:t>
+            </a:r>
+          </a:p>
+        </p:txBody>
+      </p:sp>
+      <p:sp>
+        <p:nvSpPr>
+          <p:cNvPr id="14" name="TextBox 13">
+            <a:extLst>
+              <a:ext uri="{FF2B5EF4-FFF2-40B4-BE49-F238E27FC236}">
+                <a16:creationId xmlns:a16="http://schemas.microsoft.com/office/drawing/2014/main" id="{5ABC5747-E476-0D4E-B982-9474B6D8B0C3}"/>
+              </a:ext>
+            </a:extLst>
+          </p:cNvPr>
+          <p:cNvSpPr txBox="1"/>
+          <p:nvPr/>
+        </p:nvSpPr>
+        <p:spPr>
+          <a:xfrm>
+            <a:off x="5156275" y="4669907"/>
+            <a:ext cx="566502" cy="215444"/>
+          </a:xfrm>
+          <a:prstGeom prst="rect">
+            <a:avLst/>
+          </a:prstGeom>
+          <a:noFill/>
+        </p:spPr>
+        <p:txBody>
+          <a:bodyPr wrap="square" rtlCol="0">
+            <a:spAutoFit/>
+          </a:bodyPr>
+          <a:lstStyle/>
+          <a:p>
+            <a:pPr algn="ctr"/>
+            <a:r>
+              <a:rPr lang="en-US" sz="800" dirty="0">
+                <a:latin typeface="Arial" panose="020B0604020202020204" pitchFamily="34" charset="0"/>
+                <a:cs typeface="Arial" panose="020B0604020202020204" pitchFamily="34" charset="0"/>
+              </a:rPr>
+              <a:t>250</a:t>
+            </a:r>
+          </a:p>
+        </p:txBody>
+      </p:sp>
+      <p:sp>
+        <p:nvSpPr>
+          <p:cNvPr id="15" name="TextBox 14">
+            <a:extLst>
+              <a:ext uri="{FF2B5EF4-FFF2-40B4-BE49-F238E27FC236}">
+                <a16:creationId xmlns:a16="http://schemas.microsoft.com/office/drawing/2014/main" id="{98DAA9DA-09A5-454E-B32D-1708D5E871AF}"/>
+              </a:ext>
+            </a:extLst>
+          </p:cNvPr>
+          <p:cNvSpPr txBox="1"/>
+          <p:nvPr/>
+        </p:nvSpPr>
+        <p:spPr>
+          <a:xfrm>
+            <a:off x="5458463" y="4665758"/>
+            <a:ext cx="672514" cy="215444"/>
+          </a:xfrm>
+          <a:prstGeom prst="rect">
+            <a:avLst/>
+          </a:prstGeom>
+          <a:noFill/>
+        </p:spPr>
+        <p:txBody>
+          <a:bodyPr wrap="square" rtlCol="0">
+            <a:spAutoFit/>
+          </a:bodyPr>
+          <a:lstStyle/>
+          <a:p>
+            <a:pPr algn="ctr"/>
+            <a:r>
+              <a:rPr lang="en-US" sz="800" dirty="0">
+                <a:latin typeface="Arial" panose="020B0604020202020204" pitchFamily="34" charset="0"/>
+                <a:cs typeface="Arial" panose="020B0604020202020204" pitchFamily="34" charset="0"/>
+              </a:rPr>
+              <a:t>1000</a:t>
+            </a:r>
+          </a:p>
+        </p:txBody>
+      </p:sp>
+      <p:sp>
+        <p:nvSpPr>
+          <p:cNvPr id="16" name="TextBox 15">
+            <a:extLst>
+              <a:ext uri="{FF2B5EF4-FFF2-40B4-BE49-F238E27FC236}">
+                <a16:creationId xmlns:a16="http://schemas.microsoft.com/office/drawing/2014/main" id="{0CCDE6AB-11BC-D248-A100-F6E9829F880D}"/>
+              </a:ext>
+            </a:extLst>
+          </p:cNvPr>
+          <p:cNvSpPr txBox="1"/>
+          <p:nvPr/>
+        </p:nvSpPr>
+        <p:spPr>
+          <a:xfrm>
+            <a:off x="5867797" y="4669907"/>
+            <a:ext cx="566502" cy="215444"/>
+          </a:xfrm>
+          <a:prstGeom prst="rect">
+            <a:avLst/>
+          </a:prstGeom>
+          <a:noFill/>
+        </p:spPr>
+        <p:txBody>
+          <a:bodyPr wrap="square" rtlCol="0">
+            <a:spAutoFit/>
+          </a:bodyPr>
+          <a:lstStyle/>
+          <a:p>
+            <a:pPr algn="ctr"/>
+            <a:r>
+              <a:rPr lang="en-US" sz="800" dirty="0">
+                <a:latin typeface="Arial" panose="020B0604020202020204" pitchFamily="34" charset="0"/>
+                <a:cs typeface="Arial" panose="020B0604020202020204" pitchFamily="34" charset="0"/>
+              </a:rPr>
+              <a:t>125</a:t>
+            </a:r>
+          </a:p>
+        </p:txBody>
+      </p:sp>
+      <p:sp>
+        <p:nvSpPr>
+          <p:cNvPr id="17" name="TextBox 16">
+            <a:extLst>
+              <a:ext uri="{FF2B5EF4-FFF2-40B4-BE49-F238E27FC236}">
+                <a16:creationId xmlns:a16="http://schemas.microsoft.com/office/drawing/2014/main" id="{8571FE63-AFF5-7848-B6A0-F471686E685B}"/>
+              </a:ext>
+            </a:extLst>
+          </p:cNvPr>
+          <p:cNvSpPr txBox="1"/>
+          <p:nvPr/>
+        </p:nvSpPr>
+        <p:spPr>
+          <a:xfrm>
+            <a:off x="6195938" y="4669907"/>
+            <a:ext cx="566502" cy="215444"/>
+          </a:xfrm>
+          <a:prstGeom prst="rect">
+            <a:avLst/>
+          </a:prstGeom>
+          <a:noFill/>
+        </p:spPr>
+        <p:txBody>
+          <a:bodyPr wrap="square" rtlCol="0">
+            <a:spAutoFit/>
+          </a:bodyPr>
+          <a:lstStyle/>
+          <a:p>
+            <a:pPr algn="ctr"/>
+            <a:r>
+              <a:rPr lang="en-US" sz="800" dirty="0">
+                <a:latin typeface="Arial" panose="020B0604020202020204" pitchFamily="34" charset="0"/>
+                <a:cs typeface="Arial" panose="020B0604020202020204" pitchFamily="34" charset="0"/>
+              </a:rPr>
+              <a:t>250</a:t>
+            </a:r>
+          </a:p>
+        </p:txBody>
+      </p:sp>
+      <p:sp>
+        <p:nvSpPr>
+          <p:cNvPr id="18" name="TextBox 17">
+            <a:extLst>
+              <a:ext uri="{FF2B5EF4-FFF2-40B4-BE49-F238E27FC236}">
+                <a16:creationId xmlns:a16="http://schemas.microsoft.com/office/drawing/2014/main" id="{457BED23-A9CC-FF46-B6DF-E9063FF2B42A}"/>
+              </a:ext>
+            </a:extLst>
+          </p:cNvPr>
+          <p:cNvSpPr txBox="1"/>
+          <p:nvPr/>
+        </p:nvSpPr>
+        <p:spPr>
+          <a:xfrm>
+            <a:off x="6498126" y="4665758"/>
+            <a:ext cx="672514" cy="215444"/>
+          </a:xfrm>
+          <a:prstGeom prst="rect">
+            <a:avLst/>
+          </a:prstGeom>
+          <a:noFill/>
+        </p:spPr>
+        <p:txBody>
+          <a:bodyPr wrap="square" rtlCol="0">
+            <a:spAutoFit/>
+          </a:bodyPr>
+          <a:lstStyle/>
+          <a:p>
+            <a:pPr algn="ctr"/>
+            <a:r>
+              <a:rPr lang="en-US" sz="800" dirty="0">
+                <a:latin typeface="Arial" panose="020B0604020202020204" pitchFamily="34" charset="0"/>
+                <a:cs typeface="Arial" panose="020B0604020202020204" pitchFamily="34" charset="0"/>
+              </a:rPr>
+              <a:t>1000</a:t>
+            </a:r>
+          </a:p>
+        </p:txBody>
+      </p:sp>
+      <p:sp>
+        <p:nvSpPr>
+          <p:cNvPr id="19" name="TextBox 18">
+            <a:extLst>
+              <a:ext uri="{FF2B5EF4-FFF2-40B4-BE49-F238E27FC236}">
+                <a16:creationId xmlns:a16="http://schemas.microsoft.com/office/drawing/2014/main" id="{9ECFE694-D376-774D-B4B6-01D9E57FB076}"/>
+              </a:ext>
+            </a:extLst>
+          </p:cNvPr>
+          <p:cNvSpPr txBox="1"/>
+          <p:nvPr/>
+        </p:nvSpPr>
+        <p:spPr>
+          <a:xfrm>
+            <a:off x="6893851" y="4669907"/>
+            <a:ext cx="566502" cy="215444"/>
+          </a:xfrm>
+          <a:prstGeom prst="rect">
+            <a:avLst/>
+          </a:prstGeom>
+          <a:noFill/>
+        </p:spPr>
+        <p:txBody>
+          <a:bodyPr wrap="square" rtlCol="0">
+            <a:spAutoFit/>
+          </a:bodyPr>
+          <a:lstStyle/>
+          <a:p>
+            <a:pPr algn="ctr"/>
+            <a:r>
+              <a:rPr lang="en-US" sz="800" dirty="0">
+                <a:latin typeface="Arial" panose="020B0604020202020204" pitchFamily="34" charset="0"/>
+                <a:cs typeface="Arial" panose="020B0604020202020204" pitchFamily="34" charset="0"/>
+              </a:rPr>
+              <a:t>125</a:t>
+            </a:r>
+          </a:p>
+        </p:txBody>
+      </p:sp>
+      <p:sp>
+        <p:nvSpPr>
+          <p:cNvPr id="20" name="TextBox 19">
+            <a:extLst>
+              <a:ext uri="{FF2B5EF4-FFF2-40B4-BE49-F238E27FC236}">
+                <a16:creationId xmlns:a16="http://schemas.microsoft.com/office/drawing/2014/main" id="{FF4C4AE5-35CF-B641-850A-0B6577198E40}"/>
+              </a:ext>
+            </a:extLst>
+          </p:cNvPr>
+          <p:cNvSpPr txBox="1"/>
+          <p:nvPr/>
+        </p:nvSpPr>
+        <p:spPr>
+          <a:xfrm>
+            <a:off x="7221992" y="4669907"/>
+            <a:ext cx="566502" cy="215444"/>
+          </a:xfrm>
+          <a:prstGeom prst="rect">
+            <a:avLst/>
+          </a:prstGeom>
+          <a:noFill/>
+        </p:spPr>
+        <p:txBody>
+          <a:bodyPr wrap="square" rtlCol="0">
+            <a:spAutoFit/>
+          </a:bodyPr>
+          <a:lstStyle/>
+          <a:p>
+            <a:pPr algn="ctr"/>
+            <a:r>
+              <a:rPr lang="en-US" sz="800" dirty="0">
+                <a:latin typeface="Arial" panose="020B0604020202020204" pitchFamily="34" charset="0"/>
+                <a:cs typeface="Arial" panose="020B0604020202020204" pitchFamily="34" charset="0"/>
+              </a:rPr>
+              <a:t>250</a:t>
+            </a:r>
+          </a:p>
+        </p:txBody>
+      </p:sp>
+      <p:sp>
+        <p:nvSpPr>
+          <p:cNvPr id="21" name="TextBox 20">
+            <a:extLst>
+              <a:ext uri="{FF2B5EF4-FFF2-40B4-BE49-F238E27FC236}">
+                <a16:creationId xmlns:a16="http://schemas.microsoft.com/office/drawing/2014/main" id="{A0263837-59F8-4B49-A88F-C261DDB2D0DD}"/>
+              </a:ext>
+            </a:extLst>
+          </p:cNvPr>
+          <p:cNvSpPr txBox="1"/>
+          <p:nvPr/>
+        </p:nvSpPr>
+        <p:spPr>
+          <a:xfrm>
+            <a:off x="7524180" y="4665758"/>
+            <a:ext cx="672514" cy="215444"/>
+          </a:xfrm>
+          <a:prstGeom prst="rect">
+            <a:avLst/>
+          </a:prstGeom>
+          <a:noFill/>
+        </p:spPr>
+        <p:txBody>
+          <a:bodyPr wrap="square" rtlCol="0">
+            <a:spAutoFit/>
+          </a:bodyPr>
+          <a:lstStyle/>
+          <a:p>
+            <a:pPr algn="ctr"/>
+            <a:r>
+              <a:rPr lang="en-US" sz="800" dirty="0">
+                <a:latin typeface="Arial" panose="020B0604020202020204" pitchFamily="34" charset="0"/>
+                <a:cs typeface="Arial" panose="020B0604020202020204" pitchFamily="34" charset="0"/>
+              </a:rPr>
+              <a:t>1000</a:t>
+            </a:r>
+          </a:p>
+        </p:txBody>
+      </p:sp>
+      <p:sp>
+        <p:nvSpPr>
+          <p:cNvPr id="22" name="TextBox 21">
+            <a:extLst>
+              <a:ext uri="{FF2B5EF4-FFF2-40B4-BE49-F238E27FC236}">
+                <a16:creationId xmlns:a16="http://schemas.microsoft.com/office/drawing/2014/main" id="{995553E9-9BB2-EF43-9880-CFCFDFE94D7F}"/>
+              </a:ext>
+            </a:extLst>
+          </p:cNvPr>
+          <p:cNvSpPr txBox="1"/>
+          <p:nvPr/>
+        </p:nvSpPr>
+        <p:spPr>
+          <a:xfrm>
+            <a:off x="3934701" y="4937777"/>
+            <a:ext cx="2050952" cy="261610"/>
+          </a:xfrm>
+          <a:prstGeom prst="rect">
+            <a:avLst/>
+          </a:prstGeom>
+          <a:noFill/>
+        </p:spPr>
+        <p:txBody>
+          <a:bodyPr wrap="square" rtlCol="0">
+            <a:spAutoFit/>
+          </a:bodyPr>
+          <a:lstStyle/>
+          <a:p>
+            <a:pPr algn="ctr"/>
+            <a:r>
+              <a:rPr lang="en-US" sz="1100" dirty="0">
+                <a:latin typeface="Arial" panose="020B0604020202020204" pitchFamily="34" charset="0"/>
+                <a:cs typeface="Arial" panose="020B0604020202020204" pitchFamily="34" charset="0"/>
+              </a:rPr>
+              <a:t>Discrimination</a:t>
+            </a:r>
+          </a:p>
+        </p:txBody>
+      </p:sp>
+      <p:sp>
+        <p:nvSpPr>
+          <p:cNvPr id="23" name="TextBox 22">
+            <a:extLst>
+              <a:ext uri="{FF2B5EF4-FFF2-40B4-BE49-F238E27FC236}">
+                <a16:creationId xmlns:a16="http://schemas.microsoft.com/office/drawing/2014/main" id="{3FEA7760-81D4-4946-88A4-2C768B7C9CD8}"/>
+              </a:ext>
+            </a:extLst>
+          </p:cNvPr>
+          <p:cNvSpPr txBox="1"/>
+          <p:nvPr/>
+        </p:nvSpPr>
+        <p:spPr>
+          <a:xfrm>
+            <a:off x="6004077" y="4937777"/>
+            <a:ext cx="2050952" cy="261610"/>
+          </a:xfrm>
+          <a:prstGeom prst="rect">
+            <a:avLst/>
+          </a:prstGeom>
+          <a:noFill/>
+        </p:spPr>
+        <p:txBody>
+          <a:bodyPr wrap="square" rtlCol="0">
+            <a:spAutoFit/>
+          </a:bodyPr>
+          <a:lstStyle/>
+          <a:p>
+            <a:pPr algn="ctr"/>
+            <a:r>
+              <a:rPr lang="en-US" sz="1100" dirty="0">
+                <a:latin typeface="Arial" panose="020B0604020202020204" pitchFamily="34" charset="0"/>
+                <a:cs typeface="Arial" panose="020B0604020202020204" pitchFamily="34" charset="0"/>
+              </a:rPr>
+              <a:t>Numerical Estimate</a:t>
+            </a:r>
+          </a:p>
+        </p:txBody>
+      </p:sp>
+      <p:sp>
+        <p:nvSpPr>
+          <p:cNvPr id="25" name="TextBox 24">
+            <a:extLst>
+              <a:ext uri="{FF2B5EF4-FFF2-40B4-BE49-F238E27FC236}">
+                <a16:creationId xmlns:a16="http://schemas.microsoft.com/office/drawing/2014/main" id="{F7B431CA-AFED-604E-B2FF-896A3D87582D}"/>
+              </a:ext>
+            </a:extLst>
+          </p:cNvPr>
+          <p:cNvSpPr txBox="1"/>
+          <p:nvPr/>
+        </p:nvSpPr>
+        <p:spPr>
+          <a:xfrm rot="16200000">
+            <a:off x="3619967" y="642584"/>
+            <a:ext cx="406330" cy="215444"/>
+          </a:xfrm>
+          <a:prstGeom prst="rect">
+            <a:avLst/>
+          </a:prstGeom>
+          <a:noFill/>
+        </p:spPr>
+        <p:txBody>
+          <a:bodyPr wrap="square" rtlCol="0">
+            <a:spAutoFit/>
+          </a:bodyPr>
+          <a:lstStyle/>
+          <a:p>
+            <a:pPr algn="ctr"/>
+            <a:r>
+              <a:rPr lang="en-US" sz="800" dirty="0">
+                <a:latin typeface="Arial" panose="020B0604020202020204" pitchFamily="34" charset="0"/>
+                <a:cs typeface="Arial" panose="020B0604020202020204" pitchFamily="34" charset="0"/>
+              </a:rPr>
+              <a:t>125</a:t>
+            </a:r>
+          </a:p>
+        </p:txBody>
+      </p:sp>
+      <p:sp>
+        <p:nvSpPr>
+          <p:cNvPr id="26" name="TextBox 25">
+            <a:extLst>
+              <a:ext uri="{FF2B5EF4-FFF2-40B4-BE49-F238E27FC236}">
+                <a16:creationId xmlns:a16="http://schemas.microsoft.com/office/drawing/2014/main" id="{EFEB63BC-09C1-6D44-842B-CCC67213CB60}"/>
+              </a:ext>
+            </a:extLst>
+          </p:cNvPr>
+          <p:cNvSpPr txBox="1"/>
+          <p:nvPr/>
+        </p:nvSpPr>
+        <p:spPr>
+          <a:xfrm rot="16200000">
+            <a:off x="3621520" y="994505"/>
+            <a:ext cx="406330" cy="215444"/>
+          </a:xfrm>
+          <a:prstGeom prst="rect">
+            <a:avLst/>
+          </a:prstGeom>
+          <a:noFill/>
+        </p:spPr>
+        <p:txBody>
+          <a:bodyPr wrap="square" rtlCol="0">
+            <a:spAutoFit/>
+          </a:bodyPr>
+          <a:lstStyle/>
+          <a:p>
+            <a:pPr algn="ctr"/>
+            <a:r>
+              <a:rPr lang="en-US" sz="800" dirty="0">
+                <a:latin typeface="Arial" panose="020B0604020202020204" pitchFamily="34" charset="0"/>
+                <a:cs typeface="Arial" panose="020B0604020202020204" pitchFamily="34" charset="0"/>
+              </a:rPr>
+              <a:t>250</a:t>
+            </a:r>
+          </a:p>
+        </p:txBody>
+      </p:sp>
+      <p:sp>
+        <p:nvSpPr>
+          <p:cNvPr id="27" name="TextBox 26">
+            <a:extLst>
+              <a:ext uri="{FF2B5EF4-FFF2-40B4-BE49-F238E27FC236}">
+                <a16:creationId xmlns:a16="http://schemas.microsoft.com/office/drawing/2014/main" id="{55A76CF7-3216-9E44-B88B-301F4F96E25B}"/>
+              </a:ext>
+            </a:extLst>
+          </p:cNvPr>
+          <p:cNvSpPr txBox="1"/>
+          <p:nvPr/>
+        </p:nvSpPr>
+        <p:spPr>
+          <a:xfrm rot="16200000">
+            <a:off x="3594046" y="1326855"/>
+            <a:ext cx="458171" cy="215444"/>
+          </a:xfrm>
+          <a:prstGeom prst="rect">
+            <a:avLst/>
+          </a:prstGeom>
+          <a:noFill/>
+        </p:spPr>
+        <p:txBody>
+          <a:bodyPr wrap="square" rtlCol="0">
+            <a:spAutoFit/>
+          </a:bodyPr>
+          <a:lstStyle/>
+          <a:p>
+            <a:pPr algn="ctr"/>
+            <a:r>
+              <a:rPr lang="en-US" sz="800" dirty="0">
+                <a:latin typeface="Arial" panose="020B0604020202020204" pitchFamily="34" charset="0"/>
+                <a:cs typeface="Arial" panose="020B0604020202020204" pitchFamily="34" charset="0"/>
+              </a:rPr>
+              <a:t>1000</a:t>
+            </a:r>
+          </a:p>
+        </p:txBody>
+      </p:sp>
+      <p:sp>
+        <p:nvSpPr>
+          <p:cNvPr id="28" name="TextBox 27">
+            <a:extLst>
+              <a:ext uri="{FF2B5EF4-FFF2-40B4-BE49-F238E27FC236}">
+                <a16:creationId xmlns:a16="http://schemas.microsoft.com/office/drawing/2014/main" id="{A324568C-89D5-774D-9694-5B014013188C}"/>
+              </a:ext>
+            </a:extLst>
+          </p:cNvPr>
+          <p:cNvSpPr txBox="1"/>
+          <p:nvPr/>
+        </p:nvSpPr>
+        <p:spPr>
+          <a:xfrm rot="16200000">
+            <a:off x="3619968" y="1668294"/>
+            <a:ext cx="406330" cy="215444"/>
+          </a:xfrm>
+          <a:prstGeom prst="rect">
+            <a:avLst/>
+          </a:prstGeom>
+          <a:noFill/>
+        </p:spPr>
+        <p:txBody>
+          <a:bodyPr wrap="square" rtlCol="0">
+            <a:spAutoFit/>
+          </a:bodyPr>
+          <a:lstStyle/>
+          <a:p>
+            <a:pPr algn="ctr"/>
+            <a:r>
+              <a:rPr lang="en-US" sz="800" dirty="0">
+                <a:latin typeface="Arial" panose="020B0604020202020204" pitchFamily="34" charset="0"/>
+                <a:cs typeface="Arial" panose="020B0604020202020204" pitchFamily="34" charset="0"/>
+              </a:rPr>
+              <a:t>125</a:t>
+            </a:r>
+          </a:p>
+        </p:txBody>
+      </p:sp>
+      <p:sp>
+        <p:nvSpPr>
+          <p:cNvPr id="29" name="TextBox 28">
+            <a:extLst>
+              <a:ext uri="{FF2B5EF4-FFF2-40B4-BE49-F238E27FC236}">
+                <a16:creationId xmlns:a16="http://schemas.microsoft.com/office/drawing/2014/main" id="{287B75DA-93AB-F14E-A3F6-54AA0ADDF808}"/>
+              </a:ext>
+            </a:extLst>
+          </p:cNvPr>
+          <p:cNvSpPr txBox="1"/>
+          <p:nvPr/>
+        </p:nvSpPr>
+        <p:spPr>
+          <a:xfrm rot="16200000">
+            <a:off x="3621521" y="2020215"/>
+            <a:ext cx="406330" cy="215444"/>
+          </a:xfrm>
+          <a:prstGeom prst="rect">
+            <a:avLst/>
+          </a:prstGeom>
+          <a:noFill/>
+        </p:spPr>
+        <p:txBody>
+          <a:bodyPr wrap="square" rtlCol="0">
+            <a:spAutoFit/>
+          </a:bodyPr>
+          <a:lstStyle/>
+          <a:p>
+            <a:pPr algn="ctr"/>
+            <a:r>
+              <a:rPr lang="en-US" sz="800" dirty="0">
+                <a:latin typeface="Arial" panose="020B0604020202020204" pitchFamily="34" charset="0"/>
+                <a:cs typeface="Arial" panose="020B0604020202020204" pitchFamily="34" charset="0"/>
+              </a:rPr>
+              <a:t>250</a:t>
+            </a:r>
+          </a:p>
+        </p:txBody>
+      </p:sp>
+      <p:sp>
+        <p:nvSpPr>
+          <p:cNvPr id="30" name="TextBox 29">
+            <a:extLst>
+              <a:ext uri="{FF2B5EF4-FFF2-40B4-BE49-F238E27FC236}">
+                <a16:creationId xmlns:a16="http://schemas.microsoft.com/office/drawing/2014/main" id="{76D19E26-397F-964B-80CD-F91DA2851EDA}"/>
+              </a:ext>
+            </a:extLst>
+          </p:cNvPr>
+          <p:cNvSpPr txBox="1"/>
+          <p:nvPr/>
+        </p:nvSpPr>
+        <p:spPr>
+          <a:xfrm rot="16200000">
+            <a:off x="3594047" y="2352565"/>
+            <a:ext cx="458171" cy="215444"/>
+          </a:xfrm>
+          <a:prstGeom prst="rect">
+            <a:avLst/>
+          </a:prstGeom>
+          <a:noFill/>
+        </p:spPr>
+        <p:txBody>
+          <a:bodyPr wrap="square" rtlCol="0">
+            <a:spAutoFit/>
+          </a:bodyPr>
+          <a:lstStyle/>
+          <a:p>
+            <a:pPr algn="ctr"/>
+            <a:r>
+              <a:rPr lang="en-US" sz="800" dirty="0">
+                <a:latin typeface="Arial" panose="020B0604020202020204" pitchFamily="34" charset="0"/>
+                <a:cs typeface="Arial" panose="020B0604020202020204" pitchFamily="34" charset="0"/>
+              </a:rPr>
+              <a:t>1000</a:t>
+            </a:r>
+          </a:p>
+        </p:txBody>
+      </p:sp>
+      <p:sp>
+        <p:nvSpPr>
+          <p:cNvPr id="31" name="TextBox 30">
+            <a:extLst>
+              <a:ext uri="{FF2B5EF4-FFF2-40B4-BE49-F238E27FC236}">
+                <a16:creationId xmlns:a16="http://schemas.microsoft.com/office/drawing/2014/main" id="{A66903CC-4D40-AD44-A3E5-B30155EE5353}"/>
+              </a:ext>
+            </a:extLst>
+          </p:cNvPr>
+          <p:cNvSpPr txBox="1"/>
+          <p:nvPr/>
+        </p:nvSpPr>
+        <p:spPr>
+          <a:xfrm rot="16200000">
+            <a:off x="3618412" y="2703967"/>
+            <a:ext cx="406330" cy="215444"/>
+          </a:xfrm>
+          <a:prstGeom prst="rect">
+            <a:avLst/>
+          </a:prstGeom>
+          <a:noFill/>
+        </p:spPr>
+        <p:txBody>
+          <a:bodyPr wrap="square" rtlCol="0">
+            <a:spAutoFit/>
+          </a:bodyPr>
+          <a:lstStyle/>
+          <a:p>
+            <a:pPr algn="ctr"/>
+            <a:r>
+              <a:rPr lang="en-US" sz="800" dirty="0">
+                <a:latin typeface="Arial" panose="020B0604020202020204" pitchFamily="34" charset="0"/>
+                <a:cs typeface="Arial" panose="020B0604020202020204" pitchFamily="34" charset="0"/>
+              </a:rPr>
+              <a:t>125</a:t>
+            </a:r>
+          </a:p>
+        </p:txBody>
+      </p:sp>
+      <p:sp>
+        <p:nvSpPr>
+          <p:cNvPr id="32" name="TextBox 31">
+            <a:extLst>
+              <a:ext uri="{FF2B5EF4-FFF2-40B4-BE49-F238E27FC236}">
+                <a16:creationId xmlns:a16="http://schemas.microsoft.com/office/drawing/2014/main" id="{6599DD3A-0640-C943-9040-E4C1DC2A0361}"/>
+              </a:ext>
+            </a:extLst>
+          </p:cNvPr>
+          <p:cNvSpPr txBox="1"/>
+          <p:nvPr/>
+        </p:nvSpPr>
+        <p:spPr>
+          <a:xfrm rot="16200000">
+            <a:off x="3619965" y="3055888"/>
+            <a:ext cx="406330" cy="215444"/>
+          </a:xfrm>
+          <a:prstGeom prst="rect">
+            <a:avLst/>
+          </a:prstGeom>
+          <a:noFill/>
+        </p:spPr>
+        <p:txBody>
+          <a:bodyPr wrap="square" rtlCol="0">
+            <a:spAutoFit/>
+          </a:bodyPr>
+          <a:lstStyle/>
+          <a:p>
+            <a:pPr algn="ctr"/>
+            <a:r>
+              <a:rPr lang="en-US" sz="800" dirty="0">
+                <a:latin typeface="Arial" panose="020B0604020202020204" pitchFamily="34" charset="0"/>
+                <a:cs typeface="Arial" panose="020B0604020202020204" pitchFamily="34" charset="0"/>
+              </a:rPr>
+              <a:t>250</a:t>
+            </a:r>
+          </a:p>
+        </p:txBody>
+      </p:sp>
+      <p:sp>
+        <p:nvSpPr>
+          <p:cNvPr id="33" name="TextBox 32">
+            <a:extLst>
+              <a:ext uri="{FF2B5EF4-FFF2-40B4-BE49-F238E27FC236}">
+                <a16:creationId xmlns:a16="http://schemas.microsoft.com/office/drawing/2014/main" id="{1E84C663-BDB3-FF48-B9B8-743DA86B1882}"/>
+              </a:ext>
+            </a:extLst>
+          </p:cNvPr>
+          <p:cNvSpPr txBox="1"/>
+          <p:nvPr/>
+        </p:nvSpPr>
+        <p:spPr>
+          <a:xfrm rot="16200000">
+            <a:off x="3592491" y="3388238"/>
+            <a:ext cx="458171" cy="215444"/>
+          </a:xfrm>
+          <a:prstGeom prst="rect">
+            <a:avLst/>
+          </a:prstGeom>
+          <a:noFill/>
+        </p:spPr>
+        <p:txBody>
+          <a:bodyPr wrap="square" rtlCol="0">
+            <a:spAutoFit/>
+          </a:bodyPr>
+          <a:lstStyle/>
+          <a:p>
+            <a:pPr algn="ctr"/>
+            <a:r>
+              <a:rPr lang="en-US" sz="800" dirty="0">
+                <a:latin typeface="Arial" panose="020B0604020202020204" pitchFamily="34" charset="0"/>
+                <a:cs typeface="Arial" panose="020B0604020202020204" pitchFamily="34" charset="0"/>
+              </a:rPr>
+              <a:t>1000</a:t>
+            </a:r>
+          </a:p>
+        </p:txBody>
+      </p:sp>
+      <p:sp>
+        <p:nvSpPr>
+          <p:cNvPr id="34" name="TextBox 33">
+            <a:extLst>
+              <a:ext uri="{FF2B5EF4-FFF2-40B4-BE49-F238E27FC236}">
+                <a16:creationId xmlns:a16="http://schemas.microsoft.com/office/drawing/2014/main" id="{E95EF5EE-E487-C347-B44E-C5F902C68A49}"/>
+              </a:ext>
+            </a:extLst>
+          </p:cNvPr>
+          <p:cNvSpPr txBox="1"/>
+          <p:nvPr/>
+        </p:nvSpPr>
+        <p:spPr>
+          <a:xfrm rot="16200000">
+            <a:off x="3618413" y="3729677"/>
+            <a:ext cx="406330" cy="215444"/>
+          </a:xfrm>
+          <a:prstGeom prst="rect">
+            <a:avLst/>
+          </a:prstGeom>
+          <a:noFill/>
+        </p:spPr>
+        <p:txBody>
+          <a:bodyPr wrap="square" rtlCol="0">
+            <a:spAutoFit/>
+          </a:bodyPr>
+          <a:lstStyle/>
+          <a:p>
+            <a:pPr algn="ctr"/>
+            <a:r>
+              <a:rPr lang="en-US" sz="800" dirty="0">
+                <a:latin typeface="Arial" panose="020B0604020202020204" pitchFamily="34" charset="0"/>
+                <a:cs typeface="Arial" panose="020B0604020202020204" pitchFamily="34" charset="0"/>
+              </a:rPr>
+              <a:t>125</a:t>
+            </a:r>
+          </a:p>
+        </p:txBody>
+      </p:sp>
+      <p:sp>
+        <p:nvSpPr>
+          <p:cNvPr id="35" name="TextBox 34">
+            <a:extLst>
+              <a:ext uri="{FF2B5EF4-FFF2-40B4-BE49-F238E27FC236}">
+                <a16:creationId xmlns:a16="http://schemas.microsoft.com/office/drawing/2014/main" id="{9D3EBAC2-E627-2F43-B15B-B012C72565F6}"/>
+              </a:ext>
+            </a:extLst>
+          </p:cNvPr>
+          <p:cNvSpPr txBox="1"/>
+          <p:nvPr/>
+        </p:nvSpPr>
+        <p:spPr>
+          <a:xfrm rot="16200000">
+            <a:off x="3619966" y="4081598"/>
+            <a:ext cx="406330" cy="215444"/>
+          </a:xfrm>
+          <a:prstGeom prst="rect">
+            <a:avLst/>
+          </a:prstGeom>
+          <a:noFill/>
+        </p:spPr>
+        <p:txBody>
+          <a:bodyPr wrap="square" rtlCol="0">
+            <a:spAutoFit/>
+          </a:bodyPr>
+          <a:lstStyle/>
+          <a:p>
+            <a:pPr algn="ctr"/>
+            <a:r>
+              <a:rPr lang="en-US" sz="800" dirty="0">
+                <a:latin typeface="Arial" panose="020B0604020202020204" pitchFamily="34" charset="0"/>
+                <a:cs typeface="Arial" panose="020B0604020202020204" pitchFamily="34" charset="0"/>
+              </a:rPr>
+              <a:t>250</a:t>
+            </a:r>
+          </a:p>
+        </p:txBody>
+      </p:sp>
+      <p:sp>
+        <p:nvSpPr>
+          <p:cNvPr id="36" name="TextBox 35">
+            <a:extLst>
+              <a:ext uri="{FF2B5EF4-FFF2-40B4-BE49-F238E27FC236}">
+                <a16:creationId xmlns:a16="http://schemas.microsoft.com/office/drawing/2014/main" id="{1094DB5C-BF7D-244E-9D5D-B021CF75EC26}"/>
+              </a:ext>
+            </a:extLst>
+          </p:cNvPr>
+          <p:cNvSpPr txBox="1"/>
+          <p:nvPr/>
+        </p:nvSpPr>
+        <p:spPr>
+          <a:xfrm rot="16200000">
+            <a:off x="3592492" y="4413948"/>
+            <a:ext cx="458171" cy="215444"/>
+          </a:xfrm>
+          <a:prstGeom prst="rect">
+            <a:avLst/>
+          </a:prstGeom>
+          <a:noFill/>
+        </p:spPr>
+        <p:txBody>
+          <a:bodyPr wrap="square" rtlCol="0">
+            <a:spAutoFit/>
+          </a:bodyPr>
+          <a:lstStyle/>
+          <a:p>
+            <a:pPr algn="ctr"/>
+            <a:r>
+              <a:rPr lang="en-US" sz="800" dirty="0">
+                <a:latin typeface="Arial" panose="020B0604020202020204" pitchFamily="34" charset="0"/>
+                <a:cs typeface="Arial" panose="020B0604020202020204" pitchFamily="34" charset="0"/>
+              </a:rPr>
+              <a:t>1000</a:t>
+            </a:r>
+          </a:p>
+        </p:txBody>
+      </p:sp>
+      <p:sp>
+        <p:nvSpPr>
+          <p:cNvPr id="37" name="TextBox 36">
+            <a:extLst>
+              <a:ext uri="{FF2B5EF4-FFF2-40B4-BE49-F238E27FC236}">
+                <a16:creationId xmlns:a16="http://schemas.microsoft.com/office/drawing/2014/main" id="{E2DCB2C6-1F9B-FC49-8946-A34DA050F0BD}"/>
+              </a:ext>
+            </a:extLst>
+          </p:cNvPr>
+          <p:cNvSpPr txBox="1"/>
+          <p:nvPr/>
+        </p:nvSpPr>
+        <p:spPr>
+          <a:xfrm rot="16200000">
+            <a:off x="2470113" y="1452242"/>
+            <a:ext cx="2050952" cy="261610"/>
+          </a:xfrm>
+          <a:prstGeom prst="rect">
+            <a:avLst/>
+          </a:prstGeom>
+          <a:noFill/>
+        </p:spPr>
+        <p:txBody>
+          <a:bodyPr wrap="square" rtlCol="0">
+            <a:spAutoFit/>
+          </a:bodyPr>
+          <a:lstStyle/>
+          <a:p>
+            <a:pPr algn="ctr"/>
+            <a:r>
+              <a:rPr lang="en-US" sz="1100" dirty="0">
+                <a:latin typeface="Arial" panose="020B0604020202020204" pitchFamily="34" charset="0"/>
+                <a:cs typeface="Arial" panose="020B0604020202020204" pitchFamily="34" charset="0"/>
+              </a:rPr>
+              <a:t>Discrimination</a:t>
+            </a:r>
+          </a:p>
+        </p:txBody>
+      </p:sp>
+      <p:sp>
+        <p:nvSpPr>
+          <p:cNvPr id="38" name="Left Brace 37">
+            <a:extLst>
+              <a:ext uri="{FF2B5EF4-FFF2-40B4-BE49-F238E27FC236}">
+                <a16:creationId xmlns:a16="http://schemas.microsoft.com/office/drawing/2014/main" id="{0B56F7DE-3C36-354A-B730-3A22DED2A967}"/>
+              </a:ext>
+            </a:extLst>
+          </p:cNvPr>
+          <p:cNvSpPr/>
+          <p:nvPr/>
+        </p:nvSpPr>
+        <p:spPr>
+          <a:xfrm>
+            <a:off x="3589852" y="584819"/>
+            <a:ext cx="167346" cy="2050951"/>
+          </a:xfrm>
+          <a:prstGeom prst="leftBrace">
+            <a:avLst>
+              <a:gd name="adj1" fmla="val 8333"/>
+              <a:gd name="adj2" fmla="val 50895"/>
+            </a:avLst>
+          </a:prstGeom>
+        </p:spPr>
+        <p:style>
+          <a:lnRef idx="1">
+            <a:schemeClr val="dk1"/>
+          </a:lnRef>
+          <a:fillRef idx="0">
+            <a:schemeClr val="dk1"/>
+          </a:fillRef>
+          <a:effectRef idx="0">
+            <a:schemeClr val="dk1"/>
+          </a:effectRef>
+          <a:fontRef idx="minor">
+            <a:schemeClr val="tx1"/>
+          </a:fontRef>
+        </p:style>
+        <p:txBody>
+          <a:bodyPr rot="0" spcFirstLastPara="0" vert="horz" wrap="square" lIns="18288" tIns="9144" rIns="18288" bIns="9144" numCol="1" spcCol="0" rtlCol="0" fromWordArt="0" anchor="ctr" anchorCtr="0" forceAA="0" compatLnSpc="1">
+            <a:prstTxWarp prst="textNoShape">
+              <a:avLst/>
+            </a:prstTxWarp>
+            <a:noAutofit/>
+          </a:bodyPr>
+          <a:lstStyle/>
+          <a:p>
+            <a:endParaRPr lang="en-US" sz="700" dirty="0">
+              <a:solidFill>
+                <a:schemeClr val="bg2">
+                  <a:lumMod val="90000"/>
+                </a:schemeClr>
+              </a:solidFill>
+            </a:endParaRPr>
+          </a:p>
+        </p:txBody>
+      </p:sp>
+      <p:sp>
+        <p:nvSpPr>
+          <p:cNvPr id="39" name="TextBox 38">
+            <a:extLst>
+              <a:ext uri="{FF2B5EF4-FFF2-40B4-BE49-F238E27FC236}">
+                <a16:creationId xmlns:a16="http://schemas.microsoft.com/office/drawing/2014/main" id="{EEE2890A-CE42-954D-AB21-461BD9722350}"/>
+              </a:ext>
+            </a:extLst>
+          </p:cNvPr>
+          <p:cNvSpPr txBox="1"/>
+          <p:nvPr/>
+        </p:nvSpPr>
+        <p:spPr>
+          <a:xfrm rot="16200000">
+            <a:off x="2470113" y="3526317"/>
+            <a:ext cx="2050952" cy="261610"/>
+          </a:xfrm>
+          <a:prstGeom prst="rect">
+            <a:avLst/>
+          </a:prstGeom>
+          <a:noFill/>
+        </p:spPr>
+        <p:txBody>
+          <a:bodyPr wrap="square" rtlCol="0">
+            <a:spAutoFit/>
+          </a:bodyPr>
+          <a:lstStyle/>
+          <a:p>
+            <a:pPr algn="ctr"/>
+            <a:r>
+              <a:rPr lang="en-US" sz="1100" dirty="0">
+                <a:latin typeface="Arial" panose="020B0604020202020204" pitchFamily="34" charset="0"/>
+                <a:cs typeface="Arial" panose="020B0604020202020204" pitchFamily="34" charset="0"/>
+              </a:rPr>
+              <a:t>Numerical Estimate</a:t>
+            </a:r>
+          </a:p>
+        </p:txBody>
+      </p:sp>
+      <p:sp>
+        <p:nvSpPr>
+          <p:cNvPr id="40" name="Left Brace 39">
+            <a:extLst>
+              <a:ext uri="{FF2B5EF4-FFF2-40B4-BE49-F238E27FC236}">
+                <a16:creationId xmlns:a16="http://schemas.microsoft.com/office/drawing/2014/main" id="{CDAC6C59-3962-4142-A627-5AAD725A4168}"/>
+              </a:ext>
+            </a:extLst>
+          </p:cNvPr>
+          <p:cNvSpPr/>
+          <p:nvPr/>
+        </p:nvSpPr>
+        <p:spPr>
+          <a:xfrm>
+            <a:off x="3589852" y="2658894"/>
+            <a:ext cx="167346" cy="2050951"/>
+          </a:xfrm>
+          <a:prstGeom prst="leftBrace">
+            <a:avLst>
+              <a:gd name="adj1" fmla="val 8333"/>
+              <a:gd name="adj2" fmla="val 50895"/>
+            </a:avLst>
+          </a:prstGeom>
+        </p:spPr>
+        <p:style>
+          <a:lnRef idx="1">
+            <a:schemeClr val="dk1"/>
+          </a:lnRef>
+          <a:fillRef idx="0">
+            <a:schemeClr val="dk1"/>
+          </a:fillRef>
+          <a:effectRef idx="0">
+            <a:schemeClr val="dk1"/>
+          </a:effectRef>
+          <a:fontRef idx="minor">
+            <a:schemeClr val="tx1"/>
+          </a:fontRef>
+        </p:style>
+        <p:txBody>
+          <a:bodyPr rot="0" spcFirstLastPara="0" vert="horz" wrap="square" lIns="18288" tIns="9144" rIns="18288" bIns="9144" numCol="1" spcCol="0" rtlCol="0" fromWordArt="0" anchor="ctr" anchorCtr="0" forceAA="0" compatLnSpc="1">
+            <a:prstTxWarp prst="textNoShape">
+              <a:avLst/>
+            </a:prstTxWarp>
+            <a:noAutofit/>
+          </a:bodyPr>
+          <a:lstStyle/>
+          <a:p>
+            <a:endParaRPr lang="en-US" sz="700" dirty="0">
+              <a:solidFill>
+                <a:schemeClr val="bg2">
+                  <a:lumMod val="90000"/>
+                </a:schemeClr>
+              </a:solidFill>
+            </a:endParaRPr>
+          </a:p>
+        </p:txBody>
+      </p:sp>
+      <p:pic>
+        <p:nvPicPr>
+          <p:cNvPr id="41" name="Picture 40">
+            <a:extLst>
+              <a:ext uri="{FF2B5EF4-FFF2-40B4-BE49-F238E27FC236}">
+                <a16:creationId xmlns:a16="http://schemas.microsoft.com/office/drawing/2014/main" id="{77B9893C-A2C8-BF44-A1D1-073E60E2433C}"/>
+              </a:ext>
+            </a:extLst>
+          </p:cNvPr>
+          <p:cNvPicPr>
+            <a:picLocks noChangeAspect="1"/>
+          </p:cNvPicPr>
+          <p:nvPr/>
+        </p:nvPicPr>
+        <p:blipFill rotWithShape="1">
+          <a:blip r:embed="rId2"/>
+          <a:srcRect l="92718" b="8949"/>
+          <a:stretch/>
+        </p:blipFill>
+        <p:spPr>
+          <a:xfrm>
+            <a:off x="8259593" y="552035"/>
+            <a:ext cx="375999" cy="4175871"/>
+          </a:xfrm>
+          <a:prstGeom prst="rect">
+            <a:avLst/>
+          </a:prstGeom>
+        </p:spPr>
+      </p:pic>
+      <p:sp>
+        <p:nvSpPr>
+          <p:cNvPr id="44" name="TextBox 43">
+            <a:extLst>
+              <a:ext uri="{FF2B5EF4-FFF2-40B4-BE49-F238E27FC236}">
+                <a16:creationId xmlns:a16="http://schemas.microsoft.com/office/drawing/2014/main" id="{2EF06B0B-DED8-AA44-91D5-CB4847ABB881}"/>
+              </a:ext>
+            </a:extLst>
+          </p:cNvPr>
+          <p:cNvSpPr txBox="1"/>
+          <p:nvPr/>
+        </p:nvSpPr>
+        <p:spPr>
+          <a:xfrm>
+            <a:off x="8507886" y="876837"/>
+            <a:ext cx="609693" cy="215444"/>
+          </a:xfrm>
+          <a:prstGeom prst="rect">
+            <a:avLst/>
+          </a:prstGeom>
+          <a:solidFill>
+            <a:schemeClr val="bg1"/>
+          </a:solidFill>
+        </p:spPr>
+        <p:txBody>
+          <a:bodyPr wrap="square" rtlCol="0">
+            <a:spAutoFit/>
+          </a:bodyPr>
+          <a:lstStyle/>
+          <a:p>
+            <a:r>
+              <a:rPr lang="en-US" sz="800" dirty="0">
+                <a:latin typeface="Arial" panose="020B0604020202020204" pitchFamily="34" charset="0"/>
+                <a:cs typeface="Arial" panose="020B0604020202020204" pitchFamily="34" charset="0"/>
+              </a:rPr>
+              <a:t>0.8</a:t>
+            </a:r>
+          </a:p>
+        </p:txBody>
+      </p:sp>
+      <p:sp>
+        <p:nvSpPr>
+          <p:cNvPr id="45" name="TextBox 44">
+            <a:extLst>
+              <a:ext uri="{FF2B5EF4-FFF2-40B4-BE49-F238E27FC236}">
+                <a16:creationId xmlns:a16="http://schemas.microsoft.com/office/drawing/2014/main" id="{77A7D1AC-C1DD-B74E-A2DF-F6220229BD32}"/>
+              </a:ext>
+            </a:extLst>
+          </p:cNvPr>
+          <p:cNvSpPr txBox="1"/>
+          <p:nvPr/>
+        </p:nvSpPr>
+        <p:spPr>
+          <a:xfrm>
+            <a:off x="8514812" y="1699753"/>
+            <a:ext cx="604862" cy="215444"/>
+          </a:xfrm>
+          <a:prstGeom prst="rect">
+            <a:avLst/>
+          </a:prstGeom>
+          <a:solidFill>
+            <a:schemeClr val="bg1"/>
+          </a:solidFill>
+        </p:spPr>
+        <p:txBody>
+          <a:bodyPr wrap="square" rtlCol="0">
+            <a:spAutoFit/>
+          </a:bodyPr>
+          <a:lstStyle/>
+          <a:p>
+            <a:r>
+              <a:rPr lang="en-US" sz="800" dirty="0">
+                <a:latin typeface="Arial" panose="020B0604020202020204" pitchFamily="34" charset="0"/>
+                <a:cs typeface="Arial" panose="020B0604020202020204" pitchFamily="34" charset="0"/>
+              </a:rPr>
+              <a:t>0.4</a:t>
+            </a:r>
+          </a:p>
+        </p:txBody>
+      </p:sp>
+      <p:sp>
+        <p:nvSpPr>
+          <p:cNvPr id="46" name="TextBox 45">
+            <a:extLst>
+              <a:ext uri="{FF2B5EF4-FFF2-40B4-BE49-F238E27FC236}">
+                <a16:creationId xmlns:a16="http://schemas.microsoft.com/office/drawing/2014/main" id="{3716DEF6-1F39-B645-B781-81E1CEB00A1C}"/>
+              </a:ext>
+            </a:extLst>
+          </p:cNvPr>
+          <p:cNvSpPr txBox="1"/>
+          <p:nvPr/>
+        </p:nvSpPr>
+        <p:spPr>
+          <a:xfrm>
+            <a:off x="8517399" y="2521649"/>
+            <a:ext cx="604862" cy="215444"/>
+          </a:xfrm>
+          <a:prstGeom prst="rect">
+            <a:avLst/>
+          </a:prstGeom>
+          <a:solidFill>
+            <a:schemeClr val="bg1"/>
+          </a:solidFill>
+        </p:spPr>
+        <p:txBody>
+          <a:bodyPr wrap="square" rtlCol="0">
+            <a:spAutoFit/>
+          </a:bodyPr>
+          <a:lstStyle/>
+          <a:p>
+            <a:r>
+              <a:rPr lang="en-US" sz="800" dirty="0">
+                <a:latin typeface="Arial" panose="020B0604020202020204" pitchFamily="34" charset="0"/>
+                <a:cs typeface="Arial" panose="020B0604020202020204" pitchFamily="34" charset="0"/>
+              </a:rPr>
+              <a:t>0</a:t>
+            </a:r>
+          </a:p>
+        </p:txBody>
+      </p:sp>
+      <p:sp>
+        <p:nvSpPr>
+          <p:cNvPr id="47" name="TextBox 46">
+            <a:extLst>
+              <a:ext uri="{FF2B5EF4-FFF2-40B4-BE49-F238E27FC236}">
+                <a16:creationId xmlns:a16="http://schemas.microsoft.com/office/drawing/2014/main" id="{5095AE1D-4D0B-0F43-A95E-BFE79B58A5EB}"/>
+              </a:ext>
+            </a:extLst>
+          </p:cNvPr>
+          <p:cNvSpPr txBox="1"/>
+          <p:nvPr/>
+        </p:nvSpPr>
+        <p:spPr>
+          <a:xfrm>
+            <a:off x="8515373" y="3340189"/>
+            <a:ext cx="739954" cy="215444"/>
+          </a:xfrm>
+          <a:prstGeom prst="rect">
+            <a:avLst/>
+          </a:prstGeom>
+          <a:solidFill>
+            <a:schemeClr val="bg1"/>
+          </a:solidFill>
+        </p:spPr>
+        <p:txBody>
+          <a:bodyPr wrap="square" rtlCol="0">
+            <a:spAutoFit/>
+          </a:bodyPr>
+          <a:lstStyle/>
+          <a:p>
+            <a:r>
+              <a:rPr lang="en-US" sz="800" dirty="0">
+                <a:latin typeface="Arial" panose="020B0604020202020204" pitchFamily="34" charset="0"/>
+                <a:cs typeface="Arial" panose="020B0604020202020204" pitchFamily="34" charset="0"/>
+              </a:rPr>
+              <a:t>- 0.4</a:t>
+            </a:r>
+          </a:p>
+        </p:txBody>
+      </p:sp>
+      <p:sp>
+        <p:nvSpPr>
+          <p:cNvPr id="48" name="TextBox 47">
+            <a:extLst>
+              <a:ext uri="{FF2B5EF4-FFF2-40B4-BE49-F238E27FC236}">
+                <a16:creationId xmlns:a16="http://schemas.microsoft.com/office/drawing/2014/main" id="{077F5FF6-31E2-AB48-83FB-E56D8DF9449A}"/>
+              </a:ext>
+            </a:extLst>
+          </p:cNvPr>
+          <p:cNvSpPr txBox="1"/>
+          <p:nvPr/>
+        </p:nvSpPr>
+        <p:spPr>
+          <a:xfrm>
+            <a:off x="8518721" y="4170941"/>
+            <a:ext cx="762176" cy="215444"/>
+          </a:xfrm>
+          <a:prstGeom prst="rect">
+            <a:avLst/>
+          </a:prstGeom>
+          <a:solidFill>
+            <a:schemeClr val="bg1"/>
+          </a:solidFill>
+        </p:spPr>
+        <p:txBody>
+          <a:bodyPr wrap="square" rtlCol="0">
+            <a:spAutoFit/>
+          </a:bodyPr>
+          <a:lstStyle/>
+          <a:p>
+            <a:r>
+              <a:rPr lang="en-US" sz="800" dirty="0">
+                <a:latin typeface="Arial" panose="020B0604020202020204" pitchFamily="34" charset="0"/>
+                <a:cs typeface="Arial" panose="020B0604020202020204" pitchFamily="34" charset="0"/>
+              </a:rPr>
+              <a:t>- 0.8</a:t>
+            </a:r>
+          </a:p>
+        </p:txBody>
+      </p:sp>
+      <p:sp>
+        <p:nvSpPr>
+          <p:cNvPr id="49" name="TextBox 48">
+            <a:extLst>
+              <a:ext uri="{FF2B5EF4-FFF2-40B4-BE49-F238E27FC236}">
+                <a16:creationId xmlns:a16="http://schemas.microsoft.com/office/drawing/2014/main" id="{B9502C89-76AA-8548-BF93-D0E63BAA3818}"/>
+              </a:ext>
+            </a:extLst>
+          </p:cNvPr>
+          <p:cNvSpPr txBox="1"/>
+          <p:nvPr/>
+        </p:nvSpPr>
+        <p:spPr>
+          <a:xfrm>
+            <a:off x="8575275" y="2170177"/>
+            <a:ext cx="730173" cy="215444"/>
+          </a:xfrm>
+          <a:prstGeom prst="rect">
+            <a:avLst/>
+          </a:prstGeom>
+          <a:noFill/>
+        </p:spPr>
+        <p:txBody>
+          <a:bodyPr wrap="square" rtlCol="0">
+            <a:spAutoFit/>
+          </a:bodyPr>
+          <a:lstStyle/>
+          <a:p>
+            <a:r>
+              <a:rPr lang="en-US" sz="800" dirty="0">
+                <a:latin typeface="Arial" panose="020B0604020202020204" pitchFamily="34" charset="0"/>
+                <a:cs typeface="Arial" panose="020B0604020202020204" pitchFamily="34" charset="0"/>
+              </a:rPr>
+              <a:t> 0.16</a:t>
+            </a:r>
+          </a:p>
+        </p:txBody>
+      </p:sp>
+      <p:sp>
+        <p:nvSpPr>
+          <p:cNvPr id="50" name="TextBox 49">
+            <a:extLst>
+              <a:ext uri="{FF2B5EF4-FFF2-40B4-BE49-F238E27FC236}">
+                <a16:creationId xmlns:a16="http://schemas.microsoft.com/office/drawing/2014/main" id="{B085EEB2-57C6-6A42-92FC-50271EDE7A34}"/>
+              </a:ext>
+            </a:extLst>
+          </p:cNvPr>
+          <p:cNvSpPr txBox="1"/>
+          <p:nvPr/>
+        </p:nvSpPr>
+        <p:spPr>
+          <a:xfrm>
+            <a:off x="8926872" y="2154230"/>
+            <a:ext cx="294800" cy="307777"/>
+          </a:xfrm>
+          <a:prstGeom prst="rect">
+            <a:avLst/>
+          </a:prstGeom>
+          <a:noFill/>
+          <a:ln>
+            <a:noFill/>
+          </a:ln>
+        </p:spPr>
+        <p:txBody>
+          <a:bodyPr wrap="square" rtlCol="0">
+            <a:spAutoFit/>
+          </a:bodyPr>
+          <a:lstStyle/>
+          <a:p>
+            <a:r>
+              <a:rPr lang="en-US" sz="1400" dirty="0">
+                <a:latin typeface="Arial" panose="020B0604020202020204" pitchFamily="34" charset="0"/>
+                <a:cs typeface="Arial" panose="020B0604020202020204" pitchFamily="34" charset="0"/>
+              </a:rPr>
+              <a:t>*</a:t>
+            </a:r>
+          </a:p>
+        </p:txBody>
+      </p:sp>
+      <p:sp>
+        <p:nvSpPr>
+          <p:cNvPr id="51" name="TextBox 50">
+            <a:extLst>
+              <a:ext uri="{FF2B5EF4-FFF2-40B4-BE49-F238E27FC236}">
+                <a16:creationId xmlns:a16="http://schemas.microsoft.com/office/drawing/2014/main" id="{21566B86-416D-E847-AB82-5ED6E71D3B97}"/>
+              </a:ext>
+            </a:extLst>
+          </p:cNvPr>
+          <p:cNvSpPr txBox="1"/>
+          <p:nvPr/>
+        </p:nvSpPr>
+        <p:spPr>
+          <a:xfrm>
+            <a:off x="8572107" y="2862662"/>
+            <a:ext cx="940148" cy="215444"/>
+          </a:xfrm>
+          <a:prstGeom prst="rect">
+            <a:avLst/>
+          </a:prstGeom>
+          <a:solidFill>
+            <a:schemeClr val="bg1"/>
+          </a:solidFill>
+        </p:spPr>
+        <p:txBody>
+          <a:bodyPr wrap="square" rtlCol="0">
+            <a:spAutoFit/>
+          </a:bodyPr>
+          <a:lstStyle/>
+          <a:p>
+            <a:r>
+              <a:rPr lang="en-US" sz="800" dirty="0">
+                <a:latin typeface="Arial" panose="020B0604020202020204" pitchFamily="34" charset="0"/>
+                <a:cs typeface="Arial" panose="020B0604020202020204" pitchFamily="34" charset="0"/>
+              </a:rPr>
+              <a:t> - 0.16</a:t>
+            </a:r>
+          </a:p>
+        </p:txBody>
+      </p:sp>
+      <p:sp>
+        <p:nvSpPr>
+          <p:cNvPr id="52" name="TextBox 51">
+            <a:extLst>
+              <a:ext uri="{FF2B5EF4-FFF2-40B4-BE49-F238E27FC236}">
+                <a16:creationId xmlns:a16="http://schemas.microsoft.com/office/drawing/2014/main" id="{73E8D2E9-9746-A54A-98D8-19FADBFD6CD3}"/>
+              </a:ext>
+            </a:extLst>
+          </p:cNvPr>
+          <p:cNvSpPr txBox="1"/>
+          <p:nvPr/>
+        </p:nvSpPr>
+        <p:spPr>
+          <a:xfrm>
+            <a:off x="8920749" y="2852739"/>
+            <a:ext cx="294800" cy="307777"/>
+          </a:xfrm>
+          <a:prstGeom prst="rect">
+            <a:avLst/>
+          </a:prstGeom>
+          <a:noFill/>
+          <a:ln>
+            <a:noFill/>
+          </a:ln>
+        </p:spPr>
+        <p:txBody>
+          <a:bodyPr wrap="square" rtlCol="0">
+            <a:spAutoFit/>
+          </a:bodyPr>
+          <a:lstStyle/>
+          <a:p>
+            <a:r>
+              <a:rPr lang="en-US" sz="1400" dirty="0">
+                <a:latin typeface="Arial" panose="020B0604020202020204" pitchFamily="34" charset="0"/>
+                <a:cs typeface="Arial" panose="020B0604020202020204" pitchFamily="34" charset="0"/>
+              </a:rPr>
+              <a:t>*</a:t>
+            </a:r>
+          </a:p>
+        </p:txBody>
+      </p:sp>
+      <p:sp>
+        <p:nvSpPr>
+          <p:cNvPr id="53" name="TextBox 52">
+            <a:extLst>
+              <a:ext uri="{FF2B5EF4-FFF2-40B4-BE49-F238E27FC236}">
+                <a16:creationId xmlns:a16="http://schemas.microsoft.com/office/drawing/2014/main" id="{13C9AD7D-D9FE-DD43-A699-323C0531C68A}"/>
+              </a:ext>
+            </a:extLst>
+          </p:cNvPr>
+          <p:cNvSpPr txBox="1"/>
+          <p:nvPr/>
+        </p:nvSpPr>
+        <p:spPr>
+          <a:xfrm rot="5400000">
+            <a:off x="7191507" y="2494484"/>
+            <a:ext cx="4080939" cy="261610"/>
+          </a:xfrm>
+          <a:prstGeom prst="rect">
+            <a:avLst/>
+          </a:prstGeom>
+          <a:noFill/>
+        </p:spPr>
+        <p:txBody>
+          <a:bodyPr wrap="square" rtlCol="0">
+            <a:spAutoFit/>
+          </a:bodyPr>
+          <a:lstStyle/>
+          <a:p>
+            <a:pPr algn="ctr"/>
+            <a:r>
+              <a:rPr lang="en-US" sz="1100" dirty="0">
+                <a:latin typeface="Arial" panose="020B0604020202020204" pitchFamily="34" charset="0"/>
+                <a:cs typeface="Arial" panose="020B0604020202020204" pitchFamily="34" charset="0"/>
+              </a:rPr>
+              <a:t>Correlation (r)</a:t>
+            </a:r>
+          </a:p>
+        </p:txBody>
+      </p:sp>
+      <p:cxnSp>
+        <p:nvCxnSpPr>
+          <p:cNvPr id="54" name="Straight Connector 53">
+            <a:extLst>
+              <a:ext uri="{FF2B5EF4-FFF2-40B4-BE49-F238E27FC236}">
+                <a16:creationId xmlns:a16="http://schemas.microsoft.com/office/drawing/2014/main" id="{13A0DF65-A0A5-2245-927E-2D0291427674}"/>
+              </a:ext>
+            </a:extLst>
+          </p:cNvPr>
+          <p:cNvCxnSpPr>
+            <a:cxnSpLocks/>
+          </p:cNvCxnSpPr>
+          <p:nvPr/>
+        </p:nvCxnSpPr>
+        <p:spPr>
+          <a:xfrm>
+            <a:off x="8293817" y="2282142"/>
+            <a:ext cx="341775" cy="0"/>
+          </a:xfrm>
+          <a:prstGeom prst="line">
+            <a:avLst/>
+          </a:prstGeom>
+          <a:ln w="12700">
+            <a:solidFill>
+              <a:schemeClr val="tx1"/>
+            </a:solidFill>
+          </a:ln>
+        </p:spPr>
+        <p:style>
+          <a:lnRef idx="1">
+            <a:schemeClr val="accent1"/>
+          </a:lnRef>
+          <a:fillRef idx="0">
+            <a:schemeClr val="accent1"/>
+          </a:fillRef>
+          <a:effectRef idx="0">
+            <a:schemeClr val="accent1"/>
+          </a:effectRef>
+          <a:fontRef idx="minor">
+            <a:schemeClr val="tx1"/>
+          </a:fontRef>
+        </p:style>
+      </p:cxnSp>
+      <p:cxnSp>
+        <p:nvCxnSpPr>
+          <p:cNvPr id="55" name="Straight Connector 54">
+            <a:extLst>
+              <a:ext uri="{FF2B5EF4-FFF2-40B4-BE49-F238E27FC236}">
+                <a16:creationId xmlns:a16="http://schemas.microsoft.com/office/drawing/2014/main" id="{BA2BE957-5D19-6946-A9AC-A72F5335EF5C}"/>
+              </a:ext>
+            </a:extLst>
+          </p:cNvPr>
+          <p:cNvCxnSpPr>
+            <a:cxnSpLocks/>
+          </p:cNvCxnSpPr>
+          <p:nvPr/>
+        </p:nvCxnSpPr>
+        <p:spPr>
+          <a:xfrm>
+            <a:off x="8293816" y="2980843"/>
+            <a:ext cx="341775" cy="0"/>
+          </a:xfrm>
+          <a:prstGeom prst="line">
+            <a:avLst/>
+          </a:prstGeom>
+          <a:ln w="12700">
+            <a:solidFill>
+              <a:schemeClr val="tx1"/>
+            </a:solidFill>
+          </a:ln>
+        </p:spPr>
+        <p:style>
+          <a:lnRef idx="1">
+            <a:schemeClr val="accent1"/>
+          </a:lnRef>
+          <a:fillRef idx="0">
+            <a:schemeClr val="accent1"/>
+          </a:fillRef>
+          <a:effectRef idx="0">
+            <a:schemeClr val="accent1"/>
+          </a:effectRef>
+          <a:fontRef idx="minor">
+            <a:schemeClr val="tx1"/>
+          </a:fontRef>
+        </p:style>
+      </p:cxnSp>
+      <p:pic>
+        <p:nvPicPr>
+          <p:cNvPr id="3" name="Picture 2">
+            <a:extLst>
+              <a:ext uri="{FF2B5EF4-FFF2-40B4-BE49-F238E27FC236}">
+                <a16:creationId xmlns:a16="http://schemas.microsoft.com/office/drawing/2014/main" id="{ADB1CDEC-6B54-A44C-89E4-56D5210E9DE7}"/>
+              </a:ext>
+            </a:extLst>
+          </p:cNvPr>
+          <p:cNvPicPr>
+            <a:picLocks noChangeAspect="1"/>
+          </p:cNvPicPr>
+          <p:nvPr/>
+        </p:nvPicPr>
+        <p:blipFill rotWithShape="1">
+          <a:blip r:embed="rId3"/>
+          <a:srcRect l="12158" t="18639" r="25066" b="18857"/>
+          <a:stretch/>
+        </p:blipFill>
+        <p:spPr>
+          <a:xfrm>
+            <a:off x="3878755" y="542064"/>
+            <a:ext cx="4205627" cy="4187411"/>
+          </a:xfrm>
+          <a:prstGeom prst="rect">
+            <a:avLst/>
+          </a:prstGeom>
+        </p:spPr>
+      </p:pic>
+    </p:spTree>
+    <p:extLst>
+      <p:ext uri="{BB962C8B-B14F-4D97-AF65-F5344CB8AC3E}">
+        <p14:creationId xmlns:p14="http://schemas.microsoft.com/office/powerpoint/2010/main" val="1600607473"/>
+      </p:ext>
+    </p:extLst>
+  </p:cSld>
+  <p:clrMapOvr>
+    <a:masterClrMapping/>
+  </p:clrMapOvr>
+</p:sld>
+</file>
+
+<file path=ppt/slides/slide6.xml><?xml version="1.0" encoding="utf-8"?>
+<p:sld xmlns:a="http://schemas.openxmlformats.org/drawingml/2006/main" xmlns:r="http://schemas.openxmlformats.org/officeDocument/2006/relationships" xmlns:p="http://schemas.openxmlformats.org/presentationml/2006/main">
+  <p:cSld>
+    <p:spTree>
+      <p:nvGrpSpPr>
+        <p:cNvPr id="1" name=""/>
+        <p:cNvGrpSpPr/>
+        <p:nvPr/>
+      </p:nvGrpSpPr>
+      <p:grpSpPr>
+        <a:xfrm>
+          <a:off x="0" y="0"/>
+          <a:ext cx="0" cy="0"/>
+          <a:chOff x="0" y="0"/>
+          <a:chExt cx="0" cy="0"/>
+        </a:xfrm>
+      </p:grpSpPr>
+      <p:pic>
+        <p:nvPicPr>
+          <p:cNvPr id="4" name="Picture 3">
+            <a:extLst>
+              <a:ext uri="{FF2B5EF4-FFF2-40B4-BE49-F238E27FC236}">
+                <a16:creationId xmlns:a16="http://schemas.microsoft.com/office/drawing/2014/main" id="{1C74221A-7068-D749-A5C8-0B7778AA52FC}"/>
+              </a:ext>
+            </a:extLst>
+          </p:cNvPr>
+          <p:cNvPicPr>
+            <a:picLocks noChangeAspect="1"/>
+          </p:cNvPicPr>
+          <p:nvPr/>
+        </p:nvPicPr>
+        <p:blipFill rotWithShape="1">
+          <a:blip r:embed="rId2"/>
+          <a:srcRect l="27986" t="18639" r="56400" b="65670"/>
+          <a:stretch/>
+        </p:blipFill>
+        <p:spPr>
+          <a:xfrm>
+            <a:off x="4371109" y="632119"/>
+            <a:ext cx="1046019" cy="1051209"/>
+          </a:xfrm>
+          <a:prstGeom prst="rect">
+            <a:avLst/>
+          </a:prstGeom>
+        </p:spPr>
+      </p:pic>
+      <p:pic>
+        <p:nvPicPr>
+          <p:cNvPr id="6" name="Picture 5">
+            <a:extLst>
+              <a:ext uri="{FF2B5EF4-FFF2-40B4-BE49-F238E27FC236}">
+                <a16:creationId xmlns:a16="http://schemas.microsoft.com/office/drawing/2014/main" id="{EB952467-0DD1-E24C-BF91-7178B5283308}"/>
+              </a:ext>
+            </a:extLst>
+          </p:cNvPr>
+          <p:cNvPicPr>
+            <a:picLocks noChangeAspect="1"/>
+          </p:cNvPicPr>
+          <p:nvPr/>
+        </p:nvPicPr>
+        <p:blipFill rotWithShape="1">
+          <a:blip r:embed="rId2"/>
+          <a:srcRect l="58917" t="49729" r="25380" b="34917"/>
+          <a:stretch/>
+        </p:blipFill>
+        <p:spPr>
+          <a:xfrm>
+            <a:off x="5417128" y="1683327"/>
+            <a:ext cx="1052006" cy="1028623"/>
+          </a:xfrm>
+          <a:prstGeom prst="rect">
+            <a:avLst/>
+          </a:prstGeom>
+        </p:spPr>
+      </p:pic>
+      <p:pic>
+        <p:nvPicPr>
+          <p:cNvPr id="7" name="Picture 6">
+            <a:extLst>
+              <a:ext uri="{FF2B5EF4-FFF2-40B4-BE49-F238E27FC236}">
+                <a16:creationId xmlns:a16="http://schemas.microsoft.com/office/drawing/2014/main" id="{71A7DB8A-D01A-B04B-B22B-69392E30B377}"/>
+              </a:ext>
+            </a:extLst>
+          </p:cNvPr>
+          <p:cNvPicPr>
+            <a:picLocks noChangeAspect="1"/>
+          </p:cNvPicPr>
+          <p:nvPr/>
+        </p:nvPicPr>
+        <p:blipFill rotWithShape="1">
+          <a:blip r:embed="rId2"/>
+          <a:srcRect l="58947" t="18638" r="25351" b="65741"/>
+          <a:stretch/>
+        </p:blipFill>
+        <p:spPr>
+          <a:xfrm>
+            <a:off x="5417128" y="634479"/>
+            <a:ext cx="1052006" cy="1046487"/>
+          </a:xfrm>
+          <a:prstGeom prst="rect">
+            <a:avLst/>
+          </a:prstGeom>
+        </p:spPr>
+      </p:pic>
+      <p:sp>
+        <p:nvSpPr>
+          <p:cNvPr id="8" name="TextBox 7">
+            <a:extLst>
+              <a:ext uri="{FF2B5EF4-FFF2-40B4-BE49-F238E27FC236}">
+                <a16:creationId xmlns:a16="http://schemas.microsoft.com/office/drawing/2014/main" id="{22F21AD6-01E3-B346-9186-A3854DA0E71B}"/>
+              </a:ext>
+            </a:extLst>
+          </p:cNvPr>
+          <p:cNvSpPr txBox="1"/>
+          <p:nvPr/>
+        </p:nvSpPr>
+        <p:spPr>
+          <a:xfrm rot="16200000">
+            <a:off x="4118231" y="705873"/>
+            <a:ext cx="368652" cy="215444"/>
+          </a:xfrm>
+          <a:prstGeom prst="rect">
+            <a:avLst/>
+          </a:prstGeom>
+          <a:noFill/>
+        </p:spPr>
+        <p:txBody>
+          <a:bodyPr wrap="square" rtlCol="0">
+            <a:spAutoFit/>
+          </a:bodyPr>
+          <a:lstStyle/>
+          <a:p>
+            <a:pPr algn="ctr"/>
+            <a:r>
+              <a:rPr lang="en-US" sz="800" dirty="0">
+                <a:latin typeface="Arial" panose="020B0604020202020204" pitchFamily="34" charset="0"/>
+                <a:cs typeface="Arial" panose="020B0604020202020204" pitchFamily="34" charset="0"/>
+              </a:rPr>
+              <a:t>125</a:t>
+            </a:r>
+          </a:p>
+        </p:txBody>
+      </p:sp>
+      <p:sp>
+        <p:nvSpPr>
+          <p:cNvPr id="9" name="TextBox 8">
+            <a:extLst>
+              <a:ext uri="{FF2B5EF4-FFF2-40B4-BE49-F238E27FC236}">
+                <a16:creationId xmlns:a16="http://schemas.microsoft.com/office/drawing/2014/main" id="{FE70D868-8FE7-6948-B67B-E2C773DDB95D}"/>
+              </a:ext>
+            </a:extLst>
+          </p:cNvPr>
+          <p:cNvSpPr txBox="1"/>
+          <p:nvPr/>
+        </p:nvSpPr>
+        <p:spPr>
+          <a:xfrm rot="16200000">
+            <a:off x="4100945" y="1038955"/>
+            <a:ext cx="406330" cy="215444"/>
+          </a:xfrm>
+          <a:prstGeom prst="rect">
+            <a:avLst/>
+          </a:prstGeom>
+          <a:noFill/>
+        </p:spPr>
+        <p:txBody>
+          <a:bodyPr wrap="square" rtlCol="0">
+            <a:spAutoFit/>
+          </a:bodyPr>
+          <a:lstStyle/>
+          <a:p>
+            <a:pPr algn="ctr"/>
+            <a:r>
+              <a:rPr lang="en-US" sz="800" dirty="0">
+                <a:latin typeface="Arial" panose="020B0604020202020204" pitchFamily="34" charset="0"/>
+                <a:cs typeface="Arial" panose="020B0604020202020204" pitchFamily="34" charset="0"/>
+              </a:rPr>
+              <a:t>250</a:t>
+            </a:r>
+          </a:p>
+        </p:txBody>
+      </p:sp>
+      <p:sp>
+        <p:nvSpPr>
+          <p:cNvPr id="10" name="TextBox 9">
+            <a:extLst>
+              <a:ext uri="{FF2B5EF4-FFF2-40B4-BE49-F238E27FC236}">
+                <a16:creationId xmlns:a16="http://schemas.microsoft.com/office/drawing/2014/main" id="{9DDCB1AD-8815-F747-A27D-FD7C77FA636D}"/>
+              </a:ext>
+            </a:extLst>
+          </p:cNvPr>
+          <p:cNvSpPr txBox="1"/>
+          <p:nvPr/>
+        </p:nvSpPr>
+        <p:spPr>
+          <a:xfrm rot="16200000">
+            <a:off x="4088260" y="1398831"/>
+            <a:ext cx="428593" cy="215444"/>
+          </a:xfrm>
+          <a:prstGeom prst="rect">
+            <a:avLst/>
+          </a:prstGeom>
+          <a:noFill/>
+        </p:spPr>
+        <p:txBody>
+          <a:bodyPr wrap="square" rtlCol="0">
+            <a:spAutoFit/>
+          </a:bodyPr>
+          <a:lstStyle/>
+          <a:p>
+            <a:pPr algn="ctr"/>
+            <a:r>
+              <a:rPr lang="en-US" sz="800" dirty="0">
+                <a:latin typeface="Arial" panose="020B0604020202020204" pitchFamily="34" charset="0"/>
+                <a:cs typeface="Arial" panose="020B0604020202020204" pitchFamily="34" charset="0"/>
+              </a:rPr>
+              <a:t>1000</a:t>
+            </a:r>
+          </a:p>
+        </p:txBody>
+      </p:sp>
+      <p:sp>
+        <p:nvSpPr>
+          <p:cNvPr id="11" name="TextBox 10">
+            <a:extLst>
+              <a:ext uri="{FF2B5EF4-FFF2-40B4-BE49-F238E27FC236}">
+                <a16:creationId xmlns:a16="http://schemas.microsoft.com/office/drawing/2014/main" id="{4DA43F08-F240-704A-BE67-F28AFCDC6ECF}"/>
+              </a:ext>
+            </a:extLst>
+          </p:cNvPr>
+          <p:cNvSpPr txBox="1"/>
+          <p:nvPr/>
+        </p:nvSpPr>
+        <p:spPr>
+          <a:xfrm rot="16200000">
+            <a:off x="3513520" y="1049268"/>
+            <a:ext cx="1043637" cy="230832"/>
+          </a:xfrm>
+          <a:prstGeom prst="rect">
+            <a:avLst/>
+          </a:prstGeom>
+          <a:noFill/>
+        </p:spPr>
+        <p:txBody>
+          <a:bodyPr wrap="square" rtlCol="0">
+            <a:spAutoFit/>
+          </a:bodyPr>
+          <a:lstStyle/>
+          <a:p>
+            <a:pPr algn="ctr"/>
+            <a:r>
+              <a:rPr lang="en-US" sz="900" dirty="0">
+                <a:latin typeface="Arial" panose="020B0604020202020204" pitchFamily="34" charset="0"/>
+                <a:cs typeface="Arial" panose="020B0604020202020204" pitchFamily="34" charset="0"/>
+              </a:rPr>
+              <a:t>Discrimination</a:t>
+            </a:r>
+          </a:p>
+        </p:txBody>
+      </p:sp>
+      <p:sp>
+        <p:nvSpPr>
+          <p:cNvPr id="12" name="Left Brace 11">
+            <a:extLst>
+              <a:ext uri="{FF2B5EF4-FFF2-40B4-BE49-F238E27FC236}">
+                <a16:creationId xmlns:a16="http://schemas.microsoft.com/office/drawing/2014/main" id="{9B26CDD4-6188-CC44-8189-189CA7EA8151}"/>
+              </a:ext>
+            </a:extLst>
+          </p:cNvPr>
+          <p:cNvSpPr/>
+          <p:nvPr/>
+        </p:nvSpPr>
+        <p:spPr>
+          <a:xfrm>
+            <a:off x="4130675" y="642865"/>
+            <a:ext cx="93248" cy="1015193"/>
+          </a:xfrm>
+          <a:prstGeom prst="leftBrace">
+            <a:avLst>
+              <a:gd name="adj1" fmla="val 8333"/>
+              <a:gd name="adj2" fmla="val 50895"/>
+            </a:avLst>
+          </a:prstGeom>
+        </p:spPr>
+        <p:style>
+          <a:lnRef idx="1">
+            <a:schemeClr val="dk1"/>
+          </a:lnRef>
+          <a:fillRef idx="0">
+            <a:schemeClr val="dk1"/>
+          </a:fillRef>
+          <a:effectRef idx="0">
+            <a:schemeClr val="dk1"/>
+          </a:effectRef>
+          <a:fontRef idx="minor">
+            <a:schemeClr val="tx1"/>
+          </a:fontRef>
+        </p:style>
+        <p:txBody>
+          <a:bodyPr rot="0" spcFirstLastPara="0" vert="horz" wrap="square" lIns="18288" tIns="9144" rIns="18288" bIns="9144" numCol="1" spcCol="0" rtlCol="0" fromWordArt="0" anchor="ctr" anchorCtr="0" forceAA="0" compatLnSpc="1">
+            <a:prstTxWarp prst="textNoShape">
+              <a:avLst/>
+            </a:prstTxWarp>
+            <a:noAutofit/>
+          </a:bodyPr>
+          <a:lstStyle/>
+          <a:p>
+            <a:endParaRPr lang="en-US" sz="700" dirty="0">
+              <a:solidFill>
+                <a:schemeClr val="bg2">
+                  <a:lumMod val="90000"/>
+                </a:schemeClr>
+              </a:solidFill>
+            </a:endParaRPr>
+          </a:p>
+        </p:txBody>
+      </p:sp>
+      <p:sp>
+        <p:nvSpPr>
+          <p:cNvPr id="13" name="TextBox 12">
+            <a:extLst>
+              <a:ext uri="{FF2B5EF4-FFF2-40B4-BE49-F238E27FC236}">
+                <a16:creationId xmlns:a16="http://schemas.microsoft.com/office/drawing/2014/main" id="{B1C08DCA-4EB6-E54E-B9FF-ED90419846C9}"/>
+              </a:ext>
+            </a:extLst>
+          </p:cNvPr>
+          <p:cNvSpPr txBox="1"/>
+          <p:nvPr/>
+        </p:nvSpPr>
+        <p:spPr>
+          <a:xfrm rot="16200000">
+            <a:off x="4114677" y="1757081"/>
+            <a:ext cx="368652" cy="215444"/>
+          </a:xfrm>
+          <a:prstGeom prst="rect">
+            <a:avLst/>
+          </a:prstGeom>
+          <a:noFill/>
+        </p:spPr>
+        <p:txBody>
+          <a:bodyPr wrap="square" rtlCol="0">
+            <a:spAutoFit/>
+          </a:bodyPr>
+          <a:lstStyle/>
+          <a:p>
+            <a:pPr algn="ctr"/>
+            <a:r>
+              <a:rPr lang="en-US" sz="800" dirty="0">
+                <a:latin typeface="Arial" panose="020B0604020202020204" pitchFamily="34" charset="0"/>
+                <a:cs typeface="Arial" panose="020B0604020202020204" pitchFamily="34" charset="0"/>
+              </a:rPr>
+              <a:t>125</a:t>
+            </a:r>
+          </a:p>
+        </p:txBody>
+      </p:sp>
+      <p:sp>
+        <p:nvSpPr>
+          <p:cNvPr id="14" name="TextBox 13">
+            <a:extLst>
+              <a:ext uri="{FF2B5EF4-FFF2-40B4-BE49-F238E27FC236}">
+                <a16:creationId xmlns:a16="http://schemas.microsoft.com/office/drawing/2014/main" id="{6F6C3E44-0D76-E04E-AC64-6F3D5C6A6AA2}"/>
+              </a:ext>
+            </a:extLst>
+          </p:cNvPr>
+          <p:cNvSpPr txBox="1"/>
+          <p:nvPr/>
+        </p:nvSpPr>
+        <p:spPr>
+          <a:xfrm rot="16200000">
+            <a:off x="4097391" y="2090163"/>
+            <a:ext cx="406330" cy="215444"/>
+          </a:xfrm>
+          <a:prstGeom prst="rect">
+            <a:avLst/>
+          </a:prstGeom>
+          <a:noFill/>
+        </p:spPr>
+        <p:txBody>
+          <a:bodyPr wrap="square" rtlCol="0">
+            <a:spAutoFit/>
+          </a:bodyPr>
+          <a:lstStyle/>
+          <a:p>
+            <a:pPr algn="ctr"/>
+            <a:r>
+              <a:rPr lang="en-US" sz="800" dirty="0">
+                <a:latin typeface="Arial" panose="020B0604020202020204" pitchFamily="34" charset="0"/>
+                <a:cs typeface="Arial" panose="020B0604020202020204" pitchFamily="34" charset="0"/>
+              </a:rPr>
+              <a:t>250</a:t>
+            </a:r>
+          </a:p>
+        </p:txBody>
+      </p:sp>
+      <p:sp>
+        <p:nvSpPr>
+          <p:cNvPr id="15" name="TextBox 14">
+            <a:extLst>
+              <a:ext uri="{FF2B5EF4-FFF2-40B4-BE49-F238E27FC236}">
+                <a16:creationId xmlns:a16="http://schemas.microsoft.com/office/drawing/2014/main" id="{32D2C3E1-8BFD-B148-ABA3-2F0042ED0FF9}"/>
+              </a:ext>
+            </a:extLst>
+          </p:cNvPr>
+          <p:cNvSpPr txBox="1"/>
+          <p:nvPr/>
+        </p:nvSpPr>
+        <p:spPr>
+          <a:xfrm rot="16200000">
+            <a:off x="4084706" y="2450039"/>
+            <a:ext cx="428593" cy="215444"/>
+          </a:xfrm>
+          <a:prstGeom prst="rect">
+            <a:avLst/>
+          </a:prstGeom>
+          <a:noFill/>
+        </p:spPr>
+        <p:txBody>
+          <a:bodyPr wrap="square" rtlCol="0">
+            <a:spAutoFit/>
+          </a:bodyPr>
+          <a:lstStyle/>
+          <a:p>
+            <a:pPr algn="ctr"/>
+            <a:r>
+              <a:rPr lang="en-US" sz="800" dirty="0">
+                <a:latin typeface="Arial" panose="020B0604020202020204" pitchFamily="34" charset="0"/>
+                <a:cs typeface="Arial" panose="020B0604020202020204" pitchFamily="34" charset="0"/>
+              </a:rPr>
+              <a:t>1000</a:t>
+            </a:r>
+          </a:p>
+        </p:txBody>
+      </p:sp>
+      <p:sp>
+        <p:nvSpPr>
+          <p:cNvPr id="16" name="TextBox 15">
+            <a:extLst>
+              <a:ext uri="{FF2B5EF4-FFF2-40B4-BE49-F238E27FC236}">
+                <a16:creationId xmlns:a16="http://schemas.microsoft.com/office/drawing/2014/main" id="{1D0E8307-CC6D-5B42-9DD9-BD49C07C71E8}"/>
+              </a:ext>
+            </a:extLst>
+          </p:cNvPr>
+          <p:cNvSpPr txBox="1"/>
+          <p:nvPr/>
+        </p:nvSpPr>
+        <p:spPr>
+          <a:xfrm rot="16200000">
+            <a:off x="3431710" y="2100733"/>
+            <a:ext cx="1200150" cy="230832"/>
+          </a:xfrm>
+          <a:prstGeom prst="rect">
+            <a:avLst/>
+          </a:prstGeom>
+          <a:noFill/>
+        </p:spPr>
+        <p:txBody>
+          <a:bodyPr wrap="square" rtlCol="0">
+            <a:spAutoFit/>
+          </a:bodyPr>
+          <a:lstStyle/>
+          <a:p>
+            <a:pPr algn="ctr"/>
+            <a:r>
+              <a:rPr lang="en-US" sz="900" dirty="0">
+                <a:latin typeface="Arial" panose="020B0604020202020204" pitchFamily="34" charset="0"/>
+                <a:cs typeface="Arial" panose="020B0604020202020204" pitchFamily="34" charset="0"/>
+              </a:rPr>
+              <a:t>Numerical Estimate</a:t>
+            </a:r>
+          </a:p>
+        </p:txBody>
+      </p:sp>
+      <p:sp>
+        <p:nvSpPr>
+          <p:cNvPr id="17" name="Left Brace 16">
+            <a:extLst>
+              <a:ext uri="{FF2B5EF4-FFF2-40B4-BE49-F238E27FC236}">
+                <a16:creationId xmlns:a16="http://schemas.microsoft.com/office/drawing/2014/main" id="{7F215F09-A50E-C444-ADE2-418366168F5A}"/>
+              </a:ext>
+            </a:extLst>
+          </p:cNvPr>
+          <p:cNvSpPr/>
+          <p:nvPr/>
+        </p:nvSpPr>
+        <p:spPr>
+          <a:xfrm>
+            <a:off x="4127121" y="1691471"/>
+            <a:ext cx="93248" cy="1015193"/>
+          </a:xfrm>
+          <a:prstGeom prst="leftBrace">
+            <a:avLst>
+              <a:gd name="adj1" fmla="val 8333"/>
+              <a:gd name="adj2" fmla="val 50895"/>
+            </a:avLst>
+          </a:prstGeom>
+        </p:spPr>
+        <p:style>
+          <a:lnRef idx="1">
+            <a:schemeClr val="dk1"/>
+          </a:lnRef>
+          <a:fillRef idx="0">
+            <a:schemeClr val="dk1"/>
+          </a:fillRef>
+          <a:effectRef idx="0">
+            <a:schemeClr val="dk1"/>
+          </a:effectRef>
+          <a:fontRef idx="minor">
+            <a:schemeClr val="tx1"/>
+          </a:fontRef>
+        </p:style>
+        <p:txBody>
+          <a:bodyPr rot="0" spcFirstLastPara="0" vert="horz" wrap="square" lIns="18288" tIns="9144" rIns="18288" bIns="9144" numCol="1" spcCol="0" rtlCol="0" fromWordArt="0" anchor="ctr" anchorCtr="0" forceAA="0" compatLnSpc="1">
+            <a:prstTxWarp prst="textNoShape">
+              <a:avLst/>
+            </a:prstTxWarp>
+            <a:noAutofit/>
+          </a:bodyPr>
+          <a:lstStyle/>
+          <a:p>
+            <a:endParaRPr lang="en-US" sz="700" dirty="0">
+              <a:solidFill>
+                <a:schemeClr val="bg2">
+                  <a:lumMod val="90000"/>
+                </a:schemeClr>
+              </a:solidFill>
+            </a:endParaRPr>
+          </a:p>
+        </p:txBody>
+      </p:sp>
+      <p:sp>
+        <p:nvSpPr>
+          <p:cNvPr id="19" name="TextBox 18">
+            <a:extLst>
+              <a:ext uri="{FF2B5EF4-FFF2-40B4-BE49-F238E27FC236}">
+                <a16:creationId xmlns:a16="http://schemas.microsoft.com/office/drawing/2014/main" id="{855CE9A2-41F3-B348-9EAD-DD73FFF16426}"/>
+              </a:ext>
+            </a:extLst>
+          </p:cNvPr>
+          <p:cNvSpPr txBox="1"/>
+          <p:nvPr/>
+        </p:nvSpPr>
+        <p:spPr>
+          <a:xfrm>
+            <a:off x="5315876" y="2681822"/>
+            <a:ext cx="566502" cy="215444"/>
+          </a:xfrm>
+          <a:prstGeom prst="rect">
+            <a:avLst/>
+          </a:prstGeom>
+          <a:noFill/>
+        </p:spPr>
+        <p:txBody>
+          <a:bodyPr wrap="square" rtlCol="0">
+            <a:spAutoFit/>
+          </a:bodyPr>
+          <a:lstStyle/>
+          <a:p>
+            <a:pPr algn="ctr"/>
+            <a:r>
+              <a:rPr lang="en-US" sz="800" dirty="0">
+                <a:latin typeface="Arial" panose="020B0604020202020204" pitchFamily="34" charset="0"/>
+                <a:cs typeface="Arial" panose="020B0604020202020204" pitchFamily="34" charset="0"/>
+              </a:rPr>
+              <a:t>125</a:t>
+            </a:r>
+          </a:p>
+        </p:txBody>
+      </p:sp>
+      <p:sp>
+        <p:nvSpPr>
+          <p:cNvPr id="20" name="TextBox 19">
+            <a:extLst>
+              <a:ext uri="{FF2B5EF4-FFF2-40B4-BE49-F238E27FC236}">
+                <a16:creationId xmlns:a16="http://schemas.microsoft.com/office/drawing/2014/main" id="{6355FF97-519D-014E-BD55-6E35517617D0}"/>
+              </a:ext>
+            </a:extLst>
+          </p:cNvPr>
+          <p:cNvSpPr txBox="1"/>
+          <p:nvPr/>
+        </p:nvSpPr>
+        <p:spPr>
+          <a:xfrm>
+            <a:off x="5669417" y="2681822"/>
+            <a:ext cx="566502" cy="215444"/>
+          </a:xfrm>
+          <a:prstGeom prst="rect">
+            <a:avLst/>
+          </a:prstGeom>
+          <a:noFill/>
+        </p:spPr>
+        <p:txBody>
+          <a:bodyPr wrap="square" rtlCol="0">
+            <a:spAutoFit/>
+          </a:bodyPr>
+          <a:lstStyle/>
+          <a:p>
+            <a:pPr algn="ctr"/>
+            <a:r>
+              <a:rPr lang="en-US" sz="800" dirty="0">
+                <a:latin typeface="Arial" panose="020B0604020202020204" pitchFamily="34" charset="0"/>
+                <a:cs typeface="Arial" panose="020B0604020202020204" pitchFamily="34" charset="0"/>
+              </a:rPr>
+              <a:t>250</a:t>
+            </a:r>
+          </a:p>
+        </p:txBody>
+      </p:sp>
+      <p:sp>
+        <p:nvSpPr>
+          <p:cNvPr id="21" name="TextBox 20">
+            <a:extLst>
+              <a:ext uri="{FF2B5EF4-FFF2-40B4-BE49-F238E27FC236}">
+                <a16:creationId xmlns:a16="http://schemas.microsoft.com/office/drawing/2014/main" id="{7A9A3FA0-506F-374B-A175-83EB10485637}"/>
+              </a:ext>
+            </a:extLst>
+          </p:cNvPr>
+          <p:cNvSpPr txBox="1"/>
+          <p:nvPr/>
+        </p:nvSpPr>
+        <p:spPr>
+          <a:xfrm>
+            <a:off x="5952668" y="2679461"/>
+            <a:ext cx="672514" cy="215444"/>
+          </a:xfrm>
+          <a:prstGeom prst="rect">
+            <a:avLst/>
+          </a:prstGeom>
+          <a:noFill/>
+        </p:spPr>
+        <p:txBody>
+          <a:bodyPr wrap="square" rtlCol="0">
+            <a:spAutoFit/>
+          </a:bodyPr>
+          <a:lstStyle/>
+          <a:p>
+            <a:pPr algn="ctr"/>
+            <a:r>
+              <a:rPr lang="en-US" sz="800" dirty="0">
+                <a:latin typeface="Arial" panose="020B0604020202020204" pitchFamily="34" charset="0"/>
+                <a:cs typeface="Arial" panose="020B0604020202020204" pitchFamily="34" charset="0"/>
+              </a:rPr>
+              <a:t>1000</a:t>
+            </a:r>
+          </a:p>
+        </p:txBody>
+      </p:sp>
+      <p:sp>
+        <p:nvSpPr>
+          <p:cNvPr id="22" name="Left Brace 21">
+            <a:extLst>
+              <a:ext uri="{FF2B5EF4-FFF2-40B4-BE49-F238E27FC236}">
+                <a16:creationId xmlns:a16="http://schemas.microsoft.com/office/drawing/2014/main" id="{C841ACAF-5E5B-9040-B9E4-0FB86BA4E895}"/>
+              </a:ext>
+            </a:extLst>
+          </p:cNvPr>
+          <p:cNvSpPr/>
+          <p:nvPr/>
+        </p:nvSpPr>
+        <p:spPr>
+          <a:xfrm rot="16200000">
+            <a:off x="5900692" y="2358922"/>
+            <a:ext cx="93248" cy="1043637"/>
+          </a:xfrm>
+          <a:prstGeom prst="leftBrace">
+            <a:avLst>
+              <a:gd name="adj1" fmla="val 8333"/>
+              <a:gd name="adj2" fmla="val 50895"/>
+            </a:avLst>
+          </a:prstGeom>
+        </p:spPr>
+        <p:style>
+          <a:lnRef idx="1">
+            <a:schemeClr val="dk1"/>
+          </a:lnRef>
+          <a:fillRef idx="0">
+            <a:schemeClr val="dk1"/>
+          </a:fillRef>
+          <a:effectRef idx="0">
+            <a:schemeClr val="dk1"/>
+          </a:effectRef>
+          <a:fontRef idx="minor">
+            <a:schemeClr val="tx1"/>
+          </a:fontRef>
+        </p:style>
+        <p:txBody>
+          <a:bodyPr rot="0" spcFirstLastPara="0" vert="horz" wrap="square" lIns="18288" tIns="9144" rIns="18288" bIns="9144" numCol="1" spcCol="0" rtlCol="0" fromWordArt="0" anchor="ctr" anchorCtr="0" forceAA="0" compatLnSpc="1">
+            <a:prstTxWarp prst="textNoShape">
+              <a:avLst/>
+            </a:prstTxWarp>
+            <a:noAutofit/>
+          </a:bodyPr>
+          <a:lstStyle/>
+          <a:p>
+            <a:endParaRPr lang="en-US" sz="700" dirty="0">
+              <a:solidFill>
+                <a:schemeClr val="bg2">
+                  <a:lumMod val="90000"/>
+                </a:schemeClr>
+              </a:solidFill>
+            </a:endParaRPr>
+          </a:p>
+        </p:txBody>
+      </p:sp>
+      <p:pic>
+        <p:nvPicPr>
+          <p:cNvPr id="23" name="Picture 22">
+            <a:extLst>
+              <a:ext uri="{FF2B5EF4-FFF2-40B4-BE49-F238E27FC236}">
+                <a16:creationId xmlns:a16="http://schemas.microsoft.com/office/drawing/2014/main" id="{7333C36D-C9B4-B249-A9F6-CADA0929E2AE}"/>
+              </a:ext>
+            </a:extLst>
+          </p:cNvPr>
+          <p:cNvPicPr>
+            <a:picLocks noChangeAspect="1"/>
+          </p:cNvPicPr>
+          <p:nvPr/>
+        </p:nvPicPr>
+        <p:blipFill rotWithShape="1">
+          <a:blip r:embed="rId2"/>
+          <a:srcRect l="27962" t="49796" r="56425" b="34972"/>
+          <a:stretch/>
+        </p:blipFill>
+        <p:spPr>
+          <a:xfrm>
+            <a:off x="4371381" y="1691471"/>
+            <a:ext cx="1046019" cy="1020479"/>
+          </a:xfrm>
+          <a:prstGeom prst="rect">
+            <a:avLst/>
+          </a:prstGeom>
+        </p:spPr>
+      </p:pic>
+      <p:sp>
+        <p:nvSpPr>
+          <p:cNvPr id="24" name="TextBox 23">
+            <a:extLst>
+              <a:ext uri="{FF2B5EF4-FFF2-40B4-BE49-F238E27FC236}">
+                <a16:creationId xmlns:a16="http://schemas.microsoft.com/office/drawing/2014/main" id="{4CDC1819-1C4C-4441-9A0E-D3112E77FB66}"/>
+              </a:ext>
+            </a:extLst>
+          </p:cNvPr>
+          <p:cNvSpPr txBox="1"/>
+          <p:nvPr/>
+        </p:nvSpPr>
+        <p:spPr>
+          <a:xfrm>
+            <a:off x="4256298" y="2681822"/>
+            <a:ext cx="566502" cy="215444"/>
+          </a:xfrm>
+          <a:prstGeom prst="rect">
+            <a:avLst/>
+          </a:prstGeom>
+          <a:noFill/>
+        </p:spPr>
+        <p:txBody>
+          <a:bodyPr wrap="square" rtlCol="0">
+            <a:spAutoFit/>
+          </a:bodyPr>
+          <a:lstStyle/>
+          <a:p>
+            <a:pPr algn="ctr"/>
+            <a:r>
+              <a:rPr lang="en-US" sz="800" dirty="0">
+                <a:latin typeface="Arial" panose="020B0604020202020204" pitchFamily="34" charset="0"/>
+                <a:cs typeface="Arial" panose="020B0604020202020204" pitchFamily="34" charset="0"/>
+              </a:rPr>
+              <a:t>125</a:t>
+            </a:r>
+          </a:p>
+        </p:txBody>
+      </p:sp>
+      <p:sp>
+        <p:nvSpPr>
+          <p:cNvPr id="25" name="TextBox 24">
+            <a:extLst>
+              <a:ext uri="{FF2B5EF4-FFF2-40B4-BE49-F238E27FC236}">
+                <a16:creationId xmlns:a16="http://schemas.microsoft.com/office/drawing/2014/main" id="{DC6AFF7A-C319-A54E-86D0-78D561EB8FBF}"/>
+              </a:ext>
+            </a:extLst>
+          </p:cNvPr>
+          <p:cNvSpPr txBox="1"/>
+          <p:nvPr/>
+        </p:nvSpPr>
+        <p:spPr>
+          <a:xfrm>
+            <a:off x="4609839" y="2681822"/>
+            <a:ext cx="566502" cy="215444"/>
+          </a:xfrm>
+          <a:prstGeom prst="rect">
+            <a:avLst/>
+          </a:prstGeom>
+          <a:noFill/>
+        </p:spPr>
+        <p:txBody>
+          <a:bodyPr wrap="square" rtlCol="0">
+            <a:spAutoFit/>
+          </a:bodyPr>
+          <a:lstStyle/>
+          <a:p>
+            <a:pPr algn="ctr"/>
+            <a:r>
+              <a:rPr lang="en-US" sz="800" dirty="0">
+                <a:latin typeface="Arial" panose="020B0604020202020204" pitchFamily="34" charset="0"/>
+                <a:cs typeface="Arial" panose="020B0604020202020204" pitchFamily="34" charset="0"/>
+              </a:rPr>
+              <a:t>250</a:t>
+            </a:r>
+          </a:p>
+        </p:txBody>
+      </p:sp>
+      <p:sp>
+        <p:nvSpPr>
+          <p:cNvPr id="26" name="TextBox 25">
+            <a:extLst>
+              <a:ext uri="{FF2B5EF4-FFF2-40B4-BE49-F238E27FC236}">
+                <a16:creationId xmlns:a16="http://schemas.microsoft.com/office/drawing/2014/main" id="{5492A3DD-40D8-3948-9292-F94587639FF3}"/>
+              </a:ext>
+            </a:extLst>
+          </p:cNvPr>
+          <p:cNvSpPr txBox="1"/>
+          <p:nvPr/>
+        </p:nvSpPr>
+        <p:spPr>
+          <a:xfrm>
+            <a:off x="4893090" y="2679461"/>
+            <a:ext cx="672514" cy="215444"/>
+          </a:xfrm>
+          <a:prstGeom prst="rect">
+            <a:avLst/>
+          </a:prstGeom>
+          <a:noFill/>
+        </p:spPr>
+        <p:txBody>
+          <a:bodyPr wrap="square" rtlCol="0">
+            <a:spAutoFit/>
+          </a:bodyPr>
+          <a:lstStyle/>
+          <a:p>
+            <a:pPr algn="ctr"/>
+            <a:r>
+              <a:rPr lang="en-US" sz="800" dirty="0">
+                <a:latin typeface="Arial" panose="020B0604020202020204" pitchFamily="34" charset="0"/>
+                <a:cs typeface="Arial" panose="020B0604020202020204" pitchFamily="34" charset="0"/>
+              </a:rPr>
+              <a:t>1000</a:t>
+            </a:r>
+          </a:p>
+        </p:txBody>
+      </p:sp>
+      <p:sp>
+        <p:nvSpPr>
+          <p:cNvPr id="27" name="Left Brace 26">
+            <a:extLst>
+              <a:ext uri="{FF2B5EF4-FFF2-40B4-BE49-F238E27FC236}">
+                <a16:creationId xmlns:a16="http://schemas.microsoft.com/office/drawing/2014/main" id="{12BE84EC-1853-B946-AE3B-101D7A00D713}"/>
+              </a:ext>
+            </a:extLst>
+          </p:cNvPr>
+          <p:cNvSpPr/>
+          <p:nvPr/>
+        </p:nvSpPr>
+        <p:spPr>
+          <a:xfrm rot="16200000">
+            <a:off x="4841114" y="2358922"/>
+            <a:ext cx="93248" cy="1043637"/>
+          </a:xfrm>
+          <a:prstGeom prst="leftBrace">
+            <a:avLst>
+              <a:gd name="adj1" fmla="val 8333"/>
+              <a:gd name="adj2" fmla="val 50895"/>
+            </a:avLst>
+          </a:prstGeom>
+        </p:spPr>
+        <p:style>
+          <a:lnRef idx="1">
+            <a:schemeClr val="dk1"/>
+          </a:lnRef>
+          <a:fillRef idx="0">
+            <a:schemeClr val="dk1"/>
+          </a:fillRef>
+          <a:effectRef idx="0">
+            <a:schemeClr val="dk1"/>
+          </a:effectRef>
+          <a:fontRef idx="minor">
+            <a:schemeClr val="tx1"/>
+          </a:fontRef>
+        </p:style>
+        <p:txBody>
+          <a:bodyPr rot="0" spcFirstLastPara="0" vert="horz" wrap="square" lIns="18288" tIns="9144" rIns="18288" bIns="9144" numCol="1" spcCol="0" rtlCol="0" fromWordArt="0" anchor="ctr" anchorCtr="0" forceAA="0" compatLnSpc="1">
+            <a:prstTxWarp prst="textNoShape">
+              <a:avLst/>
+            </a:prstTxWarp>
+            <a:noAutofit/>
+          </a:bodyPr>
+          <a:lstStyle/>
+          <a:p>
+            <a:endParaRPr lang="en-US" sz="700" dirty="0">
+              <a:solidFill>
+                <a:schemeClr val="bg2">
+                  <a:lumMod val="90000"/>
+                </a:schemeClr>
+              </a:solidFill>
+            </a:endParaRPr>
+          </a:p>
+        </p:txBody>
+      </p:sp>
+      <p:sp>
+        <p:nvSpPr>
+          <p:cNvPr id="28" name="TextBox 27">
+            <a:extLst>
+              <a:ext uri="{FF2B5EF4-FFF2-40B4-BE49-F238E27FC236}">
+                <a16:creationId xmlns:a16="http://schemas.microsoft.com/office/drawing/2014/main" id="{9B3F82B8-800D-0E4F-BE63-38A0BB05006C}"/>
+              </a:ext>
+            </a:extLst>
+          </p:cNvPr>
+          <p:cNvSpPr txBox="1"/>
+          <p:nvPr/>
+        </p:nvSpPr>
+        <p:spPr>
+          <a:xfrm>
+            <a:off x="4376117" y="2885708"/>
+            <a:ext cx="1043637" cy="230832"/>
+          </a:xfrm>
+          <a:prstGeom prst="rect">
+            <a:avLst/>
+          </a:prstGeom>
+          <a:noFill/>
+        </p:spPr>
+        <p:txBody>
+          <a:bodyPr wrap="square" rtlCol="0">
+            <a:spAutoFit/>
+          </a:bodyPr>
+          <a:lstStyle/>
+          <a:p>
+            <a:pPr algn="ctr"/>
+            <a:r>
+              <a:rPr lang="en-US" sz="900" dirty="0">
+                <a:latin typeface="Arial" panose="020B0604020202020204" pitchFamily="34" charset="0"/>
+                <a:cs typeface="Arial" panose="020B0604020202020204" pitchFamily="34" charset="0"/>
+              </a:rPr>
+              <a:t>Discrimination</a:t>
+            </a:r>
+          </a:p>
+        </p:txBody>
+      </p:sp>
+      <p:sp>
+        <p:nvSpPr>
+          <p:cNvPr id="29" name="TextBox 28">
+            <a:extLst>
+              <a:ext uri="{FF2B5EF4-FFF2-40B4-BE49-F238E27FC236}">
+                <a16:creationId xmlns:a16="http://schemas.microsoft.com/office/drawing/2014/main" id="{11B9F49E-0921-8D4E-99BC-804686145855}"/>
+              </a:ext>
+            </a:extLst>
+          </p:cNvPr>
+          <p:cNvSpPr txBox="1"/>
+          <p:nvPr/>
+        </p:nvSpPr>
+        <p:spPr>
+          <a:xfrm>
+            <a:off x="5344841" y="2885583"/>
+            <a:ext cx="1193694" cy="230832"/>
+          </a:xfrm>
+          <a:prstGeom prst="rect">
+            <a:avLst/>
+          </a:prstGeom>
+          <a:noFill/>
+        </p:spPr>
+        <p:txBody>
+          <a:bodyPr wrap="square" rtlCol="0">
+            <a:spAutoFit/>
+          </a:bodyPr>
+          <a:lstStyle/>
+          <a:p>
+            <a:pPr algn="ctr"/>
+            <a:r>
+              <a:rPr lang="en-US" sz="900" dirty="0">
+                <a:latin typeface="Arial" panose="020B0604020202020204" pitchFamily="34" charset="0"/>
+                <a:cs typeface="Arial" panose="020B0604020202020204" pitchFamily="34" charset="0"/>
+              </a:rPr>
+              <a:t>Numerical Estimate</a:t>
+            </a:r>
+          </a:p>
+        </p:txBody>
+      </p:sp>
+    </p:spTree>
+    <p:extLst>
+      <p:ext uri="{BB962C8B-B14F-4D97-AF65-F5344CB8AC3E}">
+        <p14:creationId xmlns:p14="http://schemas.microsoft.com/office/powerpoint/2010/main" val="3241807736"/>
+      </p:ext>
+    </p:extLst>
+  </p:cSld>
+  <p:clrMapOvr>
+    <a:masterClrMapping/>
+  </p:clrMapOvr>
+</p:sld>
+</file>
+
 <file path=ppt/theme/theme1.xml><?xml version="1.0" encoding="utf-8"?>
 <a:theme xmlns:a="http://schemas.openxmlformats.org/drawingml/2006/main" name="Office Theme">
   <a:themeElements>

--- a/joint_analyses/inveff-matrix.pptx
+++ b/joint_analyses/inveff-matrix.pptx
@@ -11,6 +11,7 @@
     <p:sldId id="256" r:id="rId5"/>
     <p:sldId id="261" r:id="rId6"/>
     <p:sldId id="263" r:id="rId7"/>
+    <p:sldId id="264" r:id="rId8"/>
   </p:sldIdLst>
   <p:sldSz cx="12192000" cy="6858000"/>
   <p:notesSz cx="6858000" cy="9144000"/>
@@ -9713,6 +9714,1350 @@
 </p:sld>
 </file>
 
+<file path=ppt/slides/slide7.xml><?xml version="1.0" encoding="utf-8"?>
+<p:sld xmlns:a="http://schemas.openxmlformats.org/drawingml/2006/main" xmlns:r="http://schemas.openxmlformats.org/officeDocument/2006/relationships" xmlns:p="http://schemas.openxmlformats.org/presentationml/2006/main">
+  <p:cSld>
+    <p:spTree>
+      <p:nvGrpSpPr>
+        <p:cNvPr id="1" name=""/>
+        <p:cNvGrpSpPr/>
+        <p:nvPr/>
+      </p:nvGrpSpPr>
+      <p:grpSpPr>
+        <a:xfrm>
+          <a:off x="0" y="0"/>
+          <a:ext cx="0" cy="0"/>
+          <a:chOff x="0" y="0"/>
+          <a:chExt cx="0" cy="0"/>
+        </a:xfrm>
+      </p:grpSpPr>
+      <p:grpSp>
+        <p:nvGrpSpPr>
+          <p:cNvPr id="18" name="Group 17">
+            <a:extLst>
+              <a:ext uri="{FF2B5EF4-FFF2-40B4-BE49-F238E27FC236}">
+                <a16:creationId xmlns:a16="http://schemas.microsoft.com/office/drawing/2014/main" id="{71916702-D4FD-BD45-9197-ECC58A55ED06}"/>
+              </a:ext>
+            </a:extLst>
+          </p:cNvPr>
+          <p:cNvGrpSpPr/>
+          <p:nvPr/>
+        </p:nvGrpSpPr>
+        <p:grpSpPr>
+          <a:xfrm>
+            <a:off x="4554775" y="784105"/>
+            <a:ext cx="3729929" cy="2514448"/>
+            <a:chOff x="4554775" y="784105"/>
+            <a:chExt cx="3729929" cy="2514448"/>
+          </a:xfrm>
+        </p:grpSpPr>
+        <p:sp>
+          <p:nvSpPr>
+            <p:cNvPr id="8" name="TextBox 7">
+              <a:extLst>
+                <a:ext uri="{FF2B5EF4-FFF2-40B4-BE49-F238E27FC236}">
+                  <a16:creationId xmlns:a16="http://schemas.microsoft.com/office/drawing/2014/main" id="{22F21AD6-01E3-B346-9186-A3854DA0E71B}"/>
+                </a:ext>
+              </a:extLst>
+            </p:cNvPr>
+            <p:cNvSpPr txBox="1"/>
+            <p:nvPr/>
+          </p:nvSpPr>
+          <p:spPr>
+            <a:xfrm rot="16200000">
+              <a:off x="4756637" y="875416"/>
+              <a:ext cx="368652" cy="215444"/>
+            </a:xfrm>
+            <a:prstGeom prst="rect">
+              <a:avLst/>
+            </a:prstGeom>
+            <a:noFill/>
+          </p:spPr>
+          <p:txBody>
+            <a:bodyPr wrap="square" rtlCol="0">
+              <a:spAutoFit/>
+            </a:bodyPr>
+            <a:lstStyle/>
+            <a:p>
+              <a:pPr algn="ctr"/>
+              <a:r>
+                <a:rPr lang="en-US" sz="800" dirty="0">
+                  <a:latin typeface="Arial" panose="020B0604020202020204" pitchFamily="34" charset="0"/>
+                  <a:cs typeface="Arial" panose="020B0604020202020204" pitchFamily="34" charset="0"/>
+                </a:rPr>
+                <a:t>125</a:t>
+              </a:r>
+            </a:p>
+          </p:txBody>
+        </p:sp>
+        <p:sp>
+          <p:nvSpPr>
+            <p:cNvPr id="9" name="TextBox 8">
+              <a:extLst>
+                <a:ext uri="{FF2B5EF4-FFF2-40B4-BE49-F238E27FC236}">
+                  <a16:creationId xmlns:a16="http://schemas.microsoft.com/office/drawing/2014/main" id="{FE70D868-8FE7-6948-B67B-E2C773DDB95D}"/>
+                </a:ext>
+              </a:extLst>
+            </p:cNvPr>
+            <p:cNvSpPr txBox="1"/>
+            <p:nvPr/>
+          </p:nvSpPr>
+          <p:spPr>
+            <a:xfrm rot="16200000">
+              <a:off x="4739351" y="1208498"/>
+              <a:ext cx="406330" cy="215444"/>
+            </a:xfrm>
+            <a:prstGeom prst="rect">
+              <a:avLst/>
+            </a:prstGeom>
+            <a:noFill/>
+          </p:spPr>
+          <p:txBody>
+            <a:bodyPr wrap="square" rtlCol="0">
+              <a:spAutoFit/>
+            </a:bodyPr>
+            <a:lstStyle/>
+            <a:p>
+              <a:pPr algn="ctr"/>
+              <a:r>
+                <a:rPr lang="en-US" sz="800" dirty="0">
+                  <a:latin typeface="Arial" panose="020B0604020202020204" pitchFamily="34" charset="0"/>
+                  <a:cs typeface="Arial" panose="020B0604020202020204" pitchFamily="34" charset="0"/>
+                </a:rPr>
+                <a:t>250</a:t>
+              </a:r>
+            </a:p>
+          </p:txBody>
+        </p:sp>
+        <p:sp>
+          <p:nvSpPr>
+            <p:cNvPr id="10" name="TextBox 9">
+              <a:extLst>
+                <a:ext uri="{FF2B5EF4-FFF2-40B4-BE49-F238E27FC236}">
+                  <a16:creationId xmlns:a16="http://schemas.microsoft.com/office/drawing/2014/main" id="{9DDCB1AD-8815-F747-A27D-FD7C77FA636D}"/>
+                </a:ext>
+              </a:extLst>
+            </p:cNvPr>
+            <p:cNvSpPr txBox="1"/>
+            <p:nvPr/>
+          </p:nvSpPr>
+          <p:spPr>
+            <a:xfrm rot="16200000">
+              <a:off x="4726666" y="1568374"/>
+              <a:ext cx="428593" cy="215444"/>
+            </a:xfrm>
+            <a:prstGeom prst="rect">
+              <a:avLst/>
+            </a:prstGeom>
+            <a:noFill/>
+          </p:spPr>
+          <p:txBody>
+            <a:bodyPr wrap="square" rtlCol="0">
+              <a:spAutoFit/>
+            </a:bodyPr>
+            <a:lstStyle/>
+            <a:p>
+              <a:pPr algn="ctr"/>
+              <a:r>
+                <a:rPr lang="en-US" sz="800" dirty="0">
+                  <a:latin typeface="Arial" panose="020B0604020202020204" pitchFamily="34" charset="0"/>
+                  <a:cs typeface="Arial" panose="020B0604020202020204" pitchFamily="34" charset="0"/>
+                </a:rPr>
+                <a:t>1000</a:t>
+              </a:r>
+            </a:p>
+          </p:txBody>
+        </p:sp>
+        <p:sp>
+          <p:nvSpPr>
+            <p:cNvPr id="11" name="TextBox 10">
+              <a:extLst>
+                <a:ext uri="{FF2B5EF4-FFF2-40B4-BE49-F238E27FC236}">
+                  <a16:creationId xmlns:a16="http://schemas.microsoft.com/office/drawing/2014/main" id="{4DA43F08-F240-704A-BE67-F28AFCDC6ECF}"/>
+                </a:ext>
+              </a:extLst>
+            </p:cNvPr>
+            <p:cNvSpPr txBox="1"/>
+            <p:nvPr/>
+          </p:nvSpPr>
+          <p:spPr>
+            <a:xfrm rot="16200000">
+              <a:off x="4151926" y="1218811"/>
+              <a:ext cx="1043637" cy="230832"/>
+            </a:xfrm>
+            <a:prstGeom prst="rect">
+              <a:avLst/>
+            </a:prstGeom>
+            <a:noFill/>
+          </p:spPr>
+          <p:txBody>
+            <a:bodyPr wrap="square" rtlCol="0">
+              <a:spAutoFit/>
+            </a:bodyPr>
+            <a:lstStyle/>
+            <a:p>
+              <a:pPr algn="ctr"/>
+              <a:r>
+                <a:rPr lang="en-US" sz="900" dirty="0">
+                  <a:latin typeface="Arial" panose="020B0604020202020204" pitchFamily="34" charset="0"/>
+                  <a:cs typeface="Arial" panose="020B0604020202020204" pitchFamily="34" charset="0"/>
+                </a:rPr>
+                <a:t>Discrimination</a:t>
+              </a:r>
+            </a:p>
+          </p:txBody>
+        </p:sp>
+        <p:sp>
+          <p:nvSpPr>
+            <p:cNvPr id="12" name="Left Brace 11">
+              <a:extLst>
+                <a:ext uri="{FF2B5EF4-FFF2-40B4-BE49-F238E27FC236}">
+                  <a16:creationId xmlns:a16="http://schemas.microsoft.com/office/drawing/2014/main" id="{9B26CDD4-6188-CC44-8189-189CA7EA8151}"/>
+                </a:ext>
+              </a:extLst>
+            </p:cNvPr>
+            <p:cNvSpPr/>
+            <p:nvPr/>
+          </p:nvSpPr>
+          <p:spPr>
+            <a:xfrm>
+              <a:off x="4769081" y="812408"/>
+              <a:ext cx="93248" cy="1015193"/>
+            </a:xfrm>
+            <a:prstGeom prst="leftBrace">
+              <a:avLst>
+                <a:gd name="adj1" fmla="val 8333"/>
+                <a:gd name="adj2" fmla="val 50895"/>
+              </a:avLst>
+            </a:prstGeom>
+          </p:spPr>
+          <p:style>
+            <a:lnRef idx="1">
+              <a:schemeClr val="dk1"/>
+            </a:lnRef>
+            <a:fillRef idx="0">
+              <a:schemeClr val="dk1"/>
+            </a:fillRef>
+            <a:effectRef idx="0">
+              <a:schemeClr val="dk1"/>
+            </a:effectRef>
+            <a:fontRef idx="minor">
+              <a:schemeClr val="tx1"/>
+            </a:fontRef>
+          </p:style>
+          <p:txBody>
+            <a:bodyPr rot="0" spcFirstLastPara="0" vert="horz" wrap="square" lIns="18288" tIns="9144" rIns="18288" bIns="9144" numCol="1" spcCol="0" rtlCol="0" fromWordArt="0" anchor="ctr" anchorCtr="0" forceAA="0" compatLnSpc="1">
+              <a:prstTxWarp prst="textNoShape">
+                <a:avLst/>
+              </a:prstTxWarp>
+              <a:noAutofit/>
+            </a:bodyPr>
+            <a:lstStyle/>
+            <a:p>
+              <a:endParaRPr lang="en-US" sz="700" dirty="0">
+                <a:solidFill>
+                  <a:schemeClr val="bg2">
+                    <a:lumMod val="90000"/>
+                  </a:schemeClr>
+                </a:solidFill>
+              </a:endParaRPr>
+            </a:p>
+          </p:txBody>
+        </p:sp>
+        <p:sp>
+          <p:nvSpPr>
+            <p:cNvPr id="13" name="TextBox 12">
+              <a:extLst>
+                <a:ext uri="{FF2B5EF4-FFF2-40B4-BE49-F238E27FC236}">
+                  <a16:creationId xmlns:a16="http://schemas.microsoft.com/office/drawing/2014/main" id="{B1C08DCA-4EB6-E54E-B9FF-ED90419846C9}"/>
+                </a:ext>
+              </a:extLst>
+            </p:cNvPr>
+            <p:cNvSpPr txBox="1"/>
+            <p:nvPr/>
+          </p:nvSpPr>
+          <p:spPr>
+            <a:xfrm rot="16200000">
+              <a:off x="4753083" y="1926624"/>
+              <a:ext cx="368652" cy="215444"/>
+            </a:xfrm>
+            <a:prstGeom prst="rect">
+              <a:avLst/>
+            </a:prstGeom>
+            <a:noFill/>
+          </p:spPr>
+          <p:txBody>
+            <a:bodyPr wrap="square" rtlCol="0">
+              <a:spAutoFit/>
+            </a:bodyPr>
+            <a:lstStyle/>
+            <a:p>
+              <a:pPr algn="ctr"/>
+              <a:r>
+                <a:rPr lang="en-US" sz="800" dirty="0">
+                  <a:latin typeface="Arial" panose="020B0604020202020204" pitchFamily="34" charset="0"/>
+                  <a:cs typeface="Arial" panose="020B0604020202020204" pitchFamily="34" charset="0"/>
+                </a:rPr>
+                <a:t>125</a:t>
+              </a:r>
+            </a:p>
+          </p:txBody>
+        </p:sp>
+        <p:sp>
+          <p:nvSpPr>
+            <p:cNvPr id="14" name="TextBox 13">
+              <a:extLst>
+                <a:ext uri="{FF2B5EF4-FFF2-40B4-BE49-F238E27FC236}">
+                  <a16:creationId xmlns:a16="http://schemas.microsoft.com/office/drawing/2014/main" id="{6F6C3E44-0D76-E04E-AC64-6F3D5C6A6AA2}"/>
+                </a:ext>
+              </a:extLst>
+            </p:cNvPr>
+            <p:cNvSpPr txBox="1"/>
+            <p:nvPr/>
+          </p:nvSpPr>
+          <p:spPr>
+            <a:xfrm rot="16200000">
+              <a:off x="4735797" y="2259706"/>
+              <a:ext cx="406330" cy="215444"/>
+            </a:xfrm>
+            <a:prstGeom prst="rect">
+              <a:avLst/>
+            </a:prstGeom>
+            <a:noFill/>
+          </p:spPr>
+          <p:txBody>
+            <a:bodyPr wrap="square" rtlCol="0">
+              <a:spAutoFit/>
+            </a:bodyPr>
+            <a:lstStyle/>
+            <a:p>
+              <a:pPr algn="ctr"/>
+              <a:r>
+                <a:rPr lang="en-US" sz="800" dirty="0">
+                  <a:latin typeface="Arial" panose="020B0604020202020204" pitchFamily="34" charset="0"/>
+                  <a:cs typeface="Arial" panose="020B0604020202020204" pitchFamily="34" charset="0"/>
+                </a:rPr>
+                <a:t>250</a:t>
+              </a:r>
+            </a:p>
+          </p:txBody>
+        </p:sp>
+        <p:sp>
+          <p:nvSpPr>
+            <p:cNvPr id="15" name="TextBox 14">
+              <a:extLst>
+                <a:ext uri="{FF2B5EF4-FFF2-40B4-BE49-F238E27FC236}">
+                  <a16:creationId xmlns:a16="http://schemas.microsoft.com/office/drawing/2014/main" id="{32D2C3E1-8BFD-B148-ABA3-2F0042ED0FF9}"/>
+                </a:ext>
+              </a:extLst>
+            </p:cNvPr>
+            <p:cNvSpPr txBox="1"/>
+            <p:nvPr/>
+          </p:nvSpPr>
+          <p:spPr>
+            <a:xfrm rot="16200000">
+              <a:off x="4723112" y="2619582"/>
+              <a:ext cx="428593" cy="215444"/>
+            </a:xfrm>
+            <a:prstGeom prst="rect">
+              <a:avLst/>
+            </a:prstGeom>
+            <a:noFill/>
+          </p:spPr>
+          <p:txBody>
+            <a:bodyPr wrap="square" rtlCol="0">
+              <a:spAutoFit/>
+            </a:bodyPr>
+            <a:lstStyle/>
+            <a:p>
+              <a:pPr algn="ctr"/>
+              <a:r>
+                <a:rPr lang="en-US" sz="800" dirty="0">
+                  <a:latin typeface="Arial" panose="020B0604020202020204" pitchFamily="34" charset="0"/>
+                  <a:cs typeface="Arial" panose="020B0604020202020204" pitchFamily="34" charset="0"/>
+                </a:rPr>
+                <a:t>1000</a:t>
+              </a:r>
+            </a:p>
+          </p:txBody>
+        </p:sp>
+        <p:sp>
+          <p:nvSpPr>
+            <p:cNvPr id="16" name="TextBox 15">
+              <a:extLst>
+                <a:ext uri="{FF2B5EF4-FFF2-40B4-BE49-F238E27FC236}">
+                  <a16:creationId xmlns:a16="http://schemas.microsoft.com/office/drawing/2014/main" id="{1D0E8307-CC6D-5B42-9DD9-BD49C07C71E8}"/>
+                </a:ext>
+              </a:extLst>
+            </p:cNvPr>
+            <p:cNvSpPr txBox="1"/>
+            <p:nvPr/>
+          </p:nvSpPr>
+          <p:spPr>
+            <a:xfrm rot="16200000">
+              <a:off x="4070116" y="2270276"/>
+              <a:ext cx="1200150" cy="230832"/>
+            </a:xfrm>
+            <a:prstGeom prst="rect">
+              <a:avLst/>
+            </a:prstGeom>
+            <a:noFill/>
+          </p:spPr>
+          <p:txBody>
+            <a:bodyPr wrap="square" rtlCol="0">
+              <a:spAutoFit/>
+            </a:bodyPr>
+            <a:lstStyle/>
+            <a:p>
+              <a:pPr algn="ctr"/>
+              <a:r>
+                <a:rPr lang="en-US" sz="900" dirty="0">
+                  <a:latin typeface="Arial" panose="020B0604020202020204" pitchFamily="34" charset="0"/>
+                  <a:cs typeface="Arial" panose="020B0604020202020204" pitchFamily="34" charset="0"/>
+                </a:rPr>
+                <a:t>Numerical Estimate</a:t>
+              </a:r>
+            </a:p>
+          </p:txBody>
+        </p:sp>
+        <p:sp>
+          <p:nvSpPr>
+            <p:cNvPr id="17" name="Left Brace 16">
+              <a:extLst>
+                <a:ext uri="{FF2B5EF4-FFF2-40B4-BE49-F238E27FC236}">
+                  <a16:creationId xmlns:a16="http://schemas.microsoft.com/office/drawing/2014/main" id="{7F215F09-A50E-C444-ADE2-418366168F5A}"/>
+                </a:ext>
+              </a:extLst>
+            </p:cNvPr>
+            <p:cNvSpPr/>
+            <p:nvPr/>
+          </p:nvSpPr>
+          <p:spPr>
+            <a:xfrm>
+              <a:off x="4765527" y="1861014"/>
+              <a:ext cx="93248" cy="1015193"/>
+            </a:xfrm>
+            <a:prstGeom prst="leftBrace">
+              <a:avLst>
+                <a:gd name="adj1" fmla="val 8333"/>
+                <a:gd name="adj2" fmla="val 50895"/>
+              </a:avLst>
+            </a:prstGeom>
+          </p:spPr>
+          <p:style>
+            <a:lnRef idx="1">
+              <a:schemeClr val="dk1"/>
+            </a:lnRef>
+            <a:fillRef idx="0">
+              <a:schemeClr val="dk1"/>
+            </a:fillRef>
+            <a:effectRef idx="0">
+              <a:schemeClr val="dk1"/>
+            </a:effectRef>
+            <a:fontRef idx="minor">
+              <a:schemeClr val="tx1"/>
+            </a:fontRef>
+          </p:style>
+          <p:txBody>
+            <a:bodyPr rot="0" spcFirstLastPara="0" vert="horz" wrap="square" lIns="18288" tIns="9144" rIns="18288" bIns="9144" numCol="1" spcCol="0" rtlCol="0" fromWordArt="0" anchor="ctr" anchorCtr="0" forceAA="0" compatLnSpc="1">
+              <a:prstTxWarp prst="textNoShape">
+                <a:avLst/>
+              </a:prstTxWarp>
+              <a:noAutofit/>
+            </a:bodyPr>
+            <a:lstStyle/>
+            <a:p>
+              <a:endParaRPr lang="en-US" sz="700" dirty="0">
+                <a:solidFill>
+                  <a:schemeClr val="bg2">
+                    <a:lumMod val="90000"/>
+                  </a:schemeClr>
+                </a:solidFill>
+              </a:endParaRPr>
+            </a:p>
+          </p:txBody>
+        </p:sp>
+        <p:sp>
+          <p:nvSpPr>
+            <p:cNvPr id="19" name="TextBox 18">
+              <a:extLst>
+                <a:ext uri="{FF2B5EF4-FFF2-40B4-BE49-F238E27FC236}">
+                  <a16:creationId xmlns:a16="http://schemas.microsoft.com/office/drawing/2014/main" id="{855CE9A2-41F3-B348-9EAD-DD73FFF16426}"/>
+                </a:ext>
+              </a:extLst>
+            </p:cNvPr>
+            <p:cNvSpPr txBox="1"/>
+            <p:nvPr/>
+          </p:nvSpPr>
+          <p:spPr>
+            <a:xfrm>
+              <a:off x="5954282" y="2863835"/>
+              <a:ext cx="566502" cy="215444"/>
+            </a:xfrm>
+            <a:prstGeom prst="rect">
+              <a:avLst/>
+            </a:prstGeom>
+            <a:noFill/>
+          </p:spPr>
+          <p:txBody>
+            <a:bodyPr wrap="square" rtlCol="0">
+              <a:spAutoFit/>
+            </a:bodyPr>
+            <a:lstStyle/>
+            <a:p>
+              <a:pPr algn="ctr"/>
+              <a:r>
+                <a:rPr lang="en-US" sz="800" dirty="0">
+                  <a:latin typeface="Arial" panose="020B0604020202020204" pitchFamily="34" charset="0"/>
+                  <a:cs typeface="Arial" panose="020B0604020202020204" pitchFamily="34" charset="0"/>
+                </a:rPr>
+                <a:t>125</a:t>
+              </a:r>
+            </a:p>
+          </p:txBody>
+        </p:sp>
+        <p:sp>
+          <p:nvSpPr>
+            <p:cNvPr id="20" name="TextBox 19">
+              <a:extLst>
+                <a:ext uri="{FF2B5EF4-FFF2-40B4-BE49-F238E27FC236}">
+                  <a16:creationId xmlns:a16="http://schemas.microsoft.com/office/drawing/2014/main" id="{6355FF97-519D-014E-BD55-6E35517617D0}"/>
+                </a:ext>
+              </a:extLst>
+            </p:cNvPr>
+            <p:cNvSpPr txBox="1"/>
+            <p:nvPr/>
+          </p:nvSpPr>
+          <p:spPr>
+            <a:xfrm>
+              <a:off x="6307823" y="2863835"/>
+              <a:ext cx="566502" cy="215444"/>
+            </a:xfrm>
+            <a:prstGeom prst="rect">
+              <a:avLst/>
+            </a:prstGeom>
+            <a:noFill/>
+          </p:spPr>
+          <p:txBody>
+            <a:bodyPr wrap="square" rtlCol="0">
+              <a:spAutoFit/>
+            </a:bodyPr>
+            <a:lstStyle/>
+            <a:p>
+              <a:pPr algn="ctr"/>
+              <a:r>
+                <a:rPr lang="en-US" sz="800" dirty="0">
+                  <a:latin typeface="Arial" panose="020B0604020202020204" pitchFamily="34" charset="0"/>
+                  <a:cs typeface="Arial" panose="020B0604020202020204" pitchFamily="34" charset="0"/>
+                </a:rPr>
+                <a:t>250</a:t>
+              </a:r>
+            </a:p>
+          </p:txBody>
+        </p:sp>
+        <p:sp>
+          <p:nvSpPr>
+            <p:cNvPr id="21" name="TextBox 20">
+              <a:extLst>
+                <a:ext uri="{FF2B5EF4-FFF2-40B4-BE49-F238E27FC236}">
+                  <a16:creationId xmlns:a16="http://schemas.microsoft.com/office/drawing/2014/main" id="{7A9A3FA0-506F-374B-A175-83EB10485637}"/>
+                </a:ext>
+              </a:extLst>
+            </p:cNvPr>
+            <p:cNvSpPr txBox="1"/>
+            <p:nvPr/>
+          </p:nvSpPr>
+          <p:spPr>
+            <a:xfrm>
+              <a:off x="6591074" y="2861474"/>
+              <a:ext cx="672514" cy="215444"/>
+            </a:xfrm>
+            <a:prstGeom prst="rect">
+              <a:avLst/>
+            </a:prstGeom>
+            <a:noFill/>
+          </p:spPr>
+          <p:txBody>
+            <a:bodyPr wrap="square" rtlCol="0">
+              <a:spAutoFit/>
+            </a:bodyPr>
+            <a:lstStyle/>
+            <a:p>
+              <a:pPr algn="ctr"/>
+              <a:r>
+                <a:rPr lang="en-US" sz="800" dirty="0">
+                  <a:latin typeface="Arial" panose="020B0604020202020204" pitchFamily="34" charset="0"/>
+                  <a:cs typeface="Arial" panose="020B0604020202020204" pitchFamily="34" charset="0"/>
+                </a:rPr>
+                <a:t>1000</a:t>
+              </a:r>
+            </a:p>
+          </p:txBody>
+        </p:sp>
+        <p:sp>
+          <p:nvSpPr>
+            <p:cNvPr id="22" name="Left Brace 21">
+              <a:extLst>
+                <a:ext uri="{FF2B5EF4-FFF2-40B4-BE49-F238E27FC236}">
+                  <a16:creationId xmlns:a16="http://schemas.microsoft.com/office/drawing/2014/main" id="{C841ACAF-5E5B-9040-B9E4-0FB86BA4E895}"/>
+                </a:ext>
+              </a:extLst>
+            </p:cNvPr>
+            <p:cNvSpPr/>
+            <p:nvPr/>
+          </p:nvSpPr>
+          <p:spPr>
+            <a:xfrm rot="16200000">
+              <a:off x="6539098" y="2540935"/>
+              <a:ext cx="93248" cy="1043637"/>
+            </a:xfrm>
+            <a:prstGeom prst="leftBrace">
+              <a:avLst>
+                <a:gd name="adj1" fmla="val 8333"/>
+                <a:gd name="adj2" fmla="val 50895"/>
+              </a:avLst>
+            </a:prstGeom>
+          </p:spPr>
+          <p:style>
+            <a:lnRef idx="1">
+              <a:schemeClr val="dk1"/>
+            </a:lnRef>
+            <a:fillRef idx="0">
+              <a:schemeClr val="dk1"/>
+            </a:fillRef>
+            <a:effectRef idx="0">
+              <a:schemeClr val="dk1"/>
+            </a:effectRef>
+            <a:fontRef idx="minor">
+              <a:schemeClr val="tx1"/>
+            </a:fontRef>
+          </p:style>
+          <p:txBody>
+            <a:bodyPr rot="0" spcFirstLastPara="0" vert="horz" wrap="square" lIns="18288" tIns="9144" rIns="18288" bIns="9144" numCol="1" spcCol="0" rtlCol="0" fromWordArt="0" anchor="ctr" anchorCtr="0" forceAA="0" compatLnSpc="1">
+              <a:prstTxWarp prst="textNoShape">
+                <a:avLst/>
+              </a:prstTxWarp>
+              <a:noAutofit/>
+            </a:bodyPr>
+            <a:lstStyle/>
+            <a:p>
+              <a:endParaRPr lang="en-US" sz="700" dirty="0">
+                <a:solidFill>
+                  <a:schemeClr val="bg2">
+                    <a:lumMod val="90000"/>
+                  </a:schemeClr>
+                </a:solidFill>
+              </a:endParaRPr>
+            </a:p>
+          </p:txBody>
+        </p:sp>
+        <p:sp>
+          <p:nvSpPr>
+            <p:cNvPr id="24" name="TextBox 23">
+              <a:extLst>
+                <a:ext uri="{FF2B5EF4-FFF2-40B4-BE49-F238E27FC236}">
+                  <a16:creationId xmlns:a16="http://schemas.microsoft.com/office/drawing/2014/main" id="{4CDC1819-1C4C-4441-9A0E-D3112E77FB66}"/>
+                </a:ext>
+              </a:extLst>
+            </p:cNvPr>
+            <p:cNvSpPr txBox="1"/>
+            <p:nvPr/>
+          </p:nvSpPr>
+          <p:spPr>
+            <a:xfrm>
+              <a:off x="4894704" y="2863835"/>
+              <a:ext cx="566502" cy="215444"/>
+            </a:xfrm>
+            <a:prstGeom prst="rect">
+              <a:avLst/>
+            </a:prstGeom>
+            <a:noFill/>
+          </p:spPr>
+          <p:txBody>
+            <a:bodyPr wrap="square" rtlCol="0">
+              <a:spAutoFit/>
+            </a:bodyPr>
+            <a:lstStyle/>
+            <a:p>
+              <a:pPr algn="ctr"/>
+              <a:r>
+                <a:rPr lang="en-US" sz="800" dirty="0">
+                  <a:latin typeface="Arial" panose="020B0604020202020204" pitchFamily="34" charset="0"/>
+                  <a:cs typeface="Arial" panose="020B0604020202020204" pitchFamily="34" charset="0"/>
+                </a:rPr>
+                <a:t>125</a:t>
+              </a:r>
+            </a:p>
+          </p:txBody>
+        </p:sp>
+        <p:sp>
+          <p:nvSpPr>
+            <p:cNvPr id="25" name="TextBox 24">
+              <a:extLst>
+                <a:ext uri="{FF2B5EF4-FFF2-40B4-BE49-F238E27FC236}">
+                  <a16:creationId xmlns:a16="http://schemas.microsoft.com/office/drawing/2014/main" id="{DC6AFF7A-C319-A54E-86D0-78D561EB8FBF}"/>
+                </a:ext>
+              </a:extLst>
+            </p:cNvPr>
+            <p:cNvSpPr txBox="1"/>
+            <p:nvPr/>
+          </p:nvSpPr>
+          <p:spPr>
+            <a:xfrm>
+              <a:off x="5248245" y="2863835"/>
+              <a:ext cx="566502" cy="215444"/>
+            </a:xfrm>
+            <a:prstGeom prst="rect">
+              <a:avLst/>
+            </a:prstGeom>
+            <a:noFill/>
+          </p:spPr>
+          <p:txBody>
+            <a:bodyPr wrap="square" rtlCol="0">
+              <a:spAutoFit/>
+            </a:bodyPr>
+            <a:lstStyle/>
+            <a:p>
+              <a:pPr algn="ctr"/>
+              <a:r>
+                <a:rPr lang="en-US" sz="800" dirty="0">
+                  <a:latin typeface="Arial" panose="020B0604020202020204" pitchFamily="34" charset="0"/>
+                  <a:cs typeface="Arial" panose="020B0604020202020204" pitchFamily="34" charset="0"/>
+                </a:rPr>
+                <a:t>250</a:t>
+              </a:r>
+            </a:p>
+          </p:txBody>
+        </p:sp>
+        <p:sp>
+          <p:nvSpPr>
+            <p:cNvPr id="26" name="TextBox 25">
+              <a:extLst>
+                <a:ext uri="{FF2B5EF4-FFF2-40B4-BE49-F238E27FC236}">
+                  <a16:creationId xmlns:a16="http://schemas.microsoft.com/office/drawing/2014/main" id="{5492A3DD-40D8-3948-9292-F94587639FF3}"/>
+                </a:ext>
+              </a:extLst>
+            </p:cNvPr>
+            <p:cNvSpPr txBox="1"/>
+            <p:nvPr/>
+          </p:nvSpPr>
+          <p:spPr>
+            <a:xfrm>
+              <a:off x="5531496" y="2861474"/>
+              <a:ext cx="672514" cy="215444"/>
+            </a:xfrm>
+            <a:prstGeom prst="rect">
+              <a:avLst/>
+            </a:prstGeom>
+            <a:noFill/>
+          </p:spPr>
+          <p:txBody>
+            <a:bodyPr wrap="square" rtlCol="0">
+              <a:spAutoFit/>
+            </a:bodyPr>
+            <a:lstStyle/>
+            <a:p>
+              <a:pPr algn="ctr"/>
+              <a:r>
+                <a:rPr lang="en-US" sz="800" dirty="0">
+                  <a:latin typeface="Arial" panose="020B0604020202020204" pitchFamily="34" charset="0"/>
+                  <a:cs typeface="Arial" panose="020B0604020202020204" pitchFamily="34" charset="0"/>
+                </a:rPr>
+                <a:t>1000</a:t>
+              </a:r>
+            </a:p>
+          </p:txBody>
+        </p:sp>
+        <p:sp>
+          <p:nvSpPr>
+            <p:cNvPr id="27" name="Left Brace 26">
+              <a:extLst>
+                <a:ext uri="{FF2B5EF4-FFF2-40B4-BE49-F238E27FC236}">
+                  <a16:creationId xmlns:a16="http://schemas.microsoft.com/office/drawing/2014/main" id="{12BE84EC-1853-B946-AE3B-101D7A00D713}"/>
+                </a:ext>
+              </a:extLst>
+            </p:cNvPr>
+            <p:cNvSpPr/>
+            <p:nvPr/>
+          </p:nvSpPr>
+          <p:spPr>
+            <a:xfrm rot="16200000">
+              <a:off x="5479520" y="2540935"/>
+              <a:ext cx="93248" cy="1043637"/>
+            </a:xfrm>
+            <a:prstGeom prst="leftBrace">
+              <a:avLst>
+                <a:gd name="adj1" fmla="val 8333"/>
+                <a:gd name="adj2" fmla="val 50895"/>
+              </a:avLst>
+            </a:prstGeom>
+          </p:spPr>
+          <p:style>
+            <a:lnRef idx="1">
+              <a:schemeClr val="dk1"/>
+            </a:lnRef>
+            <a:fillRef idx="0">
+              <a:schemeClr val="dk1"/>
+            </a:fillRef>
+            <a:effectRef idx="0">
+              <a:schemeClr val="dk1"/>
+            </a:effectRef>
+            <a:fontRef idx="minor">
+              <a:schemeClr val="tx1"/>
+            </a:fontRef>
+          </p:style>
+          <p:txBody>
+            <a:bodyPr rot="0" spcFirstLastPara="0" vert="horz" wrap="square" lIns="18288" tIns="9144" rIns="18288" bIns="9144" numCol="1" spcCol="0" rtlCol="0" fromWordArt="0" anchor="ctr" anchorCtr="0" forceAA="0" compatLnSpc="1">
+              <a:prstTxWarp prst="textNoShape">
+                <a:avLst/>
+              </a:prstTxWarp>
+              <a:noAutofit/>
+            </a:bodyPr>
+            <a:lstStyle/>
+            <a:p>
+              <a:endParaRPr lang="en-US" sz="700" dirty="0">
+                <a:solidFill>
+                  <a:schemeClr val="bg2">
+                    <a:lumMod val="90000"/>
+                  </a:schemeClr>
+                </a:solidFill>
+              </a:endParaRPr>
+            </a:p>
+          </p:txBody>
+        </p:sp>
+        <p:sp>
+          <p:nvSpPr>
+            <p:cNvPr id="28" name="TextBox 27">
+              <a:extLst>
+                <a:ext uri="{FF2B5EF4-FFF2-40B4-BE49-F238E27FC236}">
+                  <a16:creationId xmlns:a16="http://schemas.microsoft.com/office/drawing/2014/main" id="{9B3F82B8-800D-0E4F-BE63-38A0BB05006C}"/>
+                </a:ext>
+              </a:extLst>
+            </p:cNvPr>
+            <p:cNvSpPr txBox="1"/>
+            <p:nvPr/>
+          </p:nvSpPr>
+          <p:spPr>
+            <a:xfrm>
+              <a:off x="5014523" y="3067721"/>
+              <a:ext cx="1043637" cy="230832"/>
+            </a:xfrm>
+            <a:prstGeom prst="rect">
+              <a:avLst/>
+            </a:prstGeom>
+            <a:noFill/>
+          </p:spPr>
+          <p:txBody>
+            <a:bodyPr wrap="square" rtlCol="0">
+              <a:spAutoFit/>
+            </a:bodyPr>
+            <a:lstStyle/>
+            <a:p>
+              <a:pPr algn="ctr"/>
+              <a:r>
+                <a:rPr lang="en-US" sz="900" dirty="0">
+                  <a:latin typeface="Arial" panose="020B0604020202020204" pitchFamily="34" charset="0"/>
+                  <a:cs typeface="Arial" panose="020B0604020202020204" pitchFamily="34" charset="0"/>
+                </a:rPr>
+                <a:t>Discrimination</a:t>
+              </a:r>
+            </a:p>
+          </p:txBody>
+        </p:sp>
+        <p:sp>
+          <p:nvSpPr>
+            <p:cNvPr id="29" name="TextBox 28">
+              <a:extLst>
+                <a:ext uri="{FF2B5EF4-FFF2-40B4-BE49-F238E27FC236}">
+                  <a16:creationId xmlns:a16="http://schemas.microsoft.com/office/drawing/2014/main" id="{11B9F49E-0921-8D4E-99BC-804686145855}"/>
+                </a:ext>
+              </a:extLst>
+            </p:cNvPr>
+            <p:cNvSpPr txBox="1"/>
+            <p:nvPr/>
+          </p:nvSpPr>
+          <p:spPr>
+            <a:xfrm>
+              <a:off x="5983247" y="3067596"/>
+              <a:ext cx="1193694" cy="230832"/>
+            </a:xfrm>
+            <a:prstGeom prst="rect">
+              <a:avLst/>
+            </a:prstGeom>
+            <a:noFill/>
+          </p:spPr>
+          <p:txBody>
+            <a:bodyPr wrap="square" rtlCol="0">
+              <a:spAutoFit/>
+            </a:bodyPr>
+            <a:lstStyle/>
+            <a:p>
+              <a:pPr algn="ctr"/>
+              <a:r>
+                <a:rPr lang="en-US" sz="900" dirty="0">
+                  <a:latin typeface="Arial" panose="020B0604020202020204" pitchFamily="34" charset="0"/>
+                  <a:cs typeface="Arial" panose="020B0604020202020204" pitchFamily="34" charset="0"/>
+                </a:rPr>
+                <a:t>Numerical Estimate</a:t>
+              </a:r>
+            </a:p>
+          </p:txBody>
+        </p:sp>
+        <p:grpSp>
+          <p:nvGrpSpPr>
+            <p:cNvPr id="5" name="Group 4">
+              <a:extLst>
+                <a:ext uri="{FF2B5EF4-FFF2-40B4-BE49-F238E27FC236}">
+                  <a16:creationId xmlns:a16="http://schemas.microsoft.com/office/drawing/2014/main" id="{17A16A3E-7D16-654B-B451-9872F643B8F9}"/>
+                </a:ext>
+              </a:extLst>
+            </p:cNvPr>
+            <p:cNvGrpSpPr/>
+            <p:nvPr/>
+          </p:nvGrpSpPr>
+          <p:grpSpPr>
+            <a:xfrm>
+              <a:off x="5010620" y="784105"/>
+              <a:ext cx="2127153" cy="2131830"/>
+              <a:chOff x="5043994" y="742582"/>
+              <a:chExt cx="2127153" cy="2131830"/>
+            </a:xfrm>
+          </p:grpSpPr>
+          <p:pic>
+            <p:nvPicPr>
+              <p:cNvPr id="3" name="Picture 2">
+                <a:extLst>
+                  <a:ext uri="{FF2B5EF4-FFF2-40B4-BE49-F238E27FC236}">
+                    <a16:creationId xmlns:a16="http://schemas.microsoft.com/office/drawing/2014/main" id="{AAF502C5-E8D8-574C-88D1-A8E5DE62876C}"/>
+                  </a:ext>
+                </a:extLst>
+              </p:cNvPr>
+              <p:cNvPicPr>
+                <a:picLocks noChangeAspect="1"/>
+              </p:cNvPicPr>
+              <p:nvPr/>
+            </p:nvPicPr>
+            <p:blipFill rotWithShape="1">
+              <a:blip r:embed="rId2"/>
+              <a:srcRect l="27977" t="18700" r="56683" b="66041"/>
+              <a:stretch/>
+            </p:blipFill>
+            <p:spPr>
+              <a:xfrm>
+                <a:off x="5043994" y="750894"/>
+                <a:ext cx="1052006" cy="1046487"/>
+              </a:xfrm>
+              <a:prstGeom prst="rect">
+                <a:avLst/>
+              </a:prstGeom>
+            </p:spPr>
+          </p:pic>
+          <p:pic>
+            <p:nvPicPr>
+              <p:cNvPr id="30" name="Picture 29">
+                <a:extLst>
+                  <a:ext uri="{FF2B5EF4-FFF2-40B4-BE49-F238E27FC236}">
+                    <a16:creationId xmlns:a16="http://schemas.microsoft.com/office/drawing/2014/main" id="{592B12CE-D19B-B845-B98B-0891FD2AA0B7}"/>
+                  </a:ext>
+                </a:extLst>
+              </p:cNvPr>
+              <p:cNvPicPr>
+                <a:picLocks noChangeAspect="1"/>
+              </p:cNvPicPr>
+              <p:nvPr/>
+            </p:nvPicPr>
+            <p:blipFill rotWithShape="1">
+              <a:blip r:embed="rId2"/>
+              <a:srcRect l="58974" t="49721" r="25488" b="34741"/>
+              <a:stretch/>
+            </p:blipFill>
+            <p:spPr>
+              <a:xfrm>
+                <a:off x="6105493" y="1808756"/>
+                <a:ext cx="1065654" cy="1065656"/>
+              </a:xfrm>
+              <a:prstGeom prst="rect">
+                <a:avLst/>
+              </a:prstGeom>
+            </p:spPr>
+          </p:pic>
+          <p:pic>
+            <p:nvPicPr>
+              <p:cNvPr id="31" name="Picture 30">
+                <a:extLst>
+                  <a:ext uri="{FF2B5EF4-FFF2-40B4-BE49-F238E27FC236}">
+                    <a16:creationId xmlns:a16="http://schemas.microsoft.com/office/drawing/2014/main" id="{9149D9C1-A941-E049-B2CE-131E882FFDD9}"/>
+                  </a:ext>
+                </a:extLst>
+              </p:cNvPr>
+              <p:cNvPicPr>
+                <a:picLocks noChangeAspect="1"/>
+              </p:cNvPicPr>
+              <p:nvPr/>
+            </p:nvPicPr>
+            <p:blipFill rotWithShape="1">
+              <a:blip r:embed="rId2"/>
+              <a:srcRect l="28044" t="49643" r="56418" b="34819"/>
+              <a:stretch/>
+            </p:blipFill>
+            <p:spPr>
+              <a:xfrm>
+                <a:off x="5043994" y="1800443"/>
+                <a:ext cx="1065654" cy="1065657"/>
+              </a:xfrm>
+              <a:prstGeom prst="rect">
+                <a:avLst/>
+              </a:prstGeom>
+            </p:spPr>
+          </p:pic>
+          <p:pic>
+            <p:nvPicPr>
+              <p:cNvPr id="32" name="Picture 31">
+                <a:extLst>
+                  <a:ext uri="{FF2B5EF4-FFF2-40B4-BE49-F238E27FC236}">
+                    <a16:creationId xmlns:a16="http://schemas.microsoft.com/office/drawing/2014/main" id="{E27227F8-9C98-C945-A629-42D1CEC84F07}"/>
+                  </a:ext>
+                </a:extLst>
+              </p:cNvPr>
+              <p:cNvPicPr>
+                <a:picLocks noChangeAspect="1"/>
+              </p:cNvPicPr>
+              <p:nvPr/>
+            </p:nvPicPr>
+            <p:blipFill rotWithShape="1">
+              <a:blip r:embed="rId2"/>
+              <a:srcRect l="58959" t="18620" r="25503" b="65957"/>
+              <a:stretch/>
+            </p:blipFill>
+            <p:spPr>
+              <a:xfrm>
+                <a:off x="6105492" y="742582"/>
+                <a:ext cx="1065655" cy="1057862"/>
+              </a:xfrm>
+              <a:prstGeom prst="rect">
+                <a:avLst/>
+              </a:prstGeom>
+            </p:spPr>
+          </p:pic>
+        </p:grpSp>
+        <p:pic>
+          <p:nvPicPr>
+            <p:cNvPr id="33" name="Picture 32">
+              <a:extLst>
+                <a:ext uri="{FF2B5EF4-FFF2-40B4-BE49-F238E27FC236}">
+                  <a16:creationId xmlns:a16="http://schemas.microsoft.com/office/drawing/2014/main" id="{D4EFA45B-C695-1946-9E7E-521192FA7FE6}"/>
+                </a:ext>
+              </a:extLst>
+            </p:cNvPr>
+            <p:cNvPicPr>
+              <a:picLocks noChangeAspect="1"/>
+            </p:cNvPicPr>
+            <p:nvPr/>
+          </p:nvPicPr>
+          <p:blipFill rotWithShape="1">
+            <a:blip r:embed="rId2"/>
+            <a:srcRect l="77341" t="18934" r="18205" b="48966"/>
+            <a:stretch/>
+          </p:blipFill>
+          <p:spPr>
+            <a:xfrm>
+              <a:off x="7227444" y="784345"/>
+              <a:ext cx="294606" cy="2123278"/>
+            </a:xfrm>
+            <a:prstGeom prst="rect">
+              <a:avLst/>
+            </a:prstGeom>
+          </p:spPr>
+        </p:pic>
+        <p:sp>
+          <p:nvSpPr>
+            <p:cNvPr id="34" name="TextBox 33">
+              <a:extLst>
+                <a:ext uri="{FF2B5EF4-FFF2-40B4-BE49-F238E27FC236}">
+                  <a16:creationId xmlns:a16="http://schemas.microsoft.com/office/drawing/2014/main" id="{1DE9CCC6-4016-5144-8AF6-780928D3A488}"/>
+                </a:ext>
+              </a:extLst>
+            </p:cNvPr>
+            <p:cNvSpPr txBox="1"/>
+            <p:nvPr/>
+          </p:nvSpPr>
+          <p:spPr>
+            <a:xfrm>
+              <a:off x="7438669" y="1091889"/>
+              <a:ext cx="598653" cy="184666"/>
+            </a:xfrm>
+            <a:prstGeom prst="rect">
+              <a:avLst/>
+            </a:prstGeom>
+            <a:noFill/>
+          </p:spPr>
+          <p:txBody>
+            <a:bodyPr wrap="square" rtlCol="0">
+              <a:spAutoFit/>
+            </a:bodyPr>
+            <a:lstStyle/>
+            <a:p>
+              <a:r>
+                <a:rPr lang="en-US" sz="600" dirty="0">
+                  <a:latin typeface="Arial" panose="020B0604020202020204" pitchFamily="34" charset="0"/>
+                  <a:cs typeface="Arial" panose="020B0604020202020204" pitchFamily="34" charset="0"/>
+                </a:rPr>
+                <a:t>0.8</a:t>
+              </a:r>
+            </a:p>
+          </p:txBody>
+        </p:sp>
+        <p:sp>
+          <p:nvSpPr>
+            <p:cNvPr id="35" name="TextBox 34">
+              <a:extLst>
+                <a:ext uri="{FF2B5EF4-FFF2-40B4-BE49-F238E27FC236}">
+                  <a16:creationId xmlns:a16="http://schemas.microsoft.com/office/drawing/2014/main" id="{B711F451-5649-6340-A687-27DC67CA7F39}"/>
+                </a:ext>
+              </a:extLst>
+            </p:cNvPr>
+            <p:cNvSpPr txBox="1"/>
+            <p:nvPr/>
+          </p:nvSpPr>
+          <p:spPr>
+            <a:xfrm>
+              <a:off x="7438664" y="1907423"/>
+              <a:ext cx="598653" cy="184666"/>
+            </a:xfrm>
+            <a:prstGeom prst="rect">
+              <a:avLst/>
+            </a:prstGeom>
+            <a:noFill/>
+          </p:spPr>
+          <p:txBody>
+            <a:bodyPr wrap="square" rtlCol="0">
+              <a:spAutoFit/>
+            </a:bodyPr>
+            <a:lstStyle/>
+            <a:p>
+              <a:r>
+                <a:rPr lang="en-US" sz="600" dirty="0">
+                  <a:latin typeface="Arial" panose="020B0604020202020204" pitchFamily="34" charset="0"/>
+                  <a:cs typeface="Arial" panose="020B0604020202020204" pitchFamily="34" charset="0"/>
+                </a:rPr>
+                <a:t>0.4</a:t>
+              </a:r>
+            </a:p>
+          </p:txBody>
+        </p:sp>
+        <p:sp>
+          <p:nvSpPr>
+            <p:cNvPr id="38" name="TextBox 37">
+              <a:extLst>
+                <a:ext uri="{FF2B5EF4-FFF2-40B4-BE49-F238E27FC236}">
+                  <a16:creationId xmlns:a16="http://schemas.microsoft.com/office/drawing/2014/main" id="{B0BB87D8-C860-C24B-BBE2-1A74556F1AA5}"/>
+                </a:ext>
+              </a:extLst>
+            </p:cNvPr>
+            <p:cNvSpPr txBox="1"/>
+            <p:nvPr/>
+          </p:nvSpPr>
+          <p:spPr>
+            <a:xfrm>
+              <a:off x="7441028" y="2726815"/>
+              <a:ext cx="598653" cy="184666"/>
+            </a:xfrm>
+            <a:prstGeom prst="rect">
+              <a:avLst/>
+            </a:prstGeom>
+            <a:noFill/>
+          </p:spPr>
+          <p:txBody>
+            <a:bodyPr wrap="square" rtlCol="0">
+              <a:spAutoFit/>
+            </a:bodyPr>
+            <a:lstStyle/>
+            <a:p>
+              <a:r>
+                <a:rPr lang="en-US" sz="600" dirty="0">
+                  <a:latin typeface="Arial" panose="020B0604020202020204" pitchFamily="34" charset="0"/>
+                  <a:cs typeface="Arial" panose="020B0604020202020204" pitchFamily="34" charset="0"/>
+                </a:rPr>
+                <a:t>0</a:t>
+              </a:r>
+            </a:p>
+          </p:txBody>
+        </p:sp>
+        <p:sp>
+          <p:nvSpPr>
+            <p:cNvPr id="39" name="TextBox 38">
+              <a:extLst>
+                <a:ext uri="{FF2B5EF4-FFF2-40B4-BE49-F238E27FC236}">
+                  <a16:creationId xmlns:a16="http://schemas.microsoft.com/office/drawing/2014/main" id="{BDBCE01A-D0CF-FD4B-A7FB-AC93A8B93163}"/>
+                </a:ext>
+              </a:extLst>
+            </p:cNvPr>
+            <p:cNvSpPr txBox="1"/>
+            <p:nvPr/>
+          </p:nvSpPr>
+          <p:spPr>
+            <a:xfrm>
+              <a:off x="7554531" y="2424532"/>
+              <a:ext cx="730173" cy="184666"/>
+            </a:xfrm>
+            <a:prstGeom prst="rect">
+              <a:avLst/>
+            </a:prstGeom>
+            <a:noFill/>
+          </p:spPr>
+          <p:txBody>
+            <a:bodyPr wrap="square" rtlCol="0">
+              <a:spAutoFit/>
+            </a:bodyPr>
+            <a:lstStyle/>
+            <a:p>
+              <a:r>
+                <a:rPr lang="en-US" sz="600" dirty="0">
+                  <a:latin typeface="Arial" panose="020B0604020202020204" pitchFamily="34" charset="0"/>
+                  <a:cs typeface="Arial" panose="020B0604020202020204" pitchFamily="34" charset="0"/>
+                </a:rPr>
+                <a:t> 0.16</a:t>
+              </a:r>
+            </a:p>
+          </p:txBody>
+        </p:sp>
+        <p:sp>
+          <p:nvSpPr>
+            <p:cNvPr id="40" name="TextBox 39">
+              <a:extLst>
+                <a:ext uri="{FF2B5EF4-FFF2-40B4-BE49-F238E27FC236}">
+                  <a16:creationId xmlns:a16="http://schemas.microsoft.com/office/drawing/2014/main" id="{B419D4D2-B9F2-2243-894D-B8C0BDBD4300}"/>
+                </a:ext>
+              </a:extLst>
+            </p:cNvPr>
+            <p:cNvSpPr txBox="1"/>
+            <p:nvPr/>
+          </p:nvSpPr>
+          <p:spPr>
+            <a:xfrm>
+              <a:off x="7748686" y="2411005"/>
+              <a:ext cx="294800" cy="261610"/>
+            </a:xfrm>
+            <a:prstGeom prst="rect">
+              <a:avLst/>
+            </a:prstGeom>
+            <a:noFill/>
+            <a:ln>
+              <a:noFill/>
+            </a:ln>
+          </p:spPr>
+          <p:txBody>
+            <a:bodyPr wrap="square" rtlCol="0">
+              <a:spAutoFit/>
+            </a:bodyPr>
+            <a:lstStyle/>
+            <a:p>
+              <a:r>
+                <a:rPr lang="en-US" sz="1100" dirty="0">
+                  <a:latin typeface="Arial" panose="020B0604020202020204" pitchFamily="34" charset="0"/>
+                  <a:cs typeface="Arial" panose="020B0604020202020204" pitchFamily="34" charset="0"/>
+                </a:rPr>
+                <a:t>*</a:t>
+              </a:r>
+            </a:p>
+          </p:txBody>
+        </p:sp>
+        <p:sp>
+          <p:nvSpPr>
+            <p:cNvPr id="41" name="TextBox 40">
+              <a:extLst>
+                <a:ext uri="{FF2B5EF4-FFF2-40B4-BE49-F238E27FC236}">
+                  <a16:creationId xmlns:a16="http://schemas.microsoft.com/office/drawing/2014/main" id="{EAE2F7D4-5C0D-8B4B-834B-C3C42CCA6198}"/>
+                </a:ext>
+              </a:extLst>
+            </p:cNvPr>
+            <p:cNvSpPr txBox="1"/>
+            <p:nvPr/>
+          </p:nvSpPr>
+          <p:spPr>
+            <a:xfrm rot="5400000">
+              <a:off x="6905806" y="1734604"/>
+              <a:ext cx="2115203" cy="230832"/>
+            </a:xfrm>
+            <a:prstGeom prst="rect">
+              <a:avLst/>
+            </a:prstGeom>
+            <a:noFill/>
+          </p:spPr>
+          <p:txBody>
+            <a:bodyPr wrap="square" rtlCol="0">
+              <a:spAutoFit/>
+            </a:bodyPr>
+            <a:lstStyle/>
+            <a:p>
+              <a:pPr algn="ctr"/>
+              <a:r>
+                <a:rPr lang="en-US" sz="900" dirty="0">
+                  <a:latin typeface="Arial" panose="020B0604020202020204" pitchFamily="34" charset="0"/>
+                  <a:cs typeface="Arial" panose="020B0604020202020204" pitchFamily="34" charset="0"/>
+                </a:rPr>
+                <a:t>Correlation (r)</a:t>
+              </a:r>
+            </a:p>
+          </p:txBody>
+        </p:sp>
+        <p:cxnSp>
+          <p:nvCxnSpPr>
+            <p:cNvPr id="42" name="Straight Connector 41">
+              <a:extLst>
+                <a:ext uri="{FF2B5EF4-FFF2-40B4-BE49-F238E27FC236}">
+                  <a16:creationId xmlns:a16="http://schemas.microsoft.com/office/drawing/2014/main" id="{26F23C37-9D2A-4142-8160-6CF89ACF3197}"/>
+                </a:ext>
+              </a:extLst>
+            </p:cNvPr>
+            <p:cNvCxnSpPr>
+              <a:cxnSpLocks/>
+            </p:cNvCxnSpPr>
+            <p:nvPr/>
+          </p:nvCxnSpPr>
+          <p:spPr>
+            <a:xfrm>
+              <a:off x="7298395" y="2516865"/>
+              <a:ext cx="341775" cy="0"/>
+            </a:xfrm>
+            <a:prstGeom prst="line">
+              <a:avLst/>
+            </a:prstGeom>
+            <a:ln w="12700">
+              <a:solidFill>
+                <a:schemeClr val="tx1"/>
+              </a:solidFill>
+            </a:ln>
+          </p:spPr>
+          <p:style>
+            <a:lnRef idx="1">
+              <a:schemeClr val="accent1"/>
+            </a:lnRef>
+            <a:fillRef idx="0">
+              <a:schemeClr val="accent1"/>
+            </a:fillRef>
+            <a:effectRef idx="0">
+              <a:schemeClr val="accent1"/>
+            </a:effectRef>
+            <a:fontRef idx="minor">
+              <a:schemeClr val="tx1"/>
+            </a:fontRef>
+          </p:style>
+        </p:cxnSp>
+      </p:grpSp>
+    </p:spTree>
+    <p:extLst>
+      <p:ext uri="{BB962C8B-B14F-4D97-AF65-F5344CB8AC3E}">
+        <p14:creationId xmlns:p14="http://schemas.microsoft.com/office/powerpoint/2010/main" val="3321608921"/>
+      </p:ext>
+    </p:extLst>
+  </p:cSld>
+  <p:clrMapOvr>
+    <a:masterClrMapping/>
+  </p:clrMapOvr>
+</p:sld>
+</file>
+
 <file path=ppt/theme/theme1.xml><?xml version="1.0" encoding="utf-8"?>
 <a:theme xmlns:a="http://schemas.openxmlformats.org/drawingml/2006/main" name="Office Theme">
   <a:themeElements>

--- a/joint_analyses/inveff-matrix.pptx
+++ b/joint_analyses/inveff-matrix.pptx
@@ -12,6 +12,9 @@
     <p:sldId id="261" r:id="rId6"/>
     <p:sldId id="263" r:id="rId7"/>
     <p:sldId id="264" r:id="rId8"/>
+    <p:sldId id="265" r:id="rId9"/>
+    <p:sldId id="266" r:id="rId10"/>
+    <p:sldId id="267" r:id="rId11"/>
   </p:sldIdLst>
   <p:sldSz cx="12192000" cy="6858000"/>
   <p:notesSz cx="6858000" cy="9144000"/>
@@ -276,7 +279,7 @@
           <a:p>
             <a:fld id="{6054B079-D842-C440-BBD8-EC39EFE5DEA7}" type="datetimeFigureOut">
               <a:rPr lang="en-US" smtClean="0"/>
-              <a:t>10/31/23</a:t>
+              <a:t>11/7/23</a:t>
             </a:fld>
             <a:endParaRPr lang="en-US"/>
           </a:p>
@@ -474,7 +477,7 @@
           <a:p>
             <a:fld id="{6054B079-D842-C440-BBD8-EC39EFE5DEA7}" type="datetimeFigureOut">
               <a:rPr lang="en-US" smtClean="0"/>
-              <a:t>10/31/23</a:t>
+              <a:t>11/7/23</a:t>
             </a:fld>
             <a:endParaRPr lang="en-US"/>
           </a:p>
@@ -682,7 +685,7 @@
           <a:p>
             <a:fld id="{6054B079-D842-C440-BBD8-EC39EFE5DEA7}" type="datetimeFigureOut">
               <a:rPr lang="en-US" smtClean="0"/>
-              <a:t>10/31/23</a:t>
+              <a:t>11/7/23</a:t>
             </a:fld>
             <a:endParaRPr lang="en-US"/>
           </a:p>
@@ -880,7 +883,7 @@
           <a:p>
             <a:fld id="{6054B079-D842-C440-BBD8-EC39EFE5DEA7}" type="datetimeFigureOut">
               <a:rPr lang="en-US" smtClean="0"/>
-              <a:t>10/31/23</a:t>
+              <a:t>11/7/23</a:t>
             </a:fld>
             <a:endParaRPr lang="en-US"/>
           </a:p>
@@ -1155,7 +1158,7 @@
           <a:p>
             <a:fld id="{6054B079-D842-C440-BBD8-EC39EFE5DEA7}" type="datetimeFigureOut">
               <a:rPr lang="en-US" smtClean="0"/>
-              <a:t>10/31/23</a:t>
+              <a:t>11/7/23</a:t>
             </a:fld>
             <a:endParaRPr lang="en-US"/>
           </a:p>
@@ -1420,7 +1423,7 @@
           <a:p>
             <a:fld id="{6054B079-D842-C440-BBD8-EC39EFE5DEA7}" type="datetimeFigureOut">
               <a:rPr lang="en-US" smtClean="0"/>
-              <a:t>10/31/23</a:t>
+              <a:t>11/7/23</a:t>
             </a:fld>
             <a:endParaRPr lang="en-US"/>
           </a:p>
@@ -1832,7 +1835,7 @@
           <a:p>
             <a:fld id="{6054B079-D842-C440-BBD8-EC39EFE5DEA7}" type="datetimeFigureOut">
               <a:rPr lang="en-US" smtClean="0"/>
-              <a:t>10/31/23</a:t>
+              <a:t>11/7/23</a:t>
             </a:fld>
             <a:endParaRPr lang="en-US"/>
           </a:p>
@@ -1973,7 +1976,7 @@
           <a:p>
             <a:fld id="{6054B079-D842-C440-BBD8-EC39EFE5DEA7}" type="datetimeFigureOut">
               <a:rPr lang="en-US" smtClean="0"/>
-              <a:t>10/31/23</a:t>
+              <a:t>11/7/23</a:t>
             </a:fld>
             <a:endParaRPr lang="en-US"/>
           </a:p>
@@ -2086,7 +2089,7 @@
           <a:p>
             <a:fld id="{6054B079-D842-C440-BBD8-EC39EFE5DEA7}" type="datetimeFigureOut">
               <a:rPr lang="en-US" smtClean="0"/>
-              <a:t>10/31/23</a:t>
+              <a:t>11/7/23</a:t>
             </a:fld>
             <a:endParaRPr lang="en-US"/>
           </a:p>
@@ -2397,7 +2400,7 @@
           <a:p>
             <a:fld id="{6054B079-D842-C440-BBD8-EC39EFE5DEA7}" type="datetimeFigureOut">
               <a:rPr lang="en-US" smtClean="0"/>
-              <a:t>10/31/23</a:t>
+              <a:t>11/7/23</a:t>
             </a:fld>
             <a:endParaRPr lang="en-US"/>
           </a:p>
@@ -2685,7 +2688,7 @@
           <a:p>
             <a:fld id="{6054B079-D842-C440-BBD8-EC39EFE5DEA7}" type="datetimeFigureOut">
               <a:rPr lang="en-US" smtClean="0"/>
-              <a:t>10/31/23</a:t>
+              <a:t>11/7/23</a:t>
             </a:fld>
             <a:endParaRPr lang="en-US"/>
           </a:p>
@@ -2926,7 +2929,7 @@
           <a:p>
             <a:fld id="{6054B079-D842-C440-BBD8-EC39EFE5DEA7}" type="datetimeFigureOut">
               <a:rPr lang="en-US" smtClean="0"/>
-              <a:t>10/31/23</a:t>
+              <a:t>11/7/23</a:t>
             </a:fld>
             <a:endParaRPr lang="en-US"/>
           </a:p>
@@ -4045,6 +4048,1636 @@
     <p:extLst>
       <p:ext uri="{BB962C8B-B14F-4D97-AF65-F5344CB8AC3E}">
         <p14:creationId xmlns:p14="http://schemas.microsoft.com/office/powerpoint/2010/main" val="208742837"/>
+      </p:ext>
+    </p:extLst>
+  </p:cSld>
+  <p:clrMapOvr>
+    <a:masterClrMapping/>
+  </p:clrMapOvr>
+</p:sld>
+</file>
+
+<file path=ppt/slides/slide10.xml><?xml version="1.0" encoding="utf-8"?>
+<p:sld xmlns:a="http://schemas.openxmlformats.org/drawingml/2006/main" xmlns:r="http://schemas.openxmlformats.org/officeDocument/2006/relationships" xmlns:p="http://schemas.openxmlformats.org/presentationml/2006/main">
+  <p:cSld>
+    <p:spTree>
+      <p:nvGrpSpPr>
+        <p:cNvPr id="1" name=""/>
+        <p:cNvGrpSpPr/>
+        <p:nvPr/>
+      </p:nvGrpSpPr>
+      <p:grpSpPr>
+        <a:xfrm>
+          <a:off x="0" y="0"/>
+          <a:ext cx="0" cy="0"/>
+          <a:chOff x="0" y="0"/>
+          <a:chExt cx="0" cy="0"/>
+        </a:xfrm>
+      </p:grpSpPr>
+      <p:sp>
+        <p:nvSpPr>
+          <p:cNvPr id="8" name="TextBox 7">
+            <a:extLst>
+              <a:ext uri="{FF2B5EF4-FFF2-40B4-BE49-F238E27FC236}">
+                <a16:creationId xmlns:a16="http://schemas.microsoft.com/office/drawing/2014/main" id="{22F21AD6-01E3-B346-9186-A3854DA0E71B}"/>
+              </a:ext>
+            </a:extLst>
+          </p:cNvPr>
+          <p:cNvSpPr txBox="1"/>
+          <p:nvPr/>
+        </p:nvSpPr>
+        <p:spPr>
+          <a:xfrm rot="16200000">
+            <a:off x="4756637" y="865891"/>
+            <a:ext cx="368652" cy="215444"/>
+          </a:xfrm>
+          <a:prstGeom prst="rect">
+            <a:avLst/>
+          </a:prstGeom>
+          <a:noFill/>
+        </p:spPr>
+        <p:txBody>
+          <a:bodyPr wrap="square" rtlCol="0">
+            <a:spAutoFit/>
+          </a:bodyPr>
+          <a:lstStyle/>
+          <a:p>
+            <a:pPr algn="ctr"/>
+            <a:r>
+              <a:rPr lang="en-US" sz="800" dirty="0">
+                <a:latin typeface="Arial" panose="020B0604020202020204" pitchFamily="34" charset="0"/>
+                <a:cs typeface="Arial" panose="020B0604020202020204" pitchFamily="34" charset="0"/>
+              </a:rPr>
+              <a:t>125</a:t>
+            </a:r>
+          </a:p>
+        </p:txBody>
+      </p:sp>
+      <p:sp>
+        <p:nvSpPr>
+          <p:cNvPr id="9" name="TextBox 8">
+            <a:extLst>
+              <a:ext uri="{FF2B5EF4-FFF2-40B4-BE49-F238E27FC236}">
+                <a16:creationId xmlns:a16="http://schemas.microsoft.com/office/drawing/2014/main" id="{FE70D868-8FE7-6948-B67B-E2C773DDB95D}"/>
+              </a:ext>
+            </a:extLst>
+          </p:cNvPr>
+          <p:cNvSpPr txBox="1"/>
+          <p:nvPr/>
+        </p:nvSpPr>
+        <p:spPr>
+          <a:xfrm rot="16200000">
+            <a:off x="4739351" y="1198973"/>
+            <a:ext cx="406330" cy="215444"/>
+          </a:xfrm>
+          <a:prstGeom prst="rect">
+            <a:avLst/>
+          </a:prstGeom>
+          <a:noFill/>
+        </p:spPr>
+        <p:txBody>
+          <a:bodyPr wrap="square" rtlCol="0">
+            <a:spAutoFit/>
+          </a:bodyPr>
+          <a:lstStyle/>
+          <a:p>
+            <a:pPr algn="ctr"/>
+            <a:r>
+              <a:rPr lang="en-US" sz="800" dirty="0">
+                <a:latin typeface="Arial" panose="020B0604020202020204" pitchFamily="34" charset="0"/>
+                <a:cs typeface="Arial" panose="020B0604020202020204" pitchFamily="34" charset="0"/>
+              </a:rPr>
+              <a:t>250</a:t>
+            </a:r>
+          </a:p>
+        </p:txBody>
+      </p:sp>
+      <p:sp>
+        <p:nvSpPr>
+          <p:cNvPr id="10" name="TextBox 9">
+            <a:extLst>
+              <a:ext uri="{FF2B5EF4-FFF2-40B4-BE49-F238E27FC236}">
+                <a16:creationId xmlns:a16="http://schemas.microsoft.com/office/drawing/2014/main" id="{9DDCB1AD-8815-F747-A27D-FD7C77FA636D}"/>
+              </a:ext>
+            </a:extLst>
+          </p:cNvPr>
+          <p:cNvSpPr txBox="1"/>
+          <p:nvPr/>
+        </p:nvSpPr>
+        <p:spPr>
+          <a:xfrm rot="16200000">
+            <a:off x="4726666" y="1558849"/>
+            <a:ext cx="428593" cy="215444"/>
+          </a:xfrm>
+          <a:prstGeom prst="rect">
+            <a:avLst/>
+          </a:prstGeom>
+          <a:noFill/>
+        </p:spPr>
+        <p:txBody>
+          <a:bodyPr wrap="square" rtlCol="0">
+            <a:spAutoFit/>
+          </a:bodyPr>
+          <a:lstStyle/>
+          <a:p>
+            <a:pPr algn="ctr"/>
+            <a:r>
+              <a:rPr lang="en-US" sz="800" dirty="0">
+                <a:latin typeface="Arial" panose="020B0604020202020204" pitchFamily="34" charset="0"/>
+                <a:cs typeface="Arial" panose="020B0604020202020204" pitchFamily="34" charset="0"/>
+              </a:rPr>
+              <a:t>1000</a:t>
+            </a:r>
+          </a:p>
+        </p:txBody>
+      </p:sp>
+      <p:sp>
+        <p:nvSpPr>
+          <p:cNvPr id="11" name="TextBox 10">
+            <a:extLst>
+              <a:ext uri="{FF2B5EF4-FFF2-40B4-BE49-F238E27FC236}">
+                <a16:creationId xmlns:a16="http://schemas.microsoft.com/office/drawing/2014/main" id="{4DA43F08-F240-704A-BE67-F28AFCDC6ECF}"/>
+              </a:ext>
+            </a:extLst>
+          </p:cNvPr>
+          <p:cNvSpPr txBox="1"/>
+          <p:nvPr/>
+        </p:nvSpPr>
+        <p:spPr>
+          <a:xfrm rot="16200000">
+            <a:off x="4151926" y="1218811"/>
+            <a:ext cx="1043637" cy="230832"/>
+          </a:xfrm>
+          <a:prstGeom prst="rect">
+            <a:avLst/>
+          </a:prstGeom>
+          <a:noFill/>
+        </p:spPr>
+        <p:txBody>
+          <a:bodyPr wrap="square" rtlCol="0">
+            <a:spAutoFit/>
+          </a:bodyPr>
+          <a:lstStyle/>
+          <a:p>
+            <a:pPr algn="ctr"/>
+            <a:r>
+              <a:rPr lang="en-US" sz="900" dirty="0">
+                <a:latin typeface="Arial" panose="020B0604020202020204" pitchFamily="34" charset="0"/>
+                <a:cs typeface="Arial" panose="020B0604020202020204" pitchFamily="34" charset="0"/>
+              </a:rPr>
+              <a:t>Discrimination</a:t>
+            </a:r>
+          </a:p>
+        </p:txBody>
+      </p:sp>
+      <p:sp>
+        <p:nvSpPr>
+          <p:cNvPr id="12" name="Left Brace 11">
+            <a:extLst>
+              <a:ext uri="{FF2B5EF4-FFF2-40B4-BE49-F238E27FC236}">
+                <a16:creationId xmlns:a16="http://schemas.microsoft.com/office/drawing/2014/main" id="{9B26CDD4-6188-CC44-8189-189CA7EA8151}"/>
+              </a:ext>
+            </a:extLst>
+          </p:cNvPr>
+          <p:cNvSpPr/>
+          <p:nvPr/>
+        </p:nvSpPr>
+        <p:spPr>
+          <a:xfrm>
+            <a:off x="4769081" y="766678"/>
+            <a:ext cx="93248" cy="1060923"/>
+          </a:xfrm>
+          <a:prstGeom prst="leftBrace">
+            <a:avLst>
+              <a:gd name="adj1" fmla="val 8333"/>
+              <a:gd name="adj2" fmla="val 50895"/>
+            </a:avLst>
+          </a:prstGeom>
+        </p:spPr>
+        <p:style>
+          <a:lnRef idx="1">
+            <a:schemeClr val="dk1"/>
+          </a:lnRef>
+          <a:fillRef idx="0">
+            <a:schemeClr val="dk1"/>
+          </a:fillRef>
+          <a:effectRef idx="0">
+            <a:schemeClr val="dk1"/>
+          </a:effectRef>
+          <a:fontRef idx="minor">
+            <a:schemeClr val="tx1"/>
+          </a:fontRef>
+        </p:style>
+        <p:txBody>
+          <a:bodyPr rot="0" spcFirstLastPara="0" vert="horz" wrap="square" lIns="18288" tIns="9144" rIns="18288" bIns="9144" numCol="1" spcCol="0" rtlCol="0" fromWordArt="0" anchor="ctr" anchorCtr="0" forceAA="0" compatLnSpc="1">
+            <a:prstTxWarp prst="textNoShape">
+              <a:avLst/>
+            </a:prstTxWarp>
+            <a:noAutofit/>
+          </a:bodyPr>
+          <a:lstStyle/>
+          <a:p>
+            <a:endParaRPr lang="en-US" sz="700" dirty="0">
+              <a:solidFill>
+                <a:schemeClr val="bg2">
+                  <a:lumMod val="90000"/>
+                </a:schemeClr>
+              </a:solidFill>
+            </a:endParaRPr>
+          </a:p>
+        </p:txBody>
+      </p:sp>
+      <p:sp>
+        <p:nvSpPr>
+          <p:cNvPr id="13" name="TextBox 12">
+            <a:extLst>
+              <a:ext uri="{FF2B5EF4-FFF2-40B4-BE49-F238E27FC236}">
+                <a16:creationId xmlns:a16="http://schemas.microsoft.com/office/drawing/2014/main" id="{B1C08DCA-4EB6-E54E-B9FF-ED90419846C9}"/>
+              </a:ext>
+            </a:extLst>
+          </p:cNvPr>
+          <p:cNvSpPr txBox="1"/>
+          <p:nvPr/>
+        </p:nvSpPr>
+        <p:spPr>
+          <a:xfrm rot="16200000">
+            <a:off x="4753083" y="1945674"/>
+            <a:ext cx="368652" cy="215444"/>
+          </a:xfrm>
+          <a:prstGeom prst="rect">
+            <a:avLst/>
+          </a:prstGeom>
+          <a:noFill/>
+        </p:spPr>
+        <p:txBody>
+          <a:bodyPr wrap="square" rtlCol="0">
+            <a:spAutoFit/>
+          </a:bodyPr>
+          <a:lstStyle/>
+          <a:p>
+            <a:pPr algn="ctr"/>
+            <a:r>
+              <a:rPr lang="en-US" sz="800" dirty="0">
+                <a:latin typeface="Arial" panose="020B0604020202020204" pitchFamily="34" charset="0"/>
+                <a:cs typeface="Arial" panose="020B0604020202020204" pitchFamily="34" charset="0"/>
+              </a:rPr>
+              <a:t>125</a:t>
+            </a:r>
+          </a:p>
+        </p:txBody>
+      </p:sp>
+      <p:sp>
+        <p:nvSpPr>
+          <p:cNvPr id="14" name="TextBox 13">
+            <a:extLst>
+              <a:ext uri="{FF2B5EF4-FFF2-40B4-BE49-F238E27FC236}">
+                <a16:creationId xmlns:a16="http://schemas.microsoft.com/office/drawing/2014/main" id="{6F6C3E44-0D76-E04E-AC64-6F3D5C6A6AA2}"/>
+              </a:ext>
+            </a:extLst>
+          </p:cNvPr>
+          <p:cNvSpPr txBox="1"/>
+          <p:nvPr/>
+        </p:nvSpPr>
+        <p:spPr>
+          <a:xfrm rot="16200000">
+            <a:off x="4735797" y="2278756"/>
+            <a:ext cx="406330" cy="215444"/>
+          </a:xfrm>
+          <a:prstGeom prst="rect">
+            <a:avLst/>
+          </a:prstGeom>
+          <a:noFill/>
+        </p:spPr>
+        <p:txBody>
+          <a:bodyPr wrap="square" rtlCol="0">
+            <a:spAutoFit/>
+          </a:bodyPr>
+          <a:lstStyle/>
+          <a:p>
+            <a:pPr algn="ctr"/>
+            <a:r>
+              <a:rPr lang="en-US" sz="800" dirty="0">
+                <a:latin typeface="Arial" panose="020B0604020202020204" pitchFamily="34" charset="0"/>
+                <a:cs typeface="Arial" panose="020B0604020202020204" pitchFamily="34" charset="0"/>
+              </a:rPr>
+              <a:t>250</a:t>
+            </a:r>
+          </a:p>
+        </p:txBody>
+      </p:sp>
+      <p:sp>
+        <p:nvSpPr>
+          <p:cNvPr id="15" name="TextBox 14">
+            <a:extLst>
+              <a:ext uri="{FF2B5EF4-FFF2-40B4-BE49-F238E27FC236}">
+                <a16:creationId xmlns:a16="http://schemas.microsoft.com/office/drawing/2014/main" id="{32D2C3E1-8BFD-B148-ABA3-2F0042ED0FF9}"/>
+              </a:ext>
+            </a:extLst>
+          </p:cNvPr>
+          <p:cNvSpPr txBox="1"/>
+          <p:nvPr/>
+        </p:nvSpPr>
+        <p:spPr>
+          <a:xfrm rot="16200000">
+            <a:off x="4723112" y="2638632"/>
+            <a:ext cx="428593" cy="215444"/>
+          </a:xfrm>
+          <a:prstGeom prst="rect">
+            <a:avLst/>
+          </a:prstGeom>
+          <a:noFill/>
+        </p:spPr>
+        <p:txBody>
+          <a:bodyPr wrap="square" rtlCol="0">
+            <a:spAutoFit/>
+          </a:bodyPr>
+          <a:lstStyle/>
+          <a:p>
+            <a:pPr algn="ctr"/>
+            <a:r>
+              <a:rPr lang="en-US" sz="800" dirty="0">
+                <a:latin typeface="Arial" panose="020B0604020202020204" pitchFamily="34" charset="0"/>
+                <a:cs typeface="Arial" panose="020B0604020202020204" pitchFamily="34" charset="0"/>
+              </a:rPr>
+              <a:t>1000</a:t>
+            </a:r>
+          </a:p>
+        </p:txBody>
+      </p:sp>
+      <p:sp>
+        <p:nvSpPr>
+          <p:cNvPr id="16" name="TextBox 15">
+            <a:extLst>
+              <a:ext uri="{FF2B5EF4-FFF2-40B4-BE49-F238E27FC236}">
+                <a16:creationId xmlns:a16="http://schemas.microsoft.com/office/drawing/2014/main" id="{1D0E8307-CC6D-5B42-9DD9-BD49C07C71E8}"/>
+              </a:ext>
+            </a:extLst>
+          </p:cNvPr>
+          <p:cNvSpPr txBox="1"/>
+          <p:nvPr/>
+        </p:nvSpPr>
+        <p:spPr>
+          <a:xfrm rot="16200000">
+            <a:off x="4070116" y="2270276"/>
+            <a:ext cx="1200150" cy="230832"/>
+          </a:xfrm>
+          <a:prstGeom prst="rect">
+            <a:avLst/>
+          </a:prstGeom>
+          <a:noFill/>
+        </p:spPr>
+        <p:txBody>
+          <a:bodyPr wrap="square" rtlCol="0">
+            <a:spAutoFit/>
+          </a:bodyPr>
+          <a:lstStyle/>
+          <a:p>
+            <a:pPr algn="ctr"/>
+            <a:r>
+              <a:rPr lang="en-US" sz="900" dirty="0">
+                <a:latin typeface="Arial" panose="020B0604020202020204" pitchFamily="34" charset="0"/>
+                <a:cs typeface="Arial" panose="020B0604020202020204" pitchFamily="34" charset="0"/>
+              </a:rPr>
+              <a:t>Numerical Estimate</a:t>
+            </a:r>
+          </a:p>
+        </p:txBody>
+      </p:sp>
+      <p:sp>
+        <p:nvSpPr>
+          <p:cNvPr id="17" name="Left Brace 16">
+            <a:extLst>
+              <a:ext uri="{FF2B5EF4-FFF2-40B4-BE49-F238E27FC236}">
+                <a16:creationId xmlns:a16="http://schemas.microsoft.com/office/drawing/2014/main" id="{7F215F09-A50E-C444-ADE2-418366168F5A}"/>
+              </a:ext>
+            </a:extLst>
+          </p:cNvPr>
+          <p:cNvSpPr/>
+          <p:nvPr/>
+        </p:nvSpPr>
+        <p:spPr>
+          <a:xfrm>
+            <a:off x="4765527" y="1844036"/>
+            <a:ext cx="93248" cy="1060922"/>
+          </a:xfrm>
+          <a:prstGeom prst="leftBrace">
+            <a:avLst>
+              <a:gd name="adj1" fmla="val 8333"/>
+              <a:gd name="adj2" fmla="val 50895"/>
+            </a:avLst>
+          </a:prstGeom>
+        </p:spPr>
+        <p:style>
+          <a:lnRef idx="1">
+            <a:schemeClr val="dk1"/>
+          </a:lnRef>
+          <a:fillRef idx="0">
+            <a:schemeClr val="dk1"/>
+          </a:fillRef>
+          <a:effectRef idx="0">
+            <a:schemeClr val="dk1"/>
+          </a:effectRef>
+          <a:fontRef idx="minor">
+            <a:schemeClr val="tx1"/>
+          </a:fontRef>
+        </p:style>
+        <p:txBody>
+          <a:bodyPr rot="0" spcFirstLastPara="0" vert="horz" wrap="square" lIns="18288" tIns="9144" rIns="18288" bIns="9144" numCol="1" spcCol="0" rtlCol="0" fromWordArt="0" anchor="ctr" anchorCtr="0" forceAA="0" compatLnSpc="1">
+            <a:prstTxWarp prst="textNoShape">
+              <a:avLst/>
+            </a:prstTxWarp>
+            <a:noAutofit/>
+          </a:bodyPr>
+          <a:lstStyle/>
+          <a:p>
+            <a:endParaRPr lang="en-US" sz="700" dirty="0">
+              <a:solidFill>
+                <a:schemeClr val="bg2">
+                  <a:lumMod val="90000"/>
+                </a:schemeClr>
+              </a:solidFill>
+            </a:endParaRPr>
+          </a:p>
+        </p:txBody>
+      </p:sp>
+      <p:sp>
+        <p:nvSpPr>
+          <p:cNvPr id="19" name="TextBox 18">
+            <a:extLst>
+              <a:ext uri="{FF2B5EF4-FFF2-40B4-BE49-F238E27FC236}">
+                <a16:creationId xmlns:a16="http://schemas.microsoft.com/office/drawing/2014/main" id="{855CE9A2-41F3-B348-9EAD-DD73FFF16426}"/>
+              </a:ext>
+            </a:extLst>
+          </p:cNvPr>
+          <p:cNvSpPr txBox="1"/>
+          <p:nvPr/>
+        </p:nvSpPr>
+        <p:spPr>
+          <a:xfrm>
+            <a:off x="5986032" y="2863835"/>
+            <a:ext cx="566502" cy="215444"/>
+          </a:xfrm>
+          <a:prstGeom prst="rect">
+            <a:avLst/>
+          </a:prstGeom>
+          <a:noFill/>
+        </p:spPr>
+        <p:txBody>
+          <a:bodyPr wrap="square" rtlCol="0">
+            <a:spAutoFit/>
+          </a:bodyPr>
+          <a:lstStyle/>
+          <a:p>
+            <a:pPr algn="ctr"/>
+            <a:r>
+              <a:rPr lang="en-US" sz="800" dirty="0">
+                <a:latin typeface="Arial" panose="020B0604020202020204" pitchFamily="34" charset="0"/>
+                <a:cs typeface="Arial" panose="020B0604020202020204" pitchFamily="34" charset="0"/>
+              </a:rPr>
+              <a:t>125</a:t>
+            </a:r>
+          </a:p>
+        </p:txBody>
+      </p:sp>
+      <p:sp>
+        <p:nvSpPr>
+          <p:cNvPr id="20" name="TextBox 19">
+            <a:extLst>
+              <a:ext uri="{FF2B5EF4-FFF2-40B4-BE49-F238E27FC236}">
+                <a16:creationId xmlns:a16="http://schemas.microsoft.com/office/drawing/2014/main" id="{6355FF97-519D-014E-BD55-6E35517617D0}"/>
+              </a:ext>
+            </a:extLst>
+          </p:cNvPr>
+          <p:cNvSpPr txBox="1"/>
+          <p:nvPr/>
+        </p:nvSpPr>
+        <p:spPr>
+          <a:xfrm>
+            <a:off x="6326873" y="2863835"/>
+            <a:ext cx="566502" cy="215444"/>
+          </a:xfrm>
+          <a:prstGeom prst="rect">
+            <a:avLst/>
+          </a:prstGeom>
+          <a:noFill/>
+        </p:spPr>
+        <p:txBody>
+          <a:bodyPr wrap="square" rtlCol="0">
+            <a:spAutoFit/>
+          </a:bodyPr>
+          <a:lstStyle/>
+          <a:p>
+            <a:pPr algn="ctr"/>
+            <a:r>
+              <a:rPr lang="en-US" sz="800" dirty="0">
+                <a:latin typeface="Arial" panose="020B0604020202020204" pitchFamily="34" charset="0"/>
+                <a:cs typeface="Arial" panose="020B0604020202020204" pitchFamily="34" charset="0"/>
+              </a:rPr>
+              <a:t>250</a:t>
+            </a:r>
+          </a:p>
+        </p:txBody>
+      </p:sp>
+      <p:sp>
+        <p:nvSpPr>
+          <p:cNvPr id="21" name="TextBox 20">
+            <a:extLst>
+              <a:ext uri="{FF2B5EF4-FFF2-40B4-BE49-F238E27FC236}">
+                <a16:creationId xmlns:a16="http://schemas.microsoft.com/office/drawing/2014/main" id="{7A9A3FA0-506F-374B-A175-83EB10485637}"/>
+              </a:ext>
+            </a:extLst>
+          </p:cNvPr>
+          <p:cNvSpPr txBox="1"/>
+          <p:nvPr/>
+        </p:nvSpPr>
+        <p:spPr>
+          <a:xfrm>
+            <a:off x="6619649" y="2861474"/>
+            <a:ext cx="672514" cy="215444"/>
+          </a:xfrm>
+          <a:prstGeom prst="rect">
+            <a:avLst/>
+          </a:prstGeom>
+          <a:noFill/>
+        </p:spPr>
+        <p:txBody>
+          <a:bodyPr wrap="square" rtlCol="0">
+            <a:spAutoFit/>
+          </a:bodyPr>
+          <a:lstStyle/>
+          <a:p>
+            <a:pPr algn="ctr"/>
+            <a:r>
+              <a:rPr lang="en-US" sz="800" dirty="0">
+                <a:latin typeface="Arial" panose="020B0604020202020204" pitchFamily="34" charset="0"/>
+                <a:cs typeface="Arial" panose="020B0604020202020204" pitchFamily="34" charset="0"/>
+              </a:rPr>
+              <a:t>1000</a:t>
+            </a:r>
+          </a:p>
+        </p:txBody>
+      </p:sp>
+      <p:sp>
+        <p:nvSpPr>
+          <p:cNvPr id="22" name="Left Brace 21">
+            <a:extLst>
+              <a:ext uri="{FF2B5EF4-FFF2-40B4-BE49-F238E27FC236}">
+                <a16:creationId xmlns:a16="http://schemas.microsoft.com/office/drawing/2014/main" id="{C841ACAF-5E5B-9040-B9E4-0FB86BA4E895}"/>
+              </a:ext>
+            </a:extLst>
+          </p:cNvPr>
+          <p:cNvSpPr/>
+          <p:nvPr/>
+        </p:nvSpPr>
+        <p:spPr>
+          <a:xfrm rot="16200000">
+            <a:off x="6559711" y="2542998"/>
+            <a:ext cx="93248" cy="1039512"/>
+          </a:xfrm>
+          <a:prstGeom prst="leftBrace">
+            <a:avLst>
+              <a:gd name="adj1" fmla="val 8333"/>
+              <a:gd name="adj2" fmla="val 50895"/>
+            </a:avLst>
+          </a:prstGeom>
+        </p:spPr>
+        <p:style>
+          <a:lnRef idx="1">
+            <a:schemeClr val="dk1"/>
+          </a:lnRef>
+          <a:fillRef idx="0">
+            <a:schemeClr val="dk1"/>
+          </a:fillRef>
+          <a:effectRef idx="0">
+            <a:schemeClr val="dk1"/>
+          </a:effectRef>
+          <a:fontRef idx="minor">
+            <a:schemeClr val="tx1"/>
+          </a:fontRef>
+        </p:style>
+        <p:txBody>
+          <a:bodyPr rot="0" spcFirstLastPara="0" vert="horz" wrap="square" lIns="18288" tIns="9144" rIns="18288" bIns="9144" numCol="1" spcCol="0" rtlCol="0" fromWordArt="0" anchor="ctr" anchorCtr="0" forceAA="0" compatLnSpc="1">
+            <a:prstTxWarp prst="textNoShape">
+              <a:avLst/>
+            </a:prstTxWarp>
+            <a:noAutofit/>
+          </a:bodyPr>
+          <a:lstStyle/>
+          <a:p>
+            <a:endParaRPr lang="en-US" sz="700" dirty="0">
+              <a:solidFill>
+                <a:schemeClr val="bg2">
+                  <a:lumMod val="90000"/>
+                </a:schemeClr>
+              </a:solidFill>
+            </a:endParaRPr>
+          </a:p>
+        </p:txBody>
+      </p:sp>
+      <p:sp>
+        <p:nvSpPr>
+          <p:cNvPr id="24" name="TextBox 23">
+            <a:extLst>
+              <a:ext uri="{FF2B5EF4-FFF2-40B4-BE49-F238E27FC236}">
+                <a16:creationId xmlns:a16="http://schemas.microsoft.com/office/drawing/2014/main" id="{4CDC1819-1C4C-4441-9A0E-D3112E77FB66}"/>
+              </a:ext>
+            </a:extLst>
+          </p:cNvPr>
+          <p:cNvSpPr txBox="1"/>
+          <p:nvPr/>
+        </p:nvSpPr>
+        <p:spPr>
+          <a:xfrm>
+            <a:off x="4910579" y="2863835"/>
+            <a:ext cx="566502" cy="215444"/>
+          </a:xfrm>
+          <a:prstGeom prst="rect">
+            <a:avLst/>
+          </a:prstGeom>
+          <a:noFill/>
+        </p:spPr>
+        <p:txBody>
+          <a:bodyPr wrap="square" rtlCol="0">
+            <a:spAutoFit/>
+          </a:bodyPr>
+          <a:lstStyle/>
+          <a:p>
+            <a:pPr algn="ctr"/>
+            <a:r>
+              <a:rPr lang="en-US" sz="800" dirty="0">
+                <a:latin typeface="Arial" panose="020B0604020202020204" pitchFamily="34" charset="0"/>
+                <a:cs typeface="Arial" panose="020B0604020202020204" pitchFamily="34" charset="0"/>
+              </a:rPr>
+              <a:t>125</a:t>
+            </a:r>
+          </a:p>
+        </p:txBody>
+      </p:sp>
+      <p:sp>
+        <p:nvSpPr>
+          <p:cNvPr id="25" name="TextBox 24">
+            <a:extLst>
+              <a:ext uri="{FF2B5EF4-FFF2-40B4-BE49-F238E27FC236}">
+                <a16:creationId xmlns:a16="http://schemas.microsoft.com/office/drawing/2014/main" id="{DC6AFF7A-C319-A54E-86D0-78D561EB8FBF}"/>
+              </a:ext>
+            </a:extLst>
+          </p:cNvPr>
+          <p:cNvSpPr txBox="1"/>
+          <p:nvPr/>
+        </p:nvSpPr>
+        <p:spPr>
+          <a:xfrm>
+            <a:off x="5264120" y="2863835"/>
+            <a:ext cx="566502" cy="215444"/>
+          </a:xfrm>
+          <a:prstGeom prst="rect">
+            <a:avLst/>
+          </a:prstGeom>
+          <a:noFill/>
+        </p:spPr>
+        <p:txBody>
+          <a:bodyPr wrap="square" rtlCol="0">
+            <a:spAutoFit/>
+          </a:bodyPr>
+          <a:lstStyle/>
+          <a:p>
+            <a:pPr algn="ctr"/>
+            <a:r>
+              <a:rPr lang="en-US" sz="800" dirty="0">
+                <a:latin typeface="Arial" panose="020B0604020202020204" pitchFamily="34" charset="0"/>
+                <a:cs typeface="Arial" panose="020B0604020202020204" pitchFamily="34" charset="0"/>
+              </a:rPr>
+              <a:t>250</a:t>
+            </a:r>
+          </a:p>
+        </p:txBody>
+      </p:sp>
+      <p:sp>
+        <p:nvSpPr>
+          <p:cNvPr id="26" name="TextBox 25">
+            <a:extLst>
+              <a:ext uri="{FF2B5EF4-FFF2-40B4-BE49-F238E27FC236}">
+                <a16:creationId xmlns:a16="http://schemas.microsoft.com/office/drawing/2014/main" id="{5492A3DD-40D8-3948-9292-F94587639FF3}"/>
+              </a:ext>
+            </a:extLst>
+          </p:cNvPr>
+          <p:cNvSpPr txBox="1"/>
+          <p:nvPr/>
+        </p:nvSpPr>
+        <p:spPr>
+          <a:xfrm>
+            <a:off x="5547371" y="2861474"/>
+            <a:ext cx="672514" cy="215444"/>
+          </a:xfrm>
+          <a:prstGeom prst="rect">
+            <a:avLst/>
+          </a:prstGeom>
+          <a:noFill/>
+        </p:spPr>
+        <p:txBody>
+          <a:bodyPr wrap="square" rtlCol="0">
+            <a:spAutoFit/>
+          </a:bodyPr>
+          <a:lstStyle/>
+          <a:p>
+            <a:pPr algn="ctr"/>
+            <a:r>
+              <a:rPr lang="en-US" sz="800" dirty="0">
+                <a:latin typeface="Arial" panose="020B0604020202020204" pitchFamily="34" charset="0"/>
+                <a:cs typeface="Arial" panose="020B0604020202020204" pitchFamily="34" charset="0"/>
+              </a:rPr>
+              <a:t>1000</a:t>
+            </a:r>
+          </a:p>
+        </p:txBody>
+      </p:sp>
+      <p:sp>
+        <p:nvSpPr>
+          <p:cNvPr id="27" name="Left Brace 26">
+            <a:extLst>
+              <a:ext uri="{FF2B5EF4-FFF2-40B4-BE49-F238E27FC236}">
+                <a16:creationId xmlns:a16="http://schemas.microsoft.com/office/drawing/2014/main" id="{12BE84EC-1853-B946-AE3B-101D7A00D713}"/>
+              </a:ext>
+            </a:extLst>
+          </p:cNvPr>
+          <p:cNvSpPr/>
+          <p:nvPr/>
+        </p:nvSpPr>
+        <p:spPr>
+          <a:xfrm rot="16200000">
+            <a:off x="5488998" y="2550412"/>
+            <a:ext cx="93248" cy="1024683"/>
+          </a:xfrm>
+          <a:prstGeom prst="leftBrace">
+            <a:avLst>
+              <a:gd name="adj1" fmla="val 8333"/>
+              <a:gd name="adj2" fmla="val 50895"/>
+            </a:avLst>
+          </a:prstGeom>
+        </p:spPr>
+        <p:style>
+          <a:lnRef idx="1">
+            <a:schemeClr val="dk1"/>
+          </a:lnRef>
+          <a:fillRef idx="0">
+            <a:schemeClr val="dk1"/>
+          </a:fillRef>
+          <a:effectRef idx="0">
+            <a:schemeClr val="dk1"/>
+          </a:effectRef>
+          <a:fontRef idx="minor">
+            <a:schemeClr val="tx1"/>
+          </a:fontRef>
+        </p:style>
+        <p:txBody>
+          <a:bodyPr rot="0" spcFirstLastPara="0" vert="horz" wrap="square" lIns="18288" tIns="9144" rIns="18288" bIns="9144" numCol="1" spcCol="0" rtlCol="0" fromWordArt="0" anchor="ctr" anchorCtr="0" forceAA="0" compatLnSpc="1">
+            <a:prstTxWarp prst="textNoShape">
+              <a:avLst/>
+            </a:prstTxWarp>
+            <a:noAutofit/>
+          </a:bodyPr>
+          <a:lstStyle/>
+          <a:p>
+            <a:endParaRPr lang="en-US" sz="700" dirty="0">
+              <a:solidFill>
+                <a:schemeClr val="bg2">
+                  <a:lumMod val="90000"/>
+                </a:schemeClr>
+              </a:solidFill>
+            </a:endParaRPr>
+          </a:p>
+        </p:txBody>
+      </p:sp>
+      <p:sp>
+        <p:nvSpPr>
+          <p:cNvPr id="28" name="TextBox 27">
+            <a:extLst>
+              <a:ext uri="{FF2B5EF4-FFF2-40B4-BE49-F238E27FC236}">
+                <a16:creationId xmlns:a16="http://schemas.microsoft.com/office/drawing/2014/main" id="{9B3F82B8-800D-0E4F-BE63-38A0BB05006C}"/>
+              </a:ext>
+            </a:extLst>
+          </p:cNvPr>
+          <p:cNvSpPr txBox="1"/>
+          <p:nvPr/>
+        </p:nvSpPr>
+        <p:spPr>
+          <a:xfrm>
+            <a:off x="5014523" y="3067721"/>
+            <a:ext cx="1043637" cy="230832"/>
+          </a:xfrm>
+          <a:prstGeom prst="rect">
+            <a:avLst/>
+          </a:prstGeom>
+          <a:noFill/>
+        </p:spPr>
+        <p:txBody>
+          <a:bodyPr wrap="square" rtlCol="0">
+            <a:spAutoFit/>
+          </a:bodyPr>
+          <a:lstStyle/>
+          <a:p>
+            <a:pPr algn="ctr"/>
+            <a:r>
+              <a:rPr lang="en-US" sz="900" dirty="0">
+                <a:latin typeface="Arial" panose="020B0604020202020204" pitchFamily="34" charset="0"/>
+                <a:cs typeface="Arial" panose="020B0604020202020204" pitchFamily="34" charset="0"/>
+              </a:rPr>
+              <a:t>Discrimination</a:t>
+            </a:r>
+          </a:p>
+        </p:txBody>
+      </p:sp>
+      <p:sp>
+        <p:nvSpPr>
+          <p:cNvPr id="29" name="TextBox 28">
+            <a:extLst>
+              <a:ext uri="{FF2B5EF4-FFF2-40B4-BE49-F238E27FC236}">
+                <a16:creationId xmlns:a16="http://schemas.microsoft.com/office/drawing/2014/main" id="{11B9F49E-0921-8D4E-99BC-804686145855}"/>
+              </a:ext>
+            </a:extLst>
+          </p:cNvPr>
+          <p:cNvSpPr txBox="1"/>
+          <p:nvPr/>
+        </p:nvSpPr>
+        <p:spPr>
+          <a:xfrm>
+            <a:off x="5983247" y="3067596"/>
+            <a:ext cx="1193694" cy="230832"/>
+          </a:xfrm>
+          <a:prstGeom prst="rect">
+            <a:avLst/>
+          </a:prstGeom>
+          <a:noFill/>
+        </p:spPr>
+        <p:txBody>
+          <a:bodyPr wrap="square" rtlCol="0">
+            <a:spAutoFit/>
+          </a:bodyPr>
+          <a:lstStyle/>
+          <a:p>
+            <a:pPr algn="ctr"/>
+            <a:r>
+              <a:rPr lang="en-US" sz="900" dirty="0">
+                <a:latin typeface="Arial" panose="020B0604020202020204" pitchFamily="34" charset="0"/>
+                <a:cs typeface="Arial" panose="020B0604020202020204" pitchFamily="34" charset="0"/>
+              </a:rPr>
+              <a:t>Numerical Estimate</a:t>
+            </a:r>
+          </a:p>
+        </p:txBody>
+      </p:sp>
+      <p:sp>
+        <p:nvSpPr>
+          <p:cNvPr id="35" name="TextBox 34">
+            <a:extLst>
+              <a:ext uri="{FF2B5EF4-FFF2-40B4-BE49-F238E27FC236}">
+                <a16:creationId xmlns:a16="http://schemas.microsoft.com/office/drawing/2014/main" id="{B711F451-5649-6340-A687-27DC67CA7F39}"/>
+              </a:ext>
+            </a:extLst>
+          </p:cNvPr>
+          <p:cNvSpPr txBox="1"/>
+          <p:nvPr/>
+        </p:nvSpPr>
+        <p:spPr>
+          <a:xfrm>
+            <a:off x="7276793" y="2084402"/>
+            <a:ext cx="598653" cy="184666"/>
+          </a:xfrm>
+          <a:prstGeom prst="rect">
+            <a:avLst/>
+          </a:prstGeom>
+          <a:noFill/>
+        </p:spPr>
+        <p:txBody>
+          <a:bodyPr wrap="square" rtlCol="0">
+            <a:spAutoFit/>
+          </a:bodyPr>
+          <a:lstStyle/>
+          <a:p>
+            <a:r>
+              <a:rPr lang="en-US" sz="600" dirty="0">
+                <a:latin typeface="Arial" panose="020B0604020202020204" pitchFamily="34" charset="0"/>
+                <a:cs typeface="Arial" panose="020B0604020202020204" pitchFamily="34" charset="0"/>
+              </a:rPr>
+              <a:t>0.45</a:t>
+            </a:r>
+          </a:p>
+        </p:txBody>
+      </p:sp>
+      <p:sp>
+        <p:nvSpPr>
+          <p:cNvPr id="38" name="TextBox 37">
+            <a:extLst>
+              <a:ext uri="{FF2B5EF4-FFF2-40B4-BE49-F238E27FC236}">
+                <a16:creationId xmlns:a16="http://schemas.microsoft.com/office/drawing/2014/main" id="{B0BB87D8-C860-C24B-BBE2-1A74556F1AA5}"/>
+              </a:ext>
+            </a:extLst>
+          </p:cNvPr>
+          <p:cNvSpPr txBox="1"/>
+          <p:nvPr/>
+        </p:nvSpPr>
+        <p:spPr>
+          <a:xfrm>
+            <a:off x="7276793" y="2465416"/>
+            <a:ext cx="598653" cy="184666"/>
+          </a:xfrm>
+          <a:prstGeom prst="rect">
+            <a:avLst/>
+          </a:prstGeom>
+          <a:noFill/>
+        </p:spPr>
+        <p:txBody>
+          <a:bodyPr wrap="square" rtlCol="0">
+            <a:spAutoFit/>
+          </a:bodyPr>
+          <a:lstStyle/>
+          <a:p>
+            <a:r>
+              <a:rPr lang="en-US" sz="600" dirty="0">
+                <a:latin typeface="Arial" panose="020B0604020202020204" pitchFamily="34" charset="0"/>
+                <a:cs typeface="Arial" panose="020B0604020202020204" pitchFamily="34" charset="0"/>
+              </a:rPr>
+              <a:t>0.30</a:t>
+            </a:r>
+          </a:p>
+        </p:txBody>
+      </p:sp>
+      <p:sp>
+        <p:nvSpPr>
+          <p:cNvPr id="39" name="TextBox 38">
+            <a:extLst>
+              <a:ext uri="{FF2B5EF4-FFF2-40B4-BE49-F238E27FC236}">
+                <a16:creationId xmlns:a16="http://schemas.microsoft.com/office/drawing/2014/main" id="{BDBCE01A-D0CF-FD4B-A7FB-AC93A8B93163}"/>
+              </a:ext>
+            </a:extLst>
+          </p:cNvPr>
+          <p:cNvSpPr txBox="1"/>
+          <p:nvPr/>
+        </p:nvSpPr>
+        <p:spPr>
+          <a:xfrm>
+            <a:off x="7399288" y="2624095"/>
+            <a:ext cx="730173" cy="184666"/>
+          </a:xfrm>
+          <a:prstGeom prst="rect">
+            <a:avLst/>
+          </a:prstGeom>
+          <a:noFill/>
+        </p:spPr>
+        <p:txBody>
+          <a:bodyPr wrap="square" rtlCol="0">
+            <a:spAutoFit/>
+          </a:bodyPr>
+          <a:lstStyle/>
+          <a:p>
+            <a:r>
+              <a:rPr lang="en-US" sz="600" dirty="0">
+                <a:latin typeface="Arial" panose="020B0604020202020204" pitchFamily="34" charset="0"/>
+                <a:cs typeface="Arial" panose="020B0604020202020204" pitchFamily="34" charset="0"/>
+              </a:rPr>
+              <a:t> 0.16</a:t>
+            </a:r>
+          </a:p>
+        </p:txBody>
+      </p:sp>
+      <p:sp>
+        <p:nvSpPr>
+          <p:cNvPr id="40" name="TextBox 39">
+            <a:extLst>
+              <a:ext uri="{FF2B5EF4-FFF2-40B4-BE49-F238E27FC236}">
+                <a16:creationId xmlns:a16="http://schemas.microsoft.com/office/drawing/2014/main" id="{B419D4D2-B9F2-2243-894D-B8C0BDBD4300}"/>
+              </a:ext>
+            </a:extLst>
+          </p:cNvPr>
+          <p:cNvSpPr txBox="1"/>
+          <p:nvPr/>
+        </p:nvSpPr>
+        <p:spPr>
+          <a:xfrm>
+            <a:off x="7585387" y="2610568"/>
+            <a:ext cx="294800" cy="261610"/>
+          </a:xfrm>
+          <a:prstGeom prst="rect">
+            <a:avLst/>
+          </a:prstGeom>
+          <a:noFill/>
+          <a:ln>
+            <a:noFill/>
+          </a:ln>
+        </p:spPr>
+        <p:txBody>
+          <a:bodyPr wrap="square" rtlCol="0">
+            <a:spAutoFit/>
+          </a:bodyPr>
+          <a:lstStyle/>
+          <a:p>
+            <a:r>
+              <a:rPr lang="en-US" sz="1100" dirty="0">
+                <a:latin typeface="Arial" panose="020B0604020202020204" pitchFamily="34" charset="0"/>
+                <a:cs typeface="Arial" panose="020B0604020202020204" pitchFamily="34" charset="0"/>
+              </a:rPr>
+              <a:t>*</a:t>
+            </a:r>
+          </a:p>
+        </p:txBody>
+      </p:sp>
+      <p:sp>
+        <p:nvSpPr>
+          <p:cNvPr id="41" name="TextBox 40">
+            <a:extLst>
+              <a:ext uri="{FF2B5EF4-FFF2-40B4-BE49-F238E27FC236}">
+                <a16:creationId xmlns:a16="http://schemas.microsoft.com/office/drawing/2014/main" id="{EAE2F7D4-5C0D-8B4B-834B-C3C42CCA6198}"/>
+              </a:ext>
+            </a:extLst>
+          </p:cNvPr>
+          <p:cNvSpPr txBox="1"/>
+          <p:nvPr/>
+        </p:nvSpPr>
+        <p:spPr>
+          <a:xfrm rot="5400000">
+            <a:off x="6666965" y="1724462"/>
+            <a:ext cx="2125702" cy="230832"/>
+          </a:xfrm>
+          <a:prstGeom prst="rect">
+            <a:avLst/>
+          </a:prstGeom>
+          <a:noFill/>
+        </p:spPr>
+        <p:txBody>
+          <a:bodyPr wrap="square" rtlCol="0">
+            <a:spAutoFit/>
+          </a:bodyPr>
+          <a:lstStyle/>
+          <a:p>
+            <a:pPr algn="ctr"/>
+            <a:r>
+              <a:rPr lang="en-US" sz="900" dirty="0">
+                <a:latin typeface="Arial" panose="020B0604020202020204" pitchFamily="34" charset="0"/>
+                <a:cs typeface="Arial" panose="020B0604020202020204" pitchFamily="34" charset="0"/>
+              </a:rPr>
+              <a:t>Correlation (r)</a:t>
+            </a:r>
+          </a:p>
+        </p:txBody>
+      </p:sp>
+      <p:sp>
+        <p:nvSpPr>
+          <p:cNvPr id="34" name="TextBox 33">
+            <a:extLst>
+              <a:ext uri="{FF2B5EF4-FFF2-40B4-BE49-F238E27FC236}">
+                <a16:creationId xmlns:a16="http://schemas.microsoft.com/office/drawing/2014/main" id="{1DE9CCC6-4016-5144-8AF6-780928D3A488}"/>
+              </a:ext>
+            </a:extLst>
+          </p:cNvPr>
+          <p:cNvSpPr txBox="1"/>
+          <p:nvPr/>
+        </p:nvSpPr>
+        <p:spPr>
+          <a:xfrm>
+            <a:off x="7276796" y="932822"/>
+            <a:ext cx="598653" cy="184666"/>
+          </a:xfrm>
+          <a:prstGeom prst="rect">
+            <a:avLst/>
+          </a:prstGeom>
+          <a:noFill/>
+        </p:spPr>
+        <p:txBody>
+          <a:bodyPr wrap="square" rtlCol="0">
+            <a:spAutoFit/>
+          </a:bodyPr>
+          <a:lstStyle/>
+          <a:p>
+            <a:r>
+              <a:rPr lang="en-US" sz="600" dirty="0">
+                <a:latin typeface="Arial" panose="020B0604020202020204" pitchFamily="34" charset="0"/>
+                <a:cs typeface="Arial" panose="020B0604020202020204" pitchFamily="34" charset="0"/>
+              </a:rPr>
+              <a:t>0.90</a:t>
+            </a:r>
+          </a:p>
+        </p:txBody>
+      </p:sp>
+      <p:sp>
+        <p:nvSpPr>
+          <p:cNvPr id="46" name="TextBox 45">
+            <a:extLst>
+              <a:ext uri="{FF2B5EF4-FFF2-40B4-BE49-F238E27FC236}">
+                <a16:creationId xmlns:a16="http://schemas.microsoft.com/office/drawing/2014/main" id="{F54C1CA3-3C20-8941-8A8B-EE7794D7A862}"/>
+              </a:ext>
+            </a:extLst>
+          </p:cNvPr>
+          <p:cNvSpPr txBox="1"/>
+          <p:nvPr/>
+        </p:nvSpPr>
+        <p:spPr>
+          <a:xfrm>
+            <a:off x="7276795" y="1322374"/>
+            <a:ext cx="598653" cy="184666"/>
+          </a:xfrm>
+          <a:prstGeom prst="rect">
+            <a:avLst/>
+          </a:prstGeom>
+          <a:noFill/>
+        </p:spPr>
+        <p:txBody>
+          <a:bodyPr wrap="square" rtlCol="0">
+            <a:spAutoFit/>
+          </a:bodyPr>
+          <a:lstStyle/>
+          <a:p>
+            <a:r>
+              <a:rPr lang="en-US" sz="600" dirty="0">
+                <a:latin typeface="Arial" panose="020B0604020202020204" pitchFamily="34" charset="0"/>
+                <a:cs typeface="Arial" panose="020B0604020202020204" pitchFamily="34" charset="0"/>
+              </a:rPr>
+              <a:t>0.75</a:t>
+            </a:r>
+          </a:p>
+        </p:txBody>
+      </p:sp>
+      <p:sp>
+        <p:nvSpPr>
+          <p:cNvPr id="47" name="TextBox 46">
+            <a:extLst>
+              <a:ext uri="{FF2B5EF4-FFF2-40B4-BE49-F238E27FC236}">
+                <a16:creationId xmlns:a16="http://schemas.microsoft.com/office/drawing/2014/main" id="{4F93E440-8314-F340-BE59-CCE8A771FF57}"/>
+              </a:ext>
+            </a:extLst>
+          </p:cNvPr>
+          <p:cNvSpPr txBox="1"/>
+          <p:nvPr/>
+        </p:nvSpPr>
+        <p:spPr>
+          <a:xfrm>
+            <a:off x="7276794" y="1703388"/>
+            <a:ext cx="598653" cy="184666"/>
+          </a:xfrm>
+          <a:prstGeom prst="rect">
+            <a:avLst/>
+          </a:prstGeom>
+          <a:noFill/>
+        </p:spPr>
+        <p:txBody>
+          <a:bodyPr wrap="square" rtlCol="0">
+            <a:spAutoFit/>
+          </a:bodyPr>
+          <a:lstStyle/>
+          <a:p>
+            <a:r>
+              <a:rPr lang="en-US" sz="600" dirty="0">
+                <a:latin typeface="Arial" panose="020B0604020202020204" pitchFamily="34" charset="0"/>
+                <a:cs typeface="Arial" panose="020B0604020202020204" pitchFamily="34" charset="0"/>
+              </a:rPr>
+              <a:t>0.60</a:t>
+            </a:r>
+          </a:p>
+        </p:txBody>
+      </p:sp>
+      <p:pic>
+        <p:nvPicPr>
+          <p:cNvPr id="3" name="Picture 2">
+            <a:extLst>
+              <a:ext uri="{FF2B5EF4-FFF2-40B4-BE49-F238E27FC236}">
+                <a16:creationId xmlns:a16="http://schemas.microsoft.com/office/drawing/2014/main" id="{9215DD12-C0D0-0E4E-871A-2A20EB4F0BAA}"/>
+              </a:ext>
+            </a:extLst>
+          </p:cNvPr>
+          <p:cNvPicPr>
+            <a:picLocks noChangeAspect="1"/>
+          </p:cNvPicPr>
+          <p:nvPr/>
+        </p:nvPicPr>
+        <p:blipFill rotWithShape="1">
+          <a:blip r:embed="rId2"/>
+          <a:srcRect l="78425" t="18634" r="18209" b="19279"/>
+          <a:stretch/>
+        </p:blipFill>
+        <p:spPr>
+          <a:xfrm>
+            <a:off x="7177382" y="766678"/>
+            <a:ext cx="169827" cy="2136051"/>
+          </a:xfrm>
+          <a:prstGeom prst="rect">
+            <a:avLst/>
+          </a:prstGeom>
+        </p:spPr>
+      </p:pic>
+      <p:pic>
+        <p:nvPicPr>
+          <p:cNvPr id="43" name="Picture 42">
+            <a:extLst>
+              <a:ext uri="{FF2B5EF4-FFF2-40B4-BE49-F238E27FC236}">
+                <a16:creationId xmlns:a16="http://schemas.microsoft.com/office/drawing/2014/main" id="{6F434B5B-7606-1E43-BB40-FCF4CBD6123E}"/>
+              </a:ext>
+            </a:extLst>
+          </p:cNvPr>
+          <p:cNvPicPr>
+            <a:picLocks noChangeAspect="1"/>
+          </p:cNvPicPr>
+          <p:nvPr/>
+        </p:nvPicPr>
+        <p:blipFill rotWithShape="1">
+          <a:blip r:embed="rId2"/>
+          <a:srcRect l="28373" t="18789" r="56530" b="65741"/>
+          <a:stretch/>
+        </p:blipFill>
+        <p:spPr>
+          <a:xfrm>
+            <a:off x="5030969" y="773272"/>
+            <a:ext cx="1035291" cy="1060923"/>
+          </a:xfrm>
+          <a:prstGeom prst="rect">
+            <a:avLst/>
+          </a:prstGeom>
+        </p:spPr>
+      </p:pic>
+      <p:pic>
+        <p:nvPicPr>
+          <p:cNvPr id="44" name="Picture 43">
+            <a:extLst>
+              <a:ext uri="{FF2B5EF4-FFF2-40B4-BE49-F238E27FC236}">
+                <a16:creationId xmlns:a16="http://schemas.microsoft.com/office/drawing/2014/main" id="{D5A34B3D-0E8F-3246-9EC0-52F3E8966355}"/>
+              </a:ext>
+            </a:extLst>
+          </p:cNvPr>
+          <p:cNvPicPr>
+            <a:picLocks noChangeAspect="1"/>
+          </p:cNvPicPr>
+          <p:nvPr/>
+        </p:nvPicPr>
+        <p:blipFill rotWithShape="1">
+          <a:blip r:embed="rId2"/>
+          <a:srcRect l="59260" t="49728" r="25522" b="34967"/>
+          <a:stretch/>
+        </p:blipFill>
+        <p:spPr>
+          <a:xfrm>
+            <a:off x="6088305" y="1854509"/>
+            <a:ext cx="1043638" cy="1049666"/>
+          </a:xfrm>
+          <a:prstGeom prst="rect">
+            <a:avLst/>
+          </a:prstGeom>
+        </p:spPr>
+      </p:pic>
+      <p:pic>
+        <p:nvPicPr>
+          <p:cNvPr id="45" name="Picture 44">
+            <a:extLst>
+              <a:ext uri="{FF2B5EF4-FFF2-40B4-BE49-F238E27FC236}">
+                <a16:creationId xmlns:a16="http://schemas.microsoft.com/office/drawing/2014/main" id="{2BBD71A3-949F-C341-B303-C2A4AE03E8BE}"/>
+              </a:ext>
+            </a:extLst>
+          </p:cNvPr>
+          <p:cNvPicPr>
+            <a:picLocks noChangeAspect="1"/>
+          </p:cNvPicPr>
+          <p:nvPr/>
+        </p:nvPicPr>
+        <p:blipFill rotWithShape="1">
+          <a:blip r:embed="rId2"/>
+          <a:srcRect l="59260" t="34040" r="25522" b="50445"/>
+          <a:stretch/>
+        </p:blipFill>
+        <p:spPr>
+          <a:xfrm>
+            <a:off x="6086579" y="773272"/>
+            <a:ext cx="1043637" cy="1063966"/>
+          </a:xfrm>
+          <a:prstGeom prst="rect">
+            <a:avLst/>
+          </a:prstGeom>
+        </p:spPr>
+      </p:pic>
+      <p:pic>
+        <p:nvPicPr>
+          <p:cNvPr id="52" name="Picture 51">
+            <a:extLst>
+              <a:ext uri="{FF2B5EF4-FFF2-40B4-BE49-F238E27FC236}">
+                <a16:creationId xmlns:a16="http://schemas.microsoft.com/office/drawing/2014/main" id="{8F3F7760-BA67-FB49-9B30-2C55C2B88EC9}"/>
+              </a:ext>
+            </a:extLst>
+          </p:cNvPr>
+          <p:cNvPicPr>
+            <a:picLocks noChangeAspect="1"/>
+          </p:cNvPicPr>
+          <p:nvPr/>
+        </p:nvPicPr>
+        <p:blipFill rotWithShape="1">
+          <a:blip r:embed="rId2"/>
+          <a:srcRect l="28299" t="49835" r="56483" b="34902"/>
+          <a:stretch/>
+        </p:blipFill>
+        <p:spPr>
+          <a:xfrm>
+            <a:off x="5026455" y="1855955"/>
+            <a:ext cx="1043637" cy="1046774"/>
+          </a:xfrm>
+          <a:prstGeom prst="rect">
+            <a:avLst/>
+          </a:prstGeom>
+        </p:spPr>
+      </p:pic>
+      <p:cxnSp>
+        <p:nvCxnSpPr>
+          <p:cNvPr id="42" name="Straight Connector 41">
+            <a:extLst>
+              <a:ext uri="{FF2B5EF4-FFF2-40B4-BE49-F238E27FC236}">
+                <a16:creationId xmlns:a16="http://schemas.microsoft.com/office/drawing/2014/main" id="{26F23C37-9D2A-4142-8160-6CF89ACF3197}"/>
+              </a:ext>
+            </a:extLst>
+          </p:cNvPr>
+          <p:cNvCxnSpPr>
+            <a:cxnSpLocks/>
+          </p:cNvCxnSpPr>
+          <p:nvPr/>
+        </p:nvCxnSpPr>
+        <p:spPr>
+          <a:xfrm>
+            <a:off x="7234989" y="2718134"/>
+            <a:ext cx="246369" cy="0"/>
+          </a:xfrm>
+          <a:prstGeom prst="line">
+            <a:avLst/>
+          </a:prstGeom>
+          <a:ln w="12700">
+            <a:solidFill>
+              <a:schemeClr val="tx1"/>
+            </a:solidFill>
+          </a:ln>
+        </p:spPr>
+        <p:style>
+          <a:lnRef idx="1">
+            <a:schemeClr val="accent1"/>
+          </a:lnRef>
+          <a:fillRef idx="0">
+            <a:schemeClr val="accent1"/>
+          </a:fillRef>
+          <a:effectRef idx="0">
+            <a:schemeClr val="accent1"/>
+          </a:effectRef>
+          <a:fontRef idx="minor">
+            <a:schemeClr val="tx1"/>
+          </a:fontRef>
+        </p:style>
+      </p:cxnSp>
+      <p:sp>
+        <p:nvSpPr>
+          <p:cNvPr id="53" name="Rounded Rectangle 52">
+            <a:extLst>
+              <a:ext uri="{FF2B5EF4-FFF2-40B4-BE49-F238E27FC236}">
+                <a16:creationId xmlns:a16="http://schemas.microsoft.com/office/drawing/2014/main" id="{0EBF0C5A-2A5E-7440-89B4-A2ED57C4F4BA}"/>
+              </a:ext>
+            </a:extLst>
+          </p:cNvPr>
+          <p:cNvSpPr/>
+          <p:nvPr/>
+        </p:nvSpPr>
+        <p:spPr>
+          <a:xfrm>
+            <a:off x="5102679" y="3122260"/>
+            <a:ext cx="918362" cy="176168"/>
+          </a:xfrm>
+          <a:prstGeom prst="roundRect">
+            <a:avLst/>
+          </a:prstGeom>
+          <a:solidFill>
+            <a:srgbClr val="BADC90"/>
+          </a:solidFill>
+          <a:ln>
+            <a:noFill/>
+          </a:ln>
+        </p:spPr>
+        <p:style>
+          <a:lnRef idx="2">
+            <a:schemeClr val="accent1">
+              <a:shade val="15000"/>
+            </a:schemeClr>
+          </a:lnRef>
+          <a:fillRef idx="1">
+            <a:schemeClr val="accent1"/>
+          </a:fillRef>
+          <a:effectRef idx="0">
+            <a:schemeClr val="accent1"/>
+          </a:effectRef>
+          <a:fontRef idx="minor">
+            <a:schemeClr val="lt1"/>
+          </a:fontRef>
+        </p:style>
+        <p:txBody>
+          <a:bodyPr rtlCol="0" anchor="ctr"/>
+          <a:lstStyle/>
+          <a:p>
+            <a:pPr algn="ctr">
+              <a:buNone/>
+            </a:pPr>
+            <a:r>
+              <a:rPr lang="en-US" sz="900" dirty="0">
+                <a:solidFill>
+                  <a:schemeClr val="tx1"/>
+                </a:solidFill>
+                <a:latin typeface="Arial" panose="020B0604020202020204" pitchFamily="34" charset="0"/>
+                <a:cs typeface="Arial" panose="020B0604020202020204" pitchFamily="34" charset="0"/>
+              </a:rPr>
+              <a:t>Discrimination</a:t>
+            </a:r>
+          </a:p>
+        </p:txBody>
+      </p:sp>
+      <p:sp>
+        <p:nvSpPr>
+          <p:cNvPr id="54" name="Rounded Rectangle 53">
+            <a:extLst>
+              <a:ext uri="{FF2B5EF4-FFF2-40B4-BE49-F238E27FC236}">
+                <a16:creationId xmlns:a16="http://schemas.microsoft.com/office/drawing/2014/main" id="{1AB84648-331A-994B-A966-B7BC31D6AC87}"/>
+              </a:ext>
+            </a:extLst>
+          </p:cNvPr>
+          <p:cNvSpPr/>
+          <p:nvPr/>
+        </p:nvSpPr>
+        <p:spPr>
+          <a:xfrm rot="16200000">
+            <a:off x="4185503" y="1215487"/>
+            <a:ext cx="918362" cy="176168"/>
+          </a:xfrm>
+          <a:prstGeom prst="roundRect">
+            <a:avLst/>
+          </a:prstGeom>
+          <a:solidFill>
+            <a:srgbClr val="BADC90"/>
+          </a:solidFill>
+          <a:ln>
+            <a:noFill/>
+          </a:ln>
+        </p:spPr>
+        <p:style>
+          <a:lnRef idx="2">
+            <a:schemeClr val="accent1">
+              <a:shade val="15000"/>
+            </a:schemeClr>
+          </a:lnRef>
+          <a:fillRef idx="1">
+            <a:schemeClr val="accent1"/>
+          </a:fillRef>
+          <a:effectRef idx="0">
+            <a:schemeClr val="accent1"/>
+          </a:effectRef>
+          <a:fontRef idx="minor">
+            <a:schemeClr val="lt1"/>
+          </a:fontRef>
+        </p:style>
+        <p:txBody>
+          <a:bodyPr rtlCol="0" anchor="ctr"/>
+          <a:lstStyle/>
+          <a:p>
+            <a:pPr algn="ctr">
+              <a:buNone/>
+            </a:pPr>
+            <a:r>
+              <a:rPr lang="en-US" sz="900" dirty="0">
+                <a:solidFill>
+                  <a:schemeClr val="tx1"/>
+                </a:solidFill>
+                <a:latin typeface="Arial" panose="020B0604020202020204" pitchFamily="34" charset="0"/>
+                <a:cs typeface="Arial" panose="020B0604020202020204" pitchFamily="34" charset="0"/>
+              </a:rPr>
+              <a:t>Discrimination</a:t>
+            </a:r>
+          </a:p>
+        </p:txBody>
+      </p:sp>
+      <p:sp>
+        <p:nvSpPr>
+          <p:cNvPr id="55" name="Rounded Rectangle 54">
+            <a:extLst>
+              <a:ext uri="{FF2B5EF4-FFF2-40B4-BE49-F238E27FC236}">
+                <a16:creationId xmlns:a16="http://schemas.microsoft.com/office/drawing/2014/main" id="{81C7B833-B087-9A46-9ADC-DFCFA0FC1216}"/>
+              </a:ext>
+            </a:extLst>
+          </p:cNvPr>
+          <p:cNvSpPr/>
+          <p:nvPr/>
+        </p:nvSpPr>
+        <p:spPr>
+          <a:xfrm>
+            <a:off x="6058160" y="3123892"/>
+            <a:ext cx="1199795" cy="174535"/>
+          </a:xfrm>
+          <a:prstGeom prst="roundRect">
+            <a:avLst/>
+          </a:prstGeom>
+          <a:solidFill>
+            <a:srgbClr val="75D3FC"/>
+          </a:solidFill>
+          <a:ln>
+            <a:noFill/>
+          </a:ln>
+        </p:spPr>
+        <p:style>
+          <a:lnRef idx="2">
+            <a:schemeClr val="accent1">
+              <a:shade val="15000"/>
+            </a:schemeClr>
+          </a:lnRef>
+          <a:fillRef idx="1">
+            <a:schemeClr val="accent1"/>
+          </a:fillRef>
+          <a:effectRef idx="0">
+            <a:schemeClr val="accent1"/>
+          </a:effectRef>
+          <a:fontRef idx="minor">
+            <a:schemeClr val="lt1"/>
+          </a:fontRef>
+        </p:style>
+        <p:txBody>
+          <a:bodyPr rtlCol="0" anchor="ctr"/>
+          <a:lstStyle/>
+          <a:p>
+            <a:pPr algn="ctr">
+              <a:buNone/>
+            </a:pPr>
+            <a:r>
+              <a:rPr lang="en-US" sz="900" dirty="0">
+                <a:solidFill>
+                  <a:schemeClr val="tx1"/>
+                </a:solidFill>
+                <a:latin typeface="Arial" panose="020B0604020202020204" pitchFamily="34" charset="0"/>
+                <a:cs typeface="Arial" panose="020B0604020202020204" pitchFamily="34" charset="0"/>
+              </a:rPr>
+              <a:t>Numerical Estimate</a:t>
+            </a:r>
+          </a:p>
+        </p:txBody>
+      </p:sp>
+      <p:sp>
+        <p:nvSpPr>
+          <p:cNvPr id="56" name="Rounded Rectangle 55">
+            <a:extLst>
+              <a:ext uri="{FF2B5EF4-FFF2-40B4-BE49-F238E27FC236}">
+                <a16:creationId xmlns:a16="http://schemas.microsoft.com/office/drawing/2014/main" id="{EECC55F3-1424-A642-AF76-91ACAD2BFEBA}"/>
+              </a:ext>
+            </a:extLst>
+          </p:cNvPr>
+          <p:cNvSpPr/>
+          <p:nvPr/>
+        </p:nvSpPr>
+        <p:spPr>
+          <a:xfrm rot="16200000">
+            <a:off x="4055159" y="2328964"/>
+            <a:ext cx="1199795" cy="174535"/>
+          </a:xfrm>
+          <a:prstGeom prst="roundRect">
+            <a:avLst/>
+          </a:prstGeom>
+          <a:solidFill>
+            <a:srgbClr val="75D3FC"/>
+          </a:solidFill>
+          <a:ln>
+            <a:noFill/>
+          </a:ln>
+        </p:spPr>
+        <p:style>
+          <a:lnRef idx="2">
+            <a:schemeClr val="accent1">
+              <a:shade val="15000"/>
+            </a:schemeClr>
+          </a:lnRef>
+          <a:fillRef idx="1">
+            <a:schemeClr val="accent1"/>
+          </a:fillRef>
+          <a:effectRef idx="0">
+            <a:schemeClr val="accent1"/>
+          </a:effectRef>
+          <a:fontRef idx="minor">
+            <a:schemeClr val="lt1"/>
+          </a:fontRef>
+        </p:style>
+        <p:txBody>
+          <a:bodyPr rtlCol="0" anchor="ctr"/>
+          <a:lstStyle/>
+          <a:p>
+            <a:pPr algn="ctr">
+              <a:buNone/>
+            </a:pPr>
+            <a:r>
+              <a:rPr lang="en-US" sz="900" dirty="0">
+                <a:solidFill>
+                  <a:schemeClr val="tx1"/>
+                </a:solidFill>
+                <a:latin typeface="Arial" panose="020B0604020202020204" pitchFamily="34" charset="0"/>
+                <a:cs typeface="Arial" panose="020B0604020202020204" pitchFamily="34" charset="0"/>
+              </a:rPr>
+              <a:t>Numerical Estimate</a:t>
+            </a:r>
+          </a:p>
+        </p:txBody>
+      </p:sp>
+    </p:spTree>
+    <p:extLst>
+      <p:ext uri="{BB962C8B-B14F-4D97-AF65-F5344CB8AC3E}">
+        <p14:creationId xmlns:p14="http://schemas.microsoft.com/office/powerpoint/2010/main" val="3870410416"/>
       </p:ext>
     </p:extLst>
   </p:cSld>
@@ -11058,6 +12691,2783 @@
 </p:sld>
 </file>
 
+<file path=ppt/slides/slide8.xml><?xml version="1.0" encoding="utf-8"?>
+<p:sld xmlns:a="http://schemas.openxmlformats.org/drawingml/2006/main" xmlns:r="http://schemas.openxmlformats.org/officeDocument/2006/relationships" xmlns:p="http://schemas.openxmlformats.org/presentationml/2006/main">
+  <p:cSld>
+    <p:spTree>
+      <p:nvGrpSpPr>
+        <p:cNvPr id="1" name=""/>
+        <p:cNvGrpSpPr/>
+        <p:nvPr/>
+      </p:nvGrpSpPr>
+      <p:grpSpPr>
+        <a:xfrm>
+          <a:off x="0" y="0"/>
+          <a:ext cx="0" cy="0"/>
+          <a:chOff x="0" y="0"/>
+          <a:chExt cx="0" cy="0"/>
+        </a:xfrm>
+      </p:grpSpPr>
+      <p:grpSp>
+        <p:nvGrpSpPr>
+          <p:cNvPr id="2" name="Group 1">
+            <a:extLst>
+              <a:ext uri="{FF2B5EF4-FFF2-40B4-BE49-F238E27FC236}">
+                <a16:creationId xmlns:a16="http://schemas.microsoft.com/office/drawing/2014/main" id="{4697B23E-8CA4-CB48-86B1-ABEC73460A7A}"/>
+              </a:ext>
+            </a:extLst>
+          </p:cNvPr>
+          <p:cNvGrpSpPr/>
+          <p:nvPr/>
+        </p:nvGrpSpPr>
+        <p:grpSpPr>
+          <a:xfrm>
+            <a:off x="4554775" y="774043"/>
+            <a:ext cx="3579105" cy="2524510"/>
+            <a:chOff x="4554775" y="774043"/>
+            <a:chExt cx="3579105" cy="2524510"/>
+          </a:xfrm>
+        </p:grpSpPr>
+        <p:sp>
+          <p:nvSpPr>
+            <p:cNvPr id="8" name="TextBox 7">
+              <a:extLst>
+                <a:ext uri="{FF2B5EF4-FFF2-40B4-BE49-F238E27FC236}">
+                  <a16:creationId xmlns:a16="http://schemas.microsoft.com/office/drawing/2014/main" id="{22F21AD6-01E3-B346-9186-A3854DA0E71B}"/>
+                </a:ext>
+              </a:extLst>
+            </p:cNvPr>
+            <p:cNvSpPr txBox="1"/>
+            <p:nvPr/>
+          </p:nvSpPr>
+          <p:spPr>
+            <a:xfrm rot="16200000">
+              <a:off x="4756637" y="875416"/>
+              <a:ext cx="368652" cy="215444"/>
+            </a:xfrm>
+            <a:prstGeom prst="rect">
+              <a:avLst/>
+            </a:prstGeom>
+            <a:noFill/>
+          </p:spPr>
+          <p:txBody>
+            <a:bodyPr wrap="square" rtlCol="0">
+              <a:spAutoFit/>
+            </a:bodyPr>
+            <a:lstStyle/>
+            <a:p>
+              <a:pPr algn="ctr"/>
+              <a:r>
+                <a:rPr lang="en-US" sz="800" dirty="0">
+                  <a:latin typeface="Arial" panose="020B0604020202020204" pitchFamily="34" charset="0"/>
+                  <a:cs typeface="Arial" panose="020B0604020202020204" pitchFamily="34" charset="0"/>
+                </a:rPr>
+                <a:t>125</a:t>
+              </a:r>
+            </a:p>
+          </p:txBody>
+        </p:sp>
+        <p:sp>
+          <p:nvSpPr>
+            <p:cNvPr id="9" name="TextBox 8">
+              <a:extLst>
+                <a:ext uri="{FF2B5EF4-FFF2-40B4-BE49-F238E27FC236}">
+                  <a16:creationId xmlns:a16="http://schemas.microsoft.com/office/drawing/2014/main" id="{FE70D868-8FE7-6948-B67B-E2C773DDB95D}"/>
+                </a:ext>
+              </a:extLst>
+            </p:cNvPr>
+            <p:cNvSpPr txBox="1"/>
+            <p:nvPr/>
+          </p:nvSpPr>
+          <p:spPr>
+            <a:xfrm rot="16200000">
+              <a:off x="4739351" y="1208498"/>
+              <a:ext cx="406330" cy="215444"/>
+            </a:xfrm>
+            <a:prstGeom prst="rect">
+              <a:avLst/>
+            </a:prstGeom>
+            <a:noFill/>
+          </p:spPr>
+          <p:txBody>
+            <a:bodyPr wrap="square" rtlCol="0">
+              <a:spAutoFit/>
+            </a:bodyPr>
+            <a:lstStyle/>
+            <a:p>
+              <a:pPr algn="ctr"/>
+              <a:r>
+                <a:rPr lang="en-US" sz="800" dirty="0">
+                  <a:latin typeface="Arial" panose="020B0604020202020204" pitchFamily="34" charset="0"/>
+                  <a:cs typeface="Arial" panose="020B0604020202020204" pitchFamily="34" charset="0"/>
+                </a:rPr>
+                <a:t>250</a:t>
+              </a:r>
+            </a:p>
+          </p:txBody>
+        </p:sp>
+        <p:sp>
+          <p:nvSpPr>
+            <p:cNvPr id="10" name="TextBox 9">
+              <a:extLst>
+                <a:ext uri="{FF2B5EF4-FFF2-40B4-BE49-F238E27FC236}">
+                  <a16:creationId xmlns:a16="http://schemas.microsoft.com/office/drawing/2014/main" id="{9DDCB1AD-8815-F747-A27D-FD7C77FA636D}"/>
+                </a:ext>
+              </a:extLst>
+            </p:cNvPr>
+            <p:cNvSpPr txBox="1"/>
+            <p:nvPr/>
+          </p:nvSpPr>
+          <p:spPr>
+            <a:xfrm rot="16200000">
+              <a:off x="4726666" y="1568374"/>
+              <a:ext cx="428593" cy="215444"/>
+            </a:xfrm>
+            <a:prstGeom prst="rect">
+              <a:avLst/>
+            </a:prstGeom>
+            <a:noFill/>
+          </p:spPr>
+          <p:txBody>
+            <a:bodyPr wrap="square" rtlCol="0">
+              <a:spAutoFit/>
+            </a:bodyPr>
+            <a:lstStyle/>
+            <a:p>
+              <a:pPr algn="ctr"/>
+              <a:r>
+                <a:rPr lang="en-US" sz="800" dirty="0">
+                  <a:latin typeface="Arial" panose="020B0604020202020204" pitchFamily="34" charset="0"/>
+                  <a:cs typeface="Arial" panose="020B0604020202020204" pitchFamily="34" charset="0"/>
+                </a:rPr>
+                <a:t>1000</a:t>
+              </a:r>
+            </a:p>
+          </p:txBody>
+        </p:sp>
+        <p:sp>
+          <p:nvSpPr>
+            <p:cNvPr id="11" name="TextBox 10">
+              <a:extLst>
+                <a:ext uri="{FF2B5EF4-FFF2-40B4-BE49-F238E27FC236}">
+                  <a16:creationId xmlns:a16="http://schemas.microsoft.com/office/drawing/2014/main" id="{4DA43F08-F240-704A-BE67-F28AFCDC6ECF}"/>
+                </a:ext>
+              </a:extLst>
+            </p:cNvPr>
+            <p:cNvSpPr txBox="1"/>
+            <p:nvPr/>
+          </p:nvSpPr>
+          <p:spPr>
+            <a:xfrm rot="16200000">
+              <a:off x="4151926" y="1218811"/>
+              <a:ext cx="1043637" cy="230832"/>
+            </a:xfrm>
+            <a:prstGeom prst="rect">
+              <a:avLst/>
+            </a:prstGeom>
+            <a:noFill/>
+          </p:spPr>
+          <p:txBody>
+            <a:bodyPr wrap="square" rtlCol="0">
+              <a:spAutoFit/>
+            </a:bodyPr>
+            <a:lstStyle/>
+            <a:p>
+              <a:pPr algn="ctr"/>
+              <a:r>
+                <a:rPr lang="en-US" sz="900" dirty="0">
+                  <a:latin typeface="Arial" panose="020B0604020202020204" pitchFamily="34" charset="0"/>
+                  <a:cs typeface="Arial" panose="020B0604020202020204" pitchFamily="34" charset="0"/>
+                </a:rPr>
+                <a:t>Discrimination</a:t>
+              </a:r>
+            </a:p>
+          </p:txBody>
+        </p:sp>
+        <p:sp>
+          <p:nvSpPr>
+            <p:cNvPr id="12" name="Left Brace 11">
+              <a:extLst>
+                <a:ext uri="{FF2B5EF4-FFF2-40B4-BE49-F238E27FC236}">
+                  <a16:creationId xmlns:a16="http://schemas.microsoft.com/office/drawing/2014/main" id="{9B26CDD4-6188-CC44-8189-189CA7EA8151}"/>
+                </a:ext>
+              </a:extLst>
+            </p:cNvPr>
+            <p:cNvSpPr/>
+            <p:nvPr/>
+          </p:nvSpPr>
+          <p:spPr>
+            <a:xfrm>
+              <a:off x="4769081" y="812408"/>
+              <a:ext cx="93248" cy="1015193"/>
+            </a:xfrm>
+            <a:prstGeom prst="leftBrace">
+              <a:avLst>
+                <a:gd name="adj1" fmla="val 8333"/>
+                <a:gd name="adj2" fmla="val 50895"/>
+              </a:avLst>
+            </a:prstGeom>
+          </p:spPr>
+          <p:style>
+            <a:lnRef idx="1">
+              <a:schemeClr val="dk1"/>
+            </a:lnRef>
+            <a:fillRef idx="0">
+              <a:schemeClr val="dk1"/>
+            </a:fillRef>
+            <a:effectRef idx="0">
+              <a:schemeClr val="dk1"/>
+            </a:effectRef>
+            <a:fontRef idx="minor">
+              <a:schemeClr val="tx1"/>
+            </a:fontRef>
+          </p:style>
+          <p:txBody>
+            <a:bodyPr rot="0" spcFirstLastPara="0" vert="horz" wrap="square" lIns="18288" tIns="9144" rIns="18288" bIns="9144" numCol="1" spcCol="0" rtlCol="0" fromWordArt="0" anchor="ctr" anchorCtr="0" forceAA="0" compatLnSpc="1">
+              <a:prstTxWarp prst="textNoShape">
+                <a:avLst/>
+              </a:prstTxWarp>
+              <a:noAutofit/>
+            </a:bodyPr>
+            <a:lstStyle/>
+            <a:p>
+              <a:endParaRPr lang="en-US" sz="700" dirty="0">
+                <a:solidFill>
+                  <a:schemeClr val="bg2">
+                    <a:lumMod val="90000"/>
+                  </a:schemeClr>
+                </a:solidFill>
+              </a:endParaRPr>
+            </a:p>
+          </p:txBody>
+        </p:sp>
+        <p:sp>
+          <p:nvSpPr>
+            <p:cNvPr id="13" name="TextBox 12">
+              <a:extLst>
+                <a:ext uri="{FF2B5EF4-FFF2-40B4-BE49-F238E27FC236}">
+                  <a16:creationId xmlns:a16="http://schemas.microsoft.com/office/drawing/2014/main" id="{B1C08DCA-4EB6-E54E-B9FF-ED90419846C9}"/>
+                </a:ext>
+              </a:extLst>
+            </p:cNvPr>
+            <p:cNvSpPr txBox="1"/>
+            <p:nvPr/>
+          </p:nvSpPr>
+          <p:spPr>
+            <a:xfrm rot="16200000">
+              <a:off x="4753083" y="1926624"/>
+              <a:ext cx="368652" cy="215444"/>
+            </a:xfrm>
+            <a:prstGeom prst="rect">
+              <a:avLst/>
+            </a:prstGeom>
+            <a:noFill/>
+          </p:spPr>
+          <p:txBody>
+            <a:bodyPr wrap="square" rtlCol="0">
+              <a:spAutoFit/>
+            </a:bodyPr>
+            <a:lstStyle/>
+            <a:p>
+              <a:pPr algn="ctr"/>
+              <a:r>
+                <a:rPr lang="en-US" sz="800" dirty="0">
+                  <a:latin typeface="Arial" panose="020B0604020202020204" pitchFamily="34" charset="0"/>
+                  <a:cs typeface="Arial" panose="020B0604020202020204" pitchFamily="34" charset="0"/>
+                </a:rPr>
+                <a:t>125</a:t>
+              </a:r>
+            </a:p>
+          </p:txBody>
+        </p:sp>
+        <p:sp>
+          <p:nvSpPr>
+            <p:cNvPr id="14" name="TextBox 13">
+              <a:extLst>
+                <a:ext uri="{FF2B5EF4-FFF2-40B4-BE49-F238E27FC236}">
+                  <a16:creationId xmlns:a16="http://schemas.microsoft.com/office/drawing/2014/main" id="{6F6C3E44-0D76-E04E-AC64-6F3D5C6A6AA2}"/>
+                </a:ext>
+              </a:extLst>
+            </p:cNvPr>
+            <p:cNvSpPr txBox="1"/>
+            <p:nvPr/>
+          </p:nvSpPr>
+          <p:spPr>
+            <a:xfrm rot="16200000">
+              <a:off x="4735797" y="2259706"/>
+              <a:ext cx="406330" cy="215444"/>
+            </a:xfrm>
+            <a:prstGeom prst="rect">
+              <a:avLst/>
+            </a:prstGeom>
+            <a:noFill/>
+          </p:spPr>
+          <p:txBody>
+            <a:bodyPr wrap="square" rtlCol="0">
+              <a:spAutoFit/>
+            </a:bodyPr>
+            <a:lstStyle/>
+            <a:p>
+              <a:pPr algn="ctr"/>
+              <a:r>
+                <a:rPr lang="en-US" sz="800" dirty="0">
+                  <a:latin typeface="Arial" panose="020B0604020202020204" pitchFamily="34" charset="0"/>
+                  <a:cs typeface="Arial" panose="020B0604020202020204" pitchFamily="34" charset="0"/>
+                </a:rPr>
+                <a:t>250</a:t>
+              </a:r>
+            </a:p>
+          </p:txBody>
+        </p:sp>
+        <p:sp>
+          <p:nvSpPr>
+            <p:cNvPr id="15" name="TextBox 14">
+              <a:extLst>
+                <a:ext uri="{FF2B5EF4-FFF2-40B4-BE49-F238E27FC236}">
+                  <a16:creationId xmlns:a16="http://schemas.microsoft.com/office/drawing/2014/main" id="{32D2C3E1-8BFD-B148-ABA3-2F0042ED0FF9}"/>
+                </a:ext>
+              </a:extLst>
+            </p:cNvPr>
+            <p:cNvSpPr txBox="1"/>
+            <p:nvPr/>
+          </p:nvSpPr>
+          <p:spPr>
+            <a:xfrm rot="16200000">
+              <a:off x="4723112" y="2619582"/>
+              <a:ext cx="428593" cy="215444"/>
+            </a:xfrm>
+            <a:prstGeom prst="rect">
+              <a:avLst/>
+            </a:prstGeom>
+            <a:noFill/>
+          </p:spPr>
+          <p:txBody>
+            <a:bodyPr wrap="square" rtlCol="0">
+              <a:spAutoFit/>
+            </a:bodyPr>
+            <a:lstStyle/>
+            <a:p>
+              <a:pPr algn="ctr"/>
+              <a:r>
+                <a:rPr lang="en-US" sz="800" dirty="0">
+                  <a:latin typeface="Arial" panose="020B0604020202020204" pitchFamily="34" charset="0"/>
+                  <a:cs typeface="Arial" panose="020B0604020202020204" pitchFamily="34" charset="0"/>
+                </a:rPr>
+                <a:t>1000</a:t>
+              </a:r>
+            </a:p>
+          </p:txBody>
+        </p:sp>
+        <p:sp>
+          <p:nvSpPr>
+            <p:cNvPr id="16" name="TextBox 15">
+              <a:extLst>
+                <a:ext uri="{FF2B5EF4-FFF2-40B4-BE49-F238E27FC236}">
+                  <a16:creationId xmlns:a16="http://schemas.microsoft.com/office/drawing/2014/main" id="{1D0E8307-CC6D-5B42-9DD9-BD49C07C71E8}"/>
+                </a:ext>
+              </a:extLst>
+            </p:cNvPr>
+            <p:cNvSpPr txBox="1"/>
+            <p:nvPr/>
+          </p:nvSpPr>
+          <p:spPr>
+            <a:xfrm rot="16200000">
+              <a:off x="4070116" y="2270276"/>
+              <a:ext cx="1200150" cy="230832"/>
+            </a:xfrm>
+            <a:prstGeom prst="rect">
+              <a:avLst/>
+            </a:prstGeom>
+            <a:noFill/>
+          </p:spPr>
+          <p:txBody>
+            <a:bodyPr wrap="square" rtlCol="0">
+              <a:spAutoFit/>
+            </a:bodyPr>
+            <a:lstStyle/>
+            <a:p>
+              <a:pPr algn="ctr"/>
+              <a:r>
+                <a:rPr lang="en-US" sz="900" dirty="0">
+                  <a:latin typeface="Arial" panose="020B0604020202020204" pitchFamily="34" charset="0"/>
+                  <a:cs typeface="Arial" panose="020B0604020202020204" pitchFamily="34" charset="0"/>
+                </a:rPr>
+                <a:t>Numerical Estimate</a:t>
+              </a:r>
+            </a:p>
+          </p:txBody>
+        </p:sp>
+        <p:sp>
+          <p:nvSpPr>
+            <p:cNvPr id="17" name="Left Brace 16">
+              <a:extLst>
+                <a:ext uri="{FF2B5EF4-FFF2-40B4-BE49-F238E27FC236}">
+                  <a16:creationId xmlns:a16="http://schemas.microsoft.com/office/drawing/2014/main" id="{7F215F09-A50E-C444-ADE2-418366168F5A}"/>
+                </a:ext>
+              </a:extLst>
+            </p:cNvPr>
+            <p:cNvSpPr/>
+            <p:nvPr/>
+          </p:nvSpPr>
+          <p:spPr>
+            <a:xfrm>
+              <a:off x="4765527" y="1861014"/>
+              <a:ext cx="93248" cy="1015193"/>
+            </a:xfrm>
+            <a:prstGeom prst="leftBrace">
+              <a:avLst>
+                <a:gd name="adj1" fmla="val 8333"/>
+                <a:gd name="adj2" fmla="val 50895"/>
+              </a:avLst>
+            </a:prstGeom>
+          </p:spPr>
+          <p:style>
+            <a:lnRef idx="1">
+              <a:schemeClr val="dk1"/>
+            </a:lnRef>
+            <a:fillRef idx="0">
+              <a:schemeClr val="dk1"/>
+            </a:fillRef>
+            <a:effectRef idx="0">
+              <a:schemeClr val="dk1"/>
+            </a:effectRef>
+            <a:fontRef idx="minor">
+              <a:schemeClr val="tx1"/>
+            </a:fontRef>
+          </p:style>
+          <p:txBody>
+            <a:bodyPr rot="0" spcFirstLastPara="0" vert="horz" wrap="square" lIns="18288" tIns="9144" rIns="18288" bIns="9144" numCol="1" spcCol="0" rtlCol="0" fromWordArt="0" anchor="ctr" anchorCtr="0" forceAA="0" compatLnSpc="1">
+              <a:prstTxWarp prst="textNoShape">
+                <a:avLst/>
+              </a:prstTxWarp>
+              <a:noAutofit/>
+            </a:bodyPr>
+            <a:lstStyle/>
+            <a:p>
+              <a:endParaRPr lang="en-US" sz="700" dirty="0">
+                <a:solidFill>
+                  <a:schemeClr val="bg2">
+                    <a:lumMod val="90000"/>
+                  </a:schemeClr>
+                </a:solidFill>
+              </a:endParaRPr>
+            </a:p>
+          </p:txBody>
+        </p:sp>
+        <p:sp>
+          <p:nvSpPr>
+            <p:cNvPr id="19" name="TextBox 18">
+              <a:extLst>
+                <a:ext uri="{FF2B5EF4-FFF2-40B4-BE49-F238E27FC236}">
+                  <a16:creationId xmlns:a16="http://schemas.microsoft.com/office/drawing/2014/main" id="{855CE9A2-41F3-B348-9EAD-DD73FFF16426}"/>
+                </a:ext>
+              </a:extLst>
+            </p:cNvPr>
+            <p:cNvSpPr txBox="1"/>
+            <p:nvPr/>
+          </p:nvSpPr>
+          <p:spPr>
+            <a:xfrm>
+              <a:off x="5954282" y="2863835"/>
+              <a:ext cx="566502" cy="215444"/>
+            </a:xfrm>
+            <a:prstGeom prst="rect">
+              <a:avLst/>
+            </a:prstGeom>
+            <a:noFill/>
+          </p:spPr>
+          <p:txBody>
+            <a:bodyPr wrap="square" rtlCol="0">
+              <a:spAutoFit/>
+            </a:bodyPr>
+            <a:lstStyle/>
+            <a:p>
+              <a:pPr algn="ctr"/>
+              <a:r>
+                <a:rPr lang="en-US" sz="800" dirty="0">
+                  <a:latin typeface="Arial" panose="020B0604020202020204" pitchFamily="34" charset="0"/>
+                  <a:cs typeface="Arial" panose="020B0604020202020204" pitchFamily="34" charset="0"/>
+                </a:rPr>
+                <a:t>125</a:t>
+              </a:r>
+            </a:p>
+          </p:txBody>
+        </p:sp>
+        <p:sp>
+          <p:nvSpPr>
+            <p:cNvPr id="20" name="TextBox 19">
+              <a:extLst>
+                <a:ext uri="{FF2B5EF4-FFF2-40B4-BE49-F238E27FC236}">
+                  <a16:creationId xmlns:a16="http://schemas.microsoft.com/office/drawing/2014/main" id="{6355FF97-519D-014E-BD55-6E35517617D0}"/>
+                </a:ext>
+              </a:extLst>
+            </p:cNvPr>
+            <p:cNvSpPr txBox="1"/>
+            <p:nvPr/>
+          </p:nvSpPr>
+          <p:spPr>
+            <a:xfrm>
+              <a:off x="6307823" y="2863835"/>
+              <a:ext cx="566502" cy="215444"/>
+            </a:xfrm>
+            <a:prstGeom prst="rect">
+              <a:avLst/>
+            </a:prstGeom>
+            <a:noFill/>
+          </p:spPr>
+          <p:txBody>
+            <a:bodyPr wrap="square" rtlCol="0">
+              <a:spAutoFit/>
+            </a:bodyPr>
+            <a:lstStyle/>
+            <a:p>
+              <a:pPr algn="ctr"/>
+              <a:r>
+                <a:rPr lang="en-US" sz="800" dirty="0">
+                  <a:latin typeface="Arial" panose="020B0604020202020204" pitchFamily="34" charset="0"/>
+                  <a:cs typeface="Arial" panose="020B0604020202020204" pitchFamily="34" charset="0"/>
+                </a:rPr>
+                <a:t>250</a:t>
+              </a:r>
+            </a:p>
+          </p:txBody>
+        </p:sp>
+        <p:sp>
+          <p:nvSpPr>
+            <p:cNvPr id="21" name="TextBox 20">
+              <a:extLst>
+                <a:ext uri="{FF2B5EF4-FFF2-40B4-BE49-F238E27FC236}">
+                  <a16:creationId xmlns:a16="http://schemas.microsoft.com/office/drawing/2014/main" id="{7A9A3FA0-506F-374B-A175-83EB10485637}"/>
+                </a:ext>
+              </a:extLst>
+            </p:cNvPr>
+            <p:cNvSpPr txBox="1"/>
+            <p:nvPr/>
+          </p:nvSpPr>
+          <p:spPr>
+            <a:xfrm>
+              <a:off x="6591074" y="2861474"/>
+              <a:ext cx="672514" cy="215444"/>
+            </a:xfrm>
+            <a:prstGeom prst="rect">
+              <a:avLst/>
+            </a:prstGeom>
+            <a:noFill/>
+          </p:spPr>
+          <p:txBody>
+            <a:bodyPr wrap="square" rtlCol="0">
+              <a:spAutoFit/>
+            </a:bodyPr>
+            <a:lstStyle/>
+            <a:p>
+              <a:pPr algn="ctr"/>
+              <a:r>
+                <a:rPr lang="en-US" sz="800" dirty="0">
+                  <a:latin typeface="Arial" panose="020B0604020202020204" pitchFamily="34" charset="0"/>
+                  <a:cs typeface="Arial" panose="020B0604020202020204" pitchFamily="34" charset="0"/>
+                </a:rPr>
+                <a:t>1000</a:t>
+              </a:r>
+            </a:p>
+          </p:txBody>
+        </p:sp>
+        <p:sp>
+          <p:nvSpPr>
+            <p:cNvPr id="22" name="Left Brace 21">
+              <a:extLst>
+                <a:ext uri="{FF2B5EF4-FFF2-40B4-BE49-F238E27FC236}">
+                  <a16:creationId xmlns:a16="http://schemas.microsoft.com/office/drawing/2014/main" id="{C841ACAF-5E5B-9040-B9E4-0FB86BA4E895}"/>
+                </a:ext>
+              </a:extLst>
+            </p:cNvPr>
+            <p:cNvSpPr/>
+            <p:nvPr/>
+          </p:nvSpPr>
+          <p:spPr>
+            <a:xfrm rot="16200000">
+              <a:off x="6539098" y="2540935"/>
+              <a:ext cx="93248" cy="1043637"/>
+            </a:xfrm>
+            <a:prstGeom prst="leftBrace">
+              <a:avLst>
+                <a:gd name="adj1" fmla="val 8333"/>
+                <a:gd name="adj2" fmla="val 50895"/>
+              </a:avLst>
+            </a:prstGeom>
+          </p:spPr>
+          <p:style>
+            <a:lnRef idx="1">
+              <a:schemeClr val="dk1"/>
+            </a:lnRef>
+            <a:fillRef idx="0">
+              <a:schemeClr val="dk1"/>
+            </a:fillRef>
+            <a:effectRef idx="0">
+              <a:schemeClr val="dk1"/>
+            </a:effectRef>
+            <a:fontRef idx="minor">
+              <a:schemeClr val="tx1"/>
+            </a:fontRef>
+          </p:style>
+          <p:txBody>
+            <a:bodyPr rot="0" spcFirstLastPara="0" vert="horz" wrap="square" lIns="18288" tIns="9144" rIns="18288" bIns="9144" numCol="1" spcCol="0" rtlCol="0" fromWordArt="0" anchor="ctr" anchorCtr="0" forceAA="0" compatLnSpc="1">
+              <a:prstTxWarp prst="textNoShape">
+                <a:avLst/>
+              </a:prstTxWarp>
+              <a:noAutofit/>
+            </a:bodyPr>
+            <a:lstStyle/>
+            <a:p>
+              <a:endParaRPr lang="en-US" sz="700" dirty="0">
+                <a:solidFill>
+                  <a:schemeClr val="bg2">
+                    <a:lumMod val="90000"/>
+                  </a:schemeClr>
+                </a:solidFill>
+              </a:endParaRPr>
+            </a:p>
+          </p:txBody>
+        </p:sp>
+        <p:sp>
+          <p:nvSpPr>
+            <p:cNvPr id="24" name="TextBox 23">
+              <a:extLst>
+                <a:ext uri="{FF2B5EF4-FFF2-40B4-BE49-F238E27FC236}">
+                  <a16:creationId xmlns:a16="http://schemas.microsoft.com/office/drawing/2014/main" id="{4CDC1819-1C4C-4441-9A0E-D3112E77FB66}"/>
+                </a:ext>
+              </a:extLst>
+            </p:cNvPr>
+            <p:cNvSpPr txBox="1"/>
+            <p:nvPr/>
+          </p:nvSpPr>
+          <p:spPr>
+            <a:xfrm>
+              <a:off x="4894704" y="2863835"/>
+              <a:ext cx="566502" cy="215444"/>
+            </a:xfrm>
+            <a:prstGeom prst="rect">
+              <a:avLst/>
+            </a:prstGeom>
+            <a:noFill/>
+          </p:spPr>
+          <p:txBody>
+            <a:bodyPr wrap="square" rtlCol="0">
+              <a:spAutoFit/>
+            </a:bodyPr>
+            <a:lstStyle/>
+            <a:p>
+              <a:pPr algn="ctr"/>
+              <a:r>
+                <a:rPr lang="en-US" sz="800" dirty="0">
+                  <a:latin typeface="Arial" panose="020B0604020202020204" pitchFamily="34" charset="0"/>
+                  <a:cs typeface="Arial" panose="020B0604020202020204" pitchFamily="34" charset="0"/>
+                </a:rPr>
+                <a:t>125</a:t>
+              </a:r>
+            </a:p>
+          </p:txBody>
+        </p:sp>
+        <p:sp>
+          <p:nvSpPr>
+            <p:cNvPr id="25" name="TextBox 24">
+              <a:extLst>
+                <a:ext uri="{FF2B5EF4-FFF2-40B4-BE49-F238E27FC236}">
+                  <a16:creationId xmlns:a16="http://schemas.microsoft.com/office/drawing/2014/main" id="{DC6AFF7A-C319-A54E-86D0-78D561EB8FBF}"/>
+                </a:ext>
+              </a:extLst>
+            </p:cNvPr>
+            <p:cNvSpPr txBox="1"/>
+            <p:nvPr/>
+          </p:nvSpPr>
+          <p:spPr>
+            <a:xfrm>
+              <a:off x="5248245" y="2863835"/>
+              <a:ext cx="566502" cy="215444"/>
+            </a:xfrm>
+            <a:prstGeom prst="rect">
+              <a:avLst/>
+            </a:prstGeom>
+            <a:noFill/>
+          </p:spPr>
+          <p:txBody>
+            <a:bodyPr wrap="square" rtlCol="0">
+              <a:spAutoFit/>
+            </a:bodyPr>
+            <a:lstStyle/>
+            <a:p>
+              <a:pPr algn="ctr"/>
+              <a:r>
+                <a:rPr lang="en-US" sz="800" dirty="0">
+                  <a:latin typeface="Arial" panose="020B0604020202020204" pitchFamily="34" charset="0"/>
+                  <a:cs typeface="Arial" panose="020B0604020202020204" pitchFamily="34" charset="0"/>
+                </a:rPr>
+                <a:t>250</a:t>
+              </a:r>
+            </a:p>
+          </p:txBody>
+        </p:sp>
+        <p:sp>
+          <p:nvSpPr>
+            <p:cNvPr id="26" name="TextBox 25">
+              <a:extLst>
+                <a:ext uri="{FF2B5EF4-FFF2-40B4-BE49-F238E27FC236}">
+                  <a16:creationId xmlns:a16="http://schemas.microsoft.com/office/drawing/2014/main" id="{5492A3DD-40D8-3948-9292-F94587639FF3}"/>
+                </a:ext>
+              </a:extLst>
+            </p:cNvPr>
+            <p:cNvSpPr txBox="1"/>
+            <p:nvPr/>
+          </p:nvSpPr>
+          <p:spPr>
+            <a:xfrm>
+              <a:off x="5531496" y="2861474"/>
+              <a:ext cx="672514" cy="215444"/>
+            </a:xfrm>
+            <a:prstGeom prst="rect">
+              <a:avLst/>
+            </a:prstGeom>
+            <a:noFill/>
+          </p:spPr>
+          <p:txBody>
+            <a:bodyPr wrap="square" rtlCol="0">
+              <a:spAutoFit/>
+            </a:bodyPr>
+            <a:lstStyle/>
+            <a:p>
+              <a:pPr algn="ctr"/>
+              <a:r>
+                <a:rPr lang="en-US" sz="800" dirty="0">
+                  <a:latin typeface="Arial" panose="020B0604020202020204" pitchFamily="34" charset="0"/>
+                  <a:cs typeface="Arial" panose="020B0604020202020204" pitchFamily="34" charset="0"/>
+                </a:rPr>
+                <a:t>1000</a:t>
+              </a:r>
+            </a:p>
+          </p:txBody>
+        </p:sp>
+        <p:sp>
+          <p:nvSpPr>
+            <p:cNvPr id="27" name="Left Brace 26">
+              <a:extLst>
+                <a:ext uri="{FF2B5EF4-FFF2-40B4-BE49-F238E27FC236}">
+                  <a16:creationId xmlns:a16="http://schemas.microsoft.com/office/drawing/2014/main" id="{12BE84EC-1853-B946-AE3B-101D7A00D713}"/>
+                </a:ext>
+              </a:extLst>
+            </p:cNvPr>
+            <p:cNvSpPr/>
+            <p:nvPr/>
+          </p:nvSpPr>
+          <p:spPr>
+            <a:xfrm rot="16200000">
+              <a:off x="5479520" y="2540935"/>
+              <a:ext cx="93248" cy="1043637"/>
+            </a:xfrm>
+            <a:prstGeom prst="leftBrace">
+              <a:avLst>
+                <a:gd name="adj1" fmla="val 8333"/>
+                <a:gd name="adj2" fmla="val 50895"/>
+              </a:avLst>
+            </a:prstGeom>
+          </p:spPr>
+          <p:style>
+            <a:lnRef idx="1">
+              <a:schemeClr val="dk1"/>
+            </a:lnRef>
+            <a:fillRef idx="0">
+              <a:schemeClr val="dk1"/>
+            </a:fillRef>
+            <a:effectRef idx="0">
+              <a:schemeClr val="dk1"/>
+            </a:effectRef>
+            <a:fontRef idx="minor">
+              <a:schemeClr val="tx1"/>
+            </a:fontRef>
+          </p:style>
+          <p:txBody>
+            <a:bodyPr rot="0" spcFirstLastPara="0" vert="horz" wrap="square" lIns="18288" tIns="9144" rIns="18288" bIns="9144" numCol="1" spcCol="0" rtlCol="0" fromWordArt="0" anchor="ctr" anchorCtr="0" forceAA="0" compatLnSpc="1">
+              <a:prstTxWarp prst="textNoShape">
+                <a:avLst/>
+              </a:prstTxWarp>
+              <a:noAutofit/>
+            </a:bodyPr>
+            <a:lstStyle/>
+            <a:p>
+              <a:endParaRPr lang="en-US" sz="700" dirty="0">
+                <a:solidFill>
+                  <a:schemeClr val="bg2">
+                    <a:lumMod val="90000"/>
+                  </a:schemeClr>
+                </a:solidFill>
+              </a:endParaRPr>
+            </a:p>
+          </p:txBody>
+        </p:sp>
+        <p:sp>
+          <p:nvSpPr>
+            <p:cNvPr id="28" name="TextBox 27">
+              <a:extLst>
+                <a:ext uri="{FF2B5EF4-FFF2-40B4-BE49-F238E27FC236}">
+                  <a16:creationId xmlns:a16="http://schemas.microsoft.com/office/drawing/2014/main" id="{9B3F82B8-800D-0E4F-BE63-38A0BB05006C}"/>
+                </a:ext>
+              </a:extLst>
+            </p:cNvPr>
+            <p:cNvSpPr txBox="1"/>
+            <p:nvPr/>
+          </p:nvSpPr>
+          <p:spPr>
+            <a:xfrm>
+              <a:off x="5014523" y="3067721"/>
+              <a:ext cx="1043637" cy="230832"/>
+            </a:xfrm>
+            <a:prstGeom prst="rect">
+              <a:avLst/>
+            </a:prstGeom>
+            <a:noFill/>
+          </p:spPr>
+          <p:txBody>
+            <a:bodyPr wrap="square" rtlCol="0">
+              <a:spAutoFit/>
+            </a:bodyPr>
+            <a:lstStyle/>
+            <a:p>
+              <a:pPr algn="ctr"/>
+              <a:r>
+                <a:rPr lang="en-US" sz="900" dirty="0">
+                  <a:latin typeface="Arial" panose="020B0604020202020204" pitchFamily="34" charset="0"/>
+                  <a:cs typeface="Arial" panose="020B0604020202020204" pitchFamily="34" charset="0"/>
+                </a:rPr>
+                <a:t>Discrimination</a:t>
+              </a:r>
+            </a:p>
+          </p:txBody>
+        </p:sp>
+        <p:sp>
+          <p:nvSpPr>
+            <p:cNvPr id="29" name="TextBox 28">
+              <a:extLst>
+                <a:ext uri="{FF2B5EF4-FFF2-40B4-BE49-F238E27FC236}">
+                  <a16:creationId xmlns:a16="http://schemas.microsoft.com/office/drawing/2014/main" id="{11B9F49E-0921-8D4E-99BC-804686145855}"/>
+                </a:ext>
+              </a:extLst>
+            </p:cNvPr>
+            <p:cNvSpPr txBox="1"/>
+            <p:nvPr/>
+          </p:nvSpPr>
+          <p:spPr>
+            <a:xfrm>
+              <a:off x="5983247" y="3067596"/>
+              <a:ext cx="1193694" cy="230832"/>
+            </a:xfrm>
+            <a:prstGeom prst="rect">
+              <a:avLst/>
+            </a:prstGeom>
+            <a:noFill/>
+          </p:spPr>
+          <p:txBody>
+            <a:bodyPr wrap="square" rtlCol="0">
+              <a:spAutoFit/>
+            </a:bodyPr>
+            <a:lstStyle/>
+            <a:p>
+              <a:pPr algn="ctr"/>
+              <a:r>
+                <a:rPr lang="en-US" sz="900" dirty="0">
+                  <a:latin typeface="Arial" panose="020B0604020202020204" pitchFamily="34" charset="0"/>
+                  <a:cs typeface="Arial" panose="020B0604020202020204" pitchFamily="34" charset="0"/>
+                </a:rPr>
+                <a:t>Numerical Estimate</a:t>
+              </a:r>
+            </a:p>
+          </p:txBody>
+        </p:sp>
+        <p:sp>
+          <p:nvSpPr>
+            <p:cNvPr id="35" name="TextBox 34">
+              <a:extLst>
+                <a:ext uri="{FF2B5EF4-FFF2-40B4-BE49-F238E27FC236}">
+                  <a16:creationId xmlns:a16="http://schemas.microsoft.com/office/drawing/2014/main" id="{B711F451-5649-6340-A687-27DC67CA7F39}"/>
+                </a:ext>
+              </a:extLst>
+            </p:cNvPr>
+            <p:cNvSpPr txBox="1"/>
+            <p:nvPr/>
+          </p:nvSpPr>
+          <p:spPr>
+            <a:xfrm>
+              <a:off x="7292837" y="2072777"/>
+              <a:ext cx="598653" cy="184666"/>
+            </a:xfrm>
+            <a:prstGeom prst="rect">
+              <a:avLst/>
+            </a:prstGeom>
+            <a:noFill/>
+          </p:spPr>
+          <p:txBody>
+            <a:bodyPr wrap="square" rtlCol="0">
+              <a:spAutoFit/>
+            </a:bodyPr>
+            <a:lstStyle/>
+            <a:p>
+              <a:r>
+                <a:rPr lang="en-US" sz="600" dirty="0">
+                  <a:latin typeface="Arial" panose="020B0604020202020204" pitchFamily="34" charset="0"/>
+                  <a:cs typeface="Arial" panose="020B0604020202020204" pitchFamily="34" charset="0"/>
+                </a:rPr>
+                <a:t>0.45</a:t>
+              </a:r>
+            </a:p>
+          </p:txBody>
+        </p:sp>
+        <p:sp>
+          <p:nvSpPr>
+            <p:cNvPr id="38" name="TextBox 37">
+              <a:extLst>
+                <a:ext uri="{FF2B5EF4-FFF2-40B4-BE49-F238E27FC236}">
+                  <a16:creationId xmlns:a16="http://schemas.microsoft.com/office/drawing/2014/main" id="{B0BB87D8-C860-C24B-BBE2-1A74556F1AA5}"/>
+                </a:ext>
+              </a:extLst>
+            </p:cNvPr>
+            <p:cNvSpPr txBox="1"/>
+            <p:nvPr/>
+          </p:nvSpPr>
+          <p:spPr>
+            <a:xfrm>
+              <a:off x="7292837" y="2453791"/>
+              <a:ext cx="598653" cy="184666"/>
+            </a:xfrm>
+            <a:prstGeom prst="rect">
+              <a:avLst/>
+            </a:prstGeom>
+            <a:noFill/>
+          </p:spPr>
+          <p:txBody>
+            <a:bodyPr wrap="square" rtlCol="0">
+              <a:spAutoFit/>
+            </a:bodyPr>
+            <a:lstStyle/>
+            <a:p>
+              <a:r>
+                <a:rPr lang="en-US" sz="600" dirty="0">
+                  <a:latin typeface="Arial" panose="020B0604020202020204" pitchFamily="34" charset="0"/>
+                  <a:cs typeface="Arial" panose="020B0604020202020204" pitchFamily="34" charset="0"/>
+                </a:rPr>
+                <a:t>0.30</a:t>
+              </a:r>
+            </a:p>
+          </p:txBody>
+        </p:sp>
+        <p:sp>
+          <p:nvSpPr>
+            <p:cNvPr id="39" name="TextBox 38">
+              <a:extLst>
+                <a:ext uri="{FF2B5EF4-FFF2-40B4-BE49-F238E27FC236}">
+                  <a16:creationId xmlns:a16="http://schemas.microsoft.com/office/drawing/2014/main" id="{BDBCE01A-D0CF-FD4B-A7FB-AC93A8B93163}"/>
+                </a:ext>
+              </a:extLst>
+            </p:cNvPr>
+            <p:cNvSpPr txBox="1"/>
+            <p:nvPr/>
+          </p:nvSpPr>
+          <p:spPr>
+            <a:xfrm>
+              <a:off x="7403707" y="2612062"/>
+              <a:ext cx="730173" cy="184666"/>
+            </a:xfrm>
+            <a:prstGeom prst="rect">
+              <a:avLst/>
+            </a:prstGeom>
+            <a:noFill/>
+          </p:spPr>
+          <p:txBody>
+            <a:bodyPr wrap="square" rtlCol="0">
+              <a:spAutoFit/>
+            </a:bodyPr>
+            <a:lstStyle/>
+            <a:p>
+              <a:r>
+                <a:rPr lang="en-US" sz="600" dirty="0">
+                  <a:latin typeface="Arial" panose="020B0604020202020204" pitchFamily="34" charset="0"/>
+                  <a:cs typeface="Arial" panose="020B0604020202020204" pitchFamily="34" charset="0"/>
+                </a:rPr>
+                <a:t> 0.16</a:t>
+              </a:r>
+            </a:p>
+          </p:txBody>
+        </p:sp>
+        <p:sp>
+          <p:nvSpPr>
+            <p:cNvPr id="40" name="TextBox 39">
+              <a:extLst>
+                <a:ext uri="{FF2B5EF4-FFF2-40B4-BE49-F238E27FC236}">
+                  <a16:creationId xmlns:a16="http://schemas.microsoft.com/office/drawing/2014/main" id="{B419D4D2-B9F2-2243-894D-B8C0BDBD4300}"/>
+                </a:ext>
+              </a:extLst>
+            </p:cNvPr>
+            <p:cNvSpPr txBox="1"/>
+            <p:nvPr/>
+          </p:nvSpPr>
+          <p:spPr>
+            <a:xfrm>
+              <a:off x="7589806" y="2598535"/>
+              <a:ext cx="294800" cy="261610"/>
+            </a:xfrm>
+            <a:prstGeom prst="rect">
+              <a:avLst/>
+            </a:prstGeom>
+            <a:noFill/>
+            <a:ln>
+              <a:noFill/>
+            </a:ln>
+          </p:spPr>
+          <p:txBody>
+            <a:bodyPr wrap="square" rtlCol="0">
+              <a:spAutoFit/>
+            </a:bodyPr>
+            <a:lstStyle/>
+            <a:p>
+              <a:r>
+                <a:rPr lang="en-US" sz="1100" dirty="0">
+                  <a:latin typeface="Arial" panose="020B0604020202020204" pitchFamily="34" charset="0"/>
+                  <a:cs typeface="Arial" panose="020B0604020202020204" pitchFamily="34" charset="0"/>
+                </a:rPr>
+                <a:t>*</a:t>
+              </a:r>
+            </a:p>
+          </p:txBody>
+        </p:sp>
+        <p:sp>
+          <p:nvSpPr>
+            <p:cNvPr id="41" name="TextBox 40">
+              <a:extLst>
+                <a:ext uri="{FF2B5EF4-FFF2-40B4-BE49-F238E27FC236}">
+                  <a16:creationId xmlns:a16="http://schemas.microsoft.com/office/drawing/2014/main" id="{EAE2F7D4-5C0D-8B4B-834B-C3C42CCA6198}"/>
+                </a:ext>
+              </a:extLst>
+            </p:cNvPr>
+            <p:cNvSpPr txBox="1"/>
+            <p:nvPr/>
+          </p:nvSpPr>
+          <p:spPr>
+            <a:xfrm rot="5400000">
+              <a:off x="6675362" y="1716065"/>
+              <a:ext cx="2108908" cy="230832"/>
+            </a:xfrm>
+            <a:prstGeom prst="rect">
+              <a:avLst/>
+            </a:prstGeom>
+            <a:noFill/>
+          </p:spPr>
+          <p:txBody>
+            <a:bodyPr wrap="square" rtlCol="0">
+              <a:spAutoFit/>
+            </a:bodyPr>
+            <a:lstStyle/>
+            <a:p>
+              <a:pPr algn="ctr"/>
+              <a:r>
+                <a:rPr lang="en-US" sz="900" dirty="0">
+                  <a:latin typeface="Arial" panose="020B0604020202020204" pitchFamily="34" charset="0"/>
+                  <a:cs typeface="Arial" panose="020B0604020202020204" pitchFamily="34" charset="0"/>
+                </a:rPr>
+                <a:t>Correlation (r)</a:t>
+              </a:r>
+            </a:p>
+          </p:txBody>
+        </p:sp>
+        <p:sp>
+          <p:nvSpPr>
+            <p:cNvPr id="34" name="TextBox 33">
+              <a:extLst>
+                <a:ext uri="{FF2B5EF4-FFF2-40B4-BE49-F238E27FC236}">
+                  <a16:creationId xmlns:a16="http://schemas.microsoft.com/office/drawing/2014/main" id="{1DE9CCC6-4016-5144-8AF6-780928D3A488}"/>
+                </a:ext>
+              </a:extLst>
+            </p:cNvPr>
+            <p:cNvSpPr txBox="1"/>
+            <p:nvPr/>
+          </p:nvSpPr>
+          <p:spPr>
+            <a:xfrm>
+              <a:off x="7292840" y="936697"/>
+              <a:ext cx="598653" cy="184666"/>
+            </a:xfrm>
+            <a:prstGeom prst="rect">
+              <a:avLst/>
+            </a:prstGeom>
+            <a:noFill/>
+          </p:spPr>
+          <p:txBody>
+            <a:bodyPr wrap="square" rtlCol="0">
+              <a:spAutoFit/>
+            </a:bodyPr>
+            <a:lstStyle/>
+            <a:p>
+              <a:r>
+                <a:rPr lang="en-US" sz="600" dirty="0">
+                  <a:latin typeface="Arial" panose="020B0604020202020204" pitchFamily="34" charset="0"/>
+                  <a:cs typeface="Arial" panose="020B0604020202020204" pitchFamily="34" charset="0"/>
+                </a:rPr>
+                <a:t>0.90</a:t>
+              </a:r>
+            </a:p>
+          </p:txBody>
+        </p:sp>
+        <p:pic>
+          <p:nvPicPr>
+            <p:cNvPr id="4" name="Picture 3">
+              <a:extLst>
+                <a:ext uri="{FF2B5EF4-FFF2-40B4-BE49-F238E27FC236}">
+                  <a16:creationId xmlns:a16="http://schemas.microsoft.com/office/drawing/2014/main" id="{E54F475D-3091-1945-BCE7-3957F533095A}"/>
+                </a:ext>
+              </a:extLst>
+            </p:cNvPr>
+            <p:cNvPicPr>
+              <a:picLocks noChangeAspect="1"/>
+            </p:cNvPicPr>
+            <p:nvPr/>
+          </p:nvPicPr>
+          <p:blipFill rotWithShape="1">
+            <a:blip r:embed="rId2"/>
+            <a:srcRect l="28146" t="18763" r="56636" b="65812"/>
+            <a:stretch/>
+          </p:blipFill>
+          <p:spPr>
+            <a:xfrm>
+              <a:off x="5030635" y="791184"/>
+              <a:ext cx="1029412" cy="1043443"/>
+            </a:xfrm>
+            <a:prstGeom prst="rect">
+              <a:avLst/>
+            </a:prstGeom>
+          </p:spPr>
+        </p:pic>
+        <p:pic>
+          <p:nvPicPr>
+            <p:cNvPr id="37" name="Picture 36">
+              <a:extLst>
+                <a:ext uri="{FF2B5EF4-FFF2-40B4-BE49-F238E27FC236}">
+                  <a16:creationId xmlns:a16="http://schemas.microsoft.com/office/drawing/2014/main" id="{312CEFC0-632E-6849-B2F2-93298AD9377F}"/>
+                </a:ext>
+              </a:extLst>
+            </p:cNvPr>
+            <p:cNvPicPr>
+              <a:picLocks noChangeAspect="1"/>
+            </p:cNvPicPr>
+            <p:nvPr/>
+          </p:nvPicPr>
+          <p:blipFill rotWithShape="1">
+            <a:blip r:embed="rId2"/>
+            <a:srcRect l="59022" t="49937" r="25462" b="34846"/>
+            <a:stretch/>
+          </p:blipFill>
+          <p:spPr>
+            <a:xfrm>
+              <a:off x="6075143" y="1848802"/>
+              <a:ext cx="1026391" cy="1037131"/>
+            </a:xfrm>
+            <a:prstGeom prst="rect">
+              <a:avLst/>
+            </a:prstGeom>
+          </p:spPr>
+        </p:pic>
+        <p:pic>
+          <p:nvPicPr>
+            <p:cNvPr id="43" name="Picture 42">
+              <a:extLst>
+                <a:ext uri="{FF2B5EF4-FFF2-40B4-BE49-F238E27FC236}">
+                  <a16:creationId xmlns:a16="http://schemas.microsoft.com/office/drawing/2014/main" id="{FE01C7DA-78CB-5B4E-ACD0-A74FB530F0CF}"/>
+                </a:ext>
+              </a:extLst>
+            </p:cNvPr>
+            <p:cNvPicPr>
+              <a:picLocks noChangeAspect="1"/>
+            </p:cNvPicPr>
+            <p:nvPr/>
+          </p:nvPicPr>
+          <p:blipFill rotWithShape="1">
+            <a:blip r:embed="rId2"/>
+            <a:srcRect l="27934" t="49945" r="56848" b="34859"/>
+            <a:stretch/>
+          </p:blipFill>
+          <p:spPr>
+            <a:xfrm>
+              <a:off x="5030557" y="1846324"/>
+              <a:ext cx="1027077" cy="1042208"/>
+            </a:xfrm>
+            <a:prstGeom prst="rect">
+              <a:avLst/>
+            </a:prstGeom>
+          </p:spPr>
+        </p:pic>
+        <p:pic>
+          <p:nvPicPr>
+            <p:cNvPr id="44" name="Picture 43">
+              <a:extLst>
+                <a:ext uri="{FF2B5EF4-FFF2-40B4-BE49-F238E27FC236}">
+                  <a16:creationId xmlns:a16="http://schemas.microsoft.com/office/drawing/2014/main" id="{D25F2B97-E982-A44B-89B5-9C975D948140}"/>
+                </a:ext>
+              </a:extLst>
+            </p:cNvPr>
+            <p:cNvPicPr>
+              <a:picLocks noChangeAspect="1"/>
+            </p:cNvPicPr>
+            <p:nvPr/>
+          </p:nvPicPr>
+          <p:blipFill rotWithShape="1">
+            <a:blip r:embed="rId2"/>
+            <a:srcRect l="58901" t="18718" r="25575" b="65887"/>
+            <a:stretch/>
+          </p:blipFill>
+          <p:spPr>
+            <a:xfrm>
+              <a:off x="6071503" y="791184"/>
+              <a:ext cx="1026391" cy="1044759"/>
+            </a:xfrm>
+            <a:prstGeom prst="rect">
+              <a:avLst/>
+            </a:prstGeom>
+          </p:spPr>
+        </p:pic>
+        <p:pic>
+          <p:nvPicPr>
+            <p:cNvPr id="45" name="Picture 44">
+              <a:extLst>
+                <a:ext uri="{FF2B5EF4-FFF2-40B4-BE49-F238E27FC236}">
+                  <a16:creationId xmlns:a16="http://schemas.microsoft.com/office/drawing/2014/main" id="{D9891037-1BD2-E94D-ABB3-C18BA460A4C9}"/>
+                </a:ext>
+              </a:extLst>
+            </p:cNvPr>
+            <p:cNvPicPr>
+              <a:picLocks noChangeAspect="1"/>
+            </p:cNvPicPr>
+            <p:nvPr/>
+          </p:nvPicPr>
+          <p:blipFill rotWithShape="1">
+            <a:blip r:embed="rId2"/>
+            <a:srcRect l="78300" t="18655" r="18146" b="19097"/>
+            <a:stretch/>
+          </p:blipFill>
+          <p:spPr>
+            <a:xfrm>
+              <a:off x="7202419" y="774043"/>
+              <a:ext cx="169826" cy="2115204"/>
+            </a:xfrm>
+            <a:prstGeom prst="rect">
+              <a:avLst/>
+            </a:prstGeom>
+          </p:spPr>
+        </p:pic>
+        <p:sp>
+          <p:nvSpPr>
+            <p:cNvPr id="46" name="TextBox 45">
+              <a:extLst>
+                <a:ext uri="{FF2B5EF4-FFF2-40B4-BE49-F238E27FC236}">
+                  <a16:creationId xmlns:a16="http://schemas.microsoft.com/office/drawing/2014/main" id="{F54C1CA3-3C20-8941-8A8B-EE7794D7A862}"/>
+                </a:ext>
+              </a:extLst>
+            </p:cNvPr>
+            <p:cNvSpPr txBox="1"/>
+            <p:nvPr/>
+          </p:nvSpPr>
+          <p:spPr>
+            <a:xfrm>
+              <a:off x="7292839" y="1310749"/>
+              <a:ext cx="598653" cy="184666"/>
+            </a:xfrm>
+            <a:prstGeom prst="rect">
+              <a:avLst/>
+            </a:prstGeom>
+            <a:noFill/>
+          </p:spPr>
+          <p:txBody>
+            <a:bodyPr wrap="square" rtlCol="0">
+              <a:spAutoFit/>
+            </a:bodyPr>
+            <a:lstStyle/>
+            <a:p>
+              <a:r>
+                <a:rPr lang="en-US" sz="600" dirty="0">
+                  <a:latin typeface="Arial" panose="020B0604020202020204" pitchFamily="34" charset="0"/>
+                  <a:cs typeface="Arial" panose="020B0604020202020204" pitchFamily="34" charset="0"/>
+                </a:rPr>
+                <a:t>0.75</a:t>
+              </a:r>
+            </a:p>
+          </p:txBody>
+        </p:sp>
+        <p:sp>
+          <p:nvSpPr>
+            <p:cNvPr id="47" name="TextBox 46">
+              <a:extLst>
+                <a:ext uri="{FF2B5EF4-FFF2-40B4-BE49-F238E27FC236}">
+                  <a16:creationId xmlns:a16="http://schemas.microsoft.com/office/drawing/2014/main" id="{4F93E440-8314-F340-BE59-CCE8A771FF57}"/>
+                </a:ext>
+              </a:extLst>
+            </p:cNvPr>
+            <p:cNvSpPr txBox="1"/>
+            <p:nvPr/>
+          </p:nvSpPr>
+          <p:spPr>
+            <a:xfrm>
+              <a:off x="7292838" y="1691763"/>
+              <a:ext cx="598653" cy="184666"/>
+            </a:xfrm>
+            <a:prstGeom prst="rect">
+              <a:avLst/>
+            </a:prstGeom>
+            <a:noFill/>
+          </p:spPr>
+          <p:txBody>
+            <a:bodyPr wrap="square" rtlCol="0">
+              <a:spAutoFit/>
+            </a:bodyPr>
+            <a:lstStyle/>
+            <a:p>
+              <a:r>
+                <a:rPr lang="en-US" sz="600" dirty="0">
+                  <a:latin typeface="Arial" panose="020B0604020202020204" pitchFamily="34" charset="0"/>
+                  <a:cs typeface="Arial" panose="020B0604020202020204" pitchFamily="34" charset="0"/>
+                </a:rPr>
+                <a:t>0.60</a:t>
+              </a:r>
+            </a:p>
+          </p:txBody>
+        </p:sp>
+        <p:cxnSp>
+          <p:nvCxnSpPr>
+            <p:cNvPr id="42" name="Straight Connector 41">
+              <a:extLst>
+                <a:ext uri="{FF2B5EF4-FFF2-40B4-BE49-F238E27FC236}">
+                  <a16:creationId xmlns:a16="http://schemas.microsoft.com/office/drawing/2014/main" id="{26F23C37-9D2A-4142-8160-6CF89ACF3197}"/>
+                </a:ext>
+              </a:extLst>
+            </p:cNvPr>
+            <p:cNvCxnSpPr>
+              <a:cxnSpLocks/>
+            </p:cNvCxnSpPr>
+            <p:nvPr/>
+          </p:nvCxnSpPr>
+          <p:spPr>
+            <a:xfrm>
+              <a:off x="7211224" y="2706101"/>
+              <a:ext cx="286178" cy="0"/>
+            </a:xfrm>
+            <a:prstGeom prst="line">
+              <a:avLst/>
+            </a:prstGeom>
+            <a:ln w="12700">
+              <a:solidFill>
+                <a:schemeClr val="tx1"/>
+              </a:solidFill>
+            </a:ln>
+          </p:spPr>
+          <p:style>
+            <a:lnRef idx="1">
+              <a:schemeClr val="accent1"/>
+            </a:lnRef>
+            <a:fillRef idx="0">
+              <a:schemeClr val="accent1"/>
+            </a:fillRef>
+            <a:effectRef idx="0">
+              <a:schemeClr val="accent1"/>
+            </a:effectRef>
+            <a:fontRef idx="minor">
+              <a:schemeClr val="tx1"/>
+            </a:fontRef>
+          </p:style>
+        </p:cxnSp>
+      </p:grpSp>
+    </p:spTree>
+    <p:extLst>
+      <p:ext uri="{BB962C8B-B14F-4D97-AF65-F5344CB8AC3E}">
+        <p14:creationId xmlns:p14="http://schemas.microsoft.com/office/powerpoint/2010/main" val="821222635"/>
+      </p:ext>
+    </p:extLst>
+  </p:cSld>
+  <p:clrMapOvr>
+    <a:masterClrMapping/>
+  </p:clrMapOvr>
+</p:sld>
+</file>
+
+<file path=ppt/slides/slide9.xml><?xml version="1.0" encoding="utf-8"?>
+<p:sld xmlns:a="http://schemas.openxmlformats.org/drawingml/2006/main" xmlns:r="http://schemas.openxmlformats.org/officeDocument/2006/relationships" xmlns:p="http://schemas.openxmlformats.org/presentationml/2006/main">
+  <p:cSld>
+    <p:spTree>
+      <p:nvGrpSpPr>
+        <p:cNvPr id="1" name=""/>
+        <p:cNvGrpSpPr/>
+        <p:nvPr/>
+      </p:nvGrpSpPr>
+      <p:grpSpPr>
+        <a:xfrm>
+          <a:off x="0" y="0"/>
+          <a:ext cx="0" cy="0"/>
+          <a:chOff x="0" y="0"/>
+          <a:chExt cx="0" cy="0"/>
+        </a:xfrm>
+      </p:grpSpPr>
+      <p:sp>
+        <p:nvSpPr>
+          <p:cNvPr id="8" name="TextBox 7">
+            <a:extLst>
+              <a:ext uri="{FF2B5EF4-FFF2-40B4-BE49-F238E27FC236}">
+                <a16:creationId xmlns:a16="http://schemas.microsoft.com/office/drawing/2014/main" id="{22F21AD6-01E3-B346-9186-A3854DA0E71B}"/>
+              </a:ext>
+            </a:extLst>
+          </p:cNvPr>
+          <p:cNvSpPr txBox="1"/>
+          <p:nvPr/>
+        </p:nvSpPr>
+        <p:spPr>
+          <a:xfrm rot="16200000">
+            <a:off x="4756637" y="865891"/>
+            <a:ext cx="368652" cy="215444"/>
+          </a:xfrm>
+          <a:prstGeom prst="rect">
+            <a:avLst/>
+          </a:prstGeom>
+          <a:noFill/>
+        </p:spPr>
+        <p:txBody>
+          <a:bodyPr wrap="square" rtlCol="0">
+            <a:spAutoFit/>
+          </a:bodyPr>
+          <a:lstStyle/>
+          <a:p>
+            <a:pPr algn="ctr"/>
+            <a:r>
+              <a:rPr lang="en-US" sz="800" dirty="0">
+                <a:latin typeface="Arial" panose="020B0604020202020204" pitchFamily="34" charset="0"/>
+                <a:cs typeface="Arial" panose="020B0604020202020204" pitchFamily="34" charset="0"/>
+              </a:rPr>
+              <a:t>125</a:t>
+            </a:r>
+          </a:p>
+        </p:txBody>
+      </p:sp>
+      <p:sp>
+        <p:nvSpPr>
+          <p:cNvPr id="9" name="TextBox 8">
+            <a:extLst>
+              <a:ext uri="{FF2B5EF4-FFF2-40B4-BE49-F238E27FC236}">
+                <a16:creationId xmlns:a16="http://schemas.microsoft.com/office/drawing/2014/main" id="{FE70D868-8FE7-6948-B67B-E2C773DDB95D}"/>
+              </a:ext>
+            </a:extLst>
+          </p:cNvPr>
+          <p:cNvSpPr txBox="1"/>
+          <p:nvPr/>
+        </p:nvSpPr>
+        <p:spPr>
+          <a:xfrm rot="16200000">
+            <a:off x="4739351" y="1198973"/>
+            <a:ext cx="406330" cy="215444"/>
+          </a:xfrm>
+          <a:prstGeom prst="rect">
+            <a:avLst/>
+          </a:prstGeom>
+          <a:noFill/>
+        </p:spPr>
+        <p:txBody>
+          <a:bodyPr wrap="square" rtlCol="0">
+            <a:spAutoFit/>
+          </a:bodyPr>
+          <a:lstStyle/>
+          <a:p>
+            <a:pPr algn="ctr"/>
+            <a:r>
+              <a:rPr lang="en-US" sz="800" dirty="0">
+                <a:latin typeface="Arial" panose="020B0604020202020204" pitchFamily="34" charset="0"/>
+                <a:cs typeface="Arial" panose="020B0604020202020204" pitchFamily="34" charset="0"/>
+              </a:rPr>
+              <a:t>250</a:t>
+            </a:r>
+          </a:p>
+        </p:txBody>
+      </p:sp>
+      <p:sp>
+        <p:nvSpPr>
+          <p:cNvPr id="10" name="TextBox 9">
+            <a:extLst>
+              <a:ext uri="{FF2B5EF4-FFF2-40B4-BE49-F238E27FC236}">
+                <a16:creationId xmlns:a16="http://schemas.microsoft.com/office/drawing/2014/main" id="{9DDCB1AD-8815-F747-A27D-FD7C77FA636D}"/>
+              </a:ext>
+            </a:extLst>
+          </p:cNvPr>
+          <p:cNvSpPr txBox="1"/>
+          <p:nvPr/>
+        </p:nvSpPr>
+        <p:spPr>
+          <a:xfrm rot="16200000">
+            <a:off x="4726666" y="1558849"/>
+            <a:ext cx="428593" cy="215444"/>
+          </a:xfrm>
+          <a:prstGeom prst="rect">
+            <a:avLst/>
+          </a:prstGeom>
+          <a:noFill/>
+        </p:spPr>
+        <p:txBody>
+          <a:bodyPr wrap="square" rtlCol="0">
+            <a:spAutoFit/>
+          </a:bodyPr>
+          <a:lstStyle/>
+          <a:p>
+            <a:pPr algn="ctr"/>
+            <a:r>
+              <a:rPr lang="en-US" sz="800" dirty="0">
+                <a:latin typeface="Arial" panose="020B0604020202020204" pitchFamily="34" charset="0"/>
+                <a:cs typeface="Arial" panose="020B0604020202020204" pitchFamily="34" charset="0"/>
+              </a:rPr>
+              <a:t>1000</a:t>
+            </a:r>
+          </a:p>
+        </p:txBody>
+      </p:sp>
+      <p:sp>
+        <p:nvSpPr>
+          <p:cNvPr id="11" name="TextBox 10">
+            <a:extLst>
+              <a:ext uri="{FF2B5EF4-FFF2-40B4-BE49-F238E27FC236}">
+                <a16:creationId xmlns:a16="http://schemas.microsoft.com/office/drawing/2014/main" id="{4DA43F08-F240-704A-BE67-F28AFCDC6ECF}"/>
+              </a:ext>
+            </a:extLst>
+          </p:cNvPr>
+          <p:cNvSpPr txBox="1"/>
+          <p:nvPr/>
+        </p:nvSpPr>
+        <p:spPr>
+          <a:xfrm rot="16200000">
+            <a:off x="4151926" y="1218811"/>
+            <a:ext cx="1043637" cy="230832"/>
+          </a:xfrm>
+          <a:prstGeom prst="rect">
+            <a:avLst/>
+          </a:prstGeom>
+          <a:noFill/>
+        </p:spPr>
+        <p:txBody>
+          <a:bodyPr wrap="square" rtlCol="0">
+            <a:spAutoFit/>
+          </a:bodyPr>
+          <a:lstStyle/>
+          <a:p>
+            <a:pPr algn="ctr"/>
+            <a:r>
+              <a:rPr lang="en-US" sz="900" dirty="0">
+                <a:latin typeface="Arial" panose="020B0604020202020204" pitchFamily="34" charset="0"/>
+                <a:cs typeface="Arial" panose="020B0604020202020204" pitchFamily="34" charset="0"/>
+              </a:rPr>
+              <a:t>Discrimination</a:t>
+            </a:r>
+          </a:p>
+        </p:txBody>
+      </p:sp>
+      <p:sp>
+        <p:nvSpPr>
+          <p:cNvPr id="12" name="Left Brace 11">
+            <a:extLst>
+              <a:ext uri="{FF2B5EF4-FFF2-40B4-BE49-F238E27FC236}">
+                <a16:creationId xmlns:a16="http://schemas.microsoft.com/office/drawing/2014/main" id="{9B26CDD4-6188-CC44-8189-189CA7EA8151}"/>
+              </a:ext>
+            </a:extLst>
+          </p:cNvPr>
+          <p:cNvSpPr/>
+          <p:nvPr/>
+        </p:nvSpPr>
+        <p:spPr>
+          <a:xfrm>
+            <a:off x="4769081" y="766678"/>
+            <a:ext cx="93248" cy="1060923"/>
+          </a:xfrm>
+          <a:prstGeom prst="leftBrace">
+            <a:avLst>
+              <a:gd name="adj1" fmla="val 8333"/>
+              <a:gd name="adj2" fmla="val 50895"/>
+            </a:avLst>
+          </a:prstGeom>
+        </p:spPr>
+        <p:style>
+          <a:lnRef idx="1">
+            <a:schemeClr val="dk1"/>
+          </a:lnRef>
+          <a:fillRef idx="0">
+            <a:schemeClr val="dk1"/>
+          </a:fillRef>
+          <a:effectRef idx="0">
+            <a:schemeClr val="dk1"/>
+          </a:effectRef>
+          <a:fontRef idx="minor">
+            <a:schemeClr val="tx1"/>
+          </a:fontRef>
+        </p:style>
+        <p:txBody>
+          <a:bodyPr rot="0" spcFirstLastPara="0" vert="horz" wrap="square" lIns="18288" tIns="9144" rIns="18288" bIns="9144" numCol="1" spcCol="0" rtlCol="0" fromWordArt="0" anchor="ctr" anchorCtr="0" forceAA="0" compatLnSpc="1">
+            <a:prstTxWarp prst="textNoShape">
+              <a:avLst/>
+            </a:prstTxWarp>
+            <a:noAutofit/>
+          </a:bodyPr>
+          <a:lstStyle/>
+          <a:p>
+            <a:endParaRPr lang="en-US" sz="700" dirty="0">
+              <a:solidFill>
+                <a:schemeClr val="bg2">
+                  <a:lumMod val="90000"/>
+                </a:schemeClr>
+              </a:solidFill>
+            </a:endParaRPr>
+          </a:p>
+        </p:txBody>
+      </p:sp>
+      <p:sp>
+        <p:nvSpPr>
+          <p:cNvPr id="13" name="TextBox 12">
+            <a:extLst>
+              <a:ext uri="{FF2B5EF4-FFF2-40B4-BE49-F238E27FC236}">
+                <a16:creationId xmlns:a16="http://schemas.microsoft.com/office/drawing/2014/main" id="{B1C08DCA-4EB6-E54E-B9FF-ED90419846C9}"/>
+              </a:ext>
+            </a:extLst>
+          </p:cNvPr>
+          <p:cNvSpPr txBox="1"/>
+          <p:nvPr/>
+        </p:nvSpPr>
+        <p:spPr>
+          <a:xfrm rot="16200000">
+            <a:off x="4753083" y="1945674"/>
+            <a:ext cx="368652" cy="215444"/>
+          </a:xfrm>
+          <a:prstGeom prst="rect">
+            <a:avLst/>
+          </a:prstGeom>
+          <a:noFill/>
+        </p:spPr>
+        <p:txBody>
+          <a:bodyPr wrap="square" rtlCol="0">
+            <a:spAutoFit/>
+          </a:bodyPr>
+          <a:lstStyle/>
+          <a:p>
+            <a:pPr algn="ctr"/>
+            <a:r>
+              <a:rPr lang="en-US" sz="800" dirty="0">
+                <a:latin typeface="Arial" panose="020B0604020202020204" pitchFamily="34" charset="0"/>
+                <a:cs typeface="Arial" panose="020B0604020202020204" pitchFamily="34" charset="0"/>
+              </a:rPr>
+              <a:t>125</a:t>
+            </a:r>
+          </a:p>
+        </p:txBody>
+      </p:sp>
+      <p:sp>
+        <p:nvSpPr>
+          <p:cNvPr id="14" name="TextBox 13">
+            <a:extLst>
+              <a:ext uri="{FF2B5EF4-FFF2-40B4-BE49-F238E27FC236}">
+                <a16:creationId xmlns:a16="http://schemas.microsoft.com/office/drawing/2014/main" id="{6F6C3E44-0D76-E04E-AC64-6F3D5C6A6AA2}"/>
+              </a:ext>
+            </a:extLst>
+          </p:cNvPr>
+          <p:cNvSpPr txBox="1"/>
+          <p:nvPr/>
+        </p:nvSpPr>
+        <p:spPr>
+          <a:xfrm rot="16200000">
+            <a:off x="4735797" y="2278756"/>
+            <a:ext cx="406330" cy="215444"/>
+          </a:xfrm>
+          <a:prstGeom prst="rect">
+            <a:avLst/>
+          </a:prstGeom>
+          <a:noFill/>
+        </p:spPr>
+        <p:txBody>
+          <a:bodyPr wrap="square" rtlCol="0">
+            <a:spAutoFit/>
+          </a:bodyPr>
+          <a:lstStyle/>
+          <a:p>
+            <a:pPr algn="ctr"/>
+            <a:r>
+              <a:rPr lang="en-US" sz="800" dirty="0">
+                <a:latin typeface="Arial" panose="020B0604020202020204" pitchFamily="34" charset="0"/>
+                <a:cs typeface="Arial" panose="020B0604020202020204" pitchFamily="34" charset="0"/>
+              </a:rPr>
+              <a:t>250</a:t>
+            </a:r>
+          </a:p>
+        </p:txBody>
+      </p:sp>
+      <p:sp>
+        <p:nvSpPr>
+          <p:cNvPr id="15" name="TextBox 14">
+            <a:extLst>
+              <a:ext uri="{FF2B5EF4-FFF2-40B4-BE49-F238E27FC236}">
+                <a16:creationId xmlns:a16="http://schemas.microsoft.com/office/drawing/2014/main" id="{32D2C3E1-8BFD-B148-ABA3-2F0042ED0FF9}"/>
+              </a:ext>
+            </a:extLst>
+          </p:cNvPr>
+          <p:cNvSpPr txBox="1"/>
+          <p:nvPr/>
+        </p:nvSpPr>
+        <p:spPr>
+          <a:xfrm rot="16200000">
+            <a:off x="4723112" y="2638632"/>
+            <a:ext cx="428593" cy="215444"/>
+          </a:xfrm>
+          <a:prstGeom prst="rect">
+            <a:avLst/>
+          </a:prstGeom>
+          <a:noFill/>
+        </p:spPr>
+        <p:txBody>
+          <a:bodyPr wrap="square" rtlCol="0">
+            <a:spAutoFit/>
+          </a:bodyPr>
+          <a:lstStyle/>
+          <a:p>
+            <a:pPr algn="ctr"/>
+            <a:r>
+              <a:rPr lang="en-US" sz="800" dirty="0">
+                <a:latin typeface="Arial" panose="020B0604020202020204" pitchFamily="34" charset="0"/>
+                <a:cs typeface="Arial" panose="020B0604020202020204" pitchFamily="34" charset="0"/>
+              </a:rPr>
+              <a:t>1000</a:t>
+            </a:r>
+          </a:p>
+        </p:txBody>
+      </p:sp>
+      <p:sp>
+        <p:nvSpPr>
+          <p:cNvPr id="16" name="TextBox 15">
+            <a:extLst>
+              <a:ext uri="{FF2B5EF4-FFF2-40B4-BE49-F238E27FC236}">
+                <a16:creationId xmlns:a16="http://schemas.microsoft.com/office/drawing/2014/main" id="{1D0E8307-CC6D-5B42-9DD9-BD49C07C71E8}"/>
+              </a:ext>
+            </a:extLst>
+          </p:cNvPr>
+          <p:cNvSpPr txBox="1"/>
+          <p:nvPr/>
+        </p:nvSpPr>
+        <p:spPr>
+          <a:xfrm rot="16200000">
+            <a:off x="4070116" y="2270276"/>
+            <a:ext cx="1200150" cy="230832"/>
+          </a:xfrm>
+          <a:prstGeom prst="rect">
+            <a:avLst/>
+          </a:prstGeom>
+          <a:noFill/>
+        </p:spPr>
+        <p:txBody>
+          <a:bodyPr wrap="square" rtlCol="0">
+            <a:spAutoFit/>
+          </a:bodyPr>
+          <a:lstStyle/>
+          <a:p>
+            <a:pPr algn="ctr"/>
+            <a:r>
+              <a:rPr lang="en-US" sz="900" dirty="0">
+                <a:latin typeface="Arial" panose="020B0604020202020204" pitchFamily="34" charset="0"/>
+                <a:cs typeface="Arial" panose="020B0604020202020204" pitchFamily="34" charset="0"/>
+              </a:rPr>
+              <a:t>Numerical Estimate</a:t>
+            </a:r>
+          </a:p>
+        </p:txBody>
+      </p:sp>
+      <p:sp>
+        <p:nvSpPr>
+          <p:cNvPr id="17" name="Left Brace 16">
+            <a:extLst>
+              <a:ext uri="{FF2B5EF4-FFF2-40B4-BE49-F238E27FC236}">
+                <a16:creationId xmlns:a16="http://schemas.microsoft.com/office/drawing/2014/main" id="{7F215F09-A50E-C444-ADE2-418366168F5A}"/>
+              </a:ext>
+            </a:extLst>
+          </p:cNvPr>
+          <p:cNvSpPr/>
+          <p:nvPr/>
+        </p:nvSpPr>
+        <p:spPr>
+          <a:xfrm>
+            <a:off x="4765527" y="1844036"/>
+            <a:ext cx="93248" cy="1060922"/>
+          </a:xfrm>
+          <a:prstGeom prst="leftBrace">
+            <a:avLst>
+              <a:gd name="adj1" fmla="val 8333"/>
+              <a:gd name="adj2" fmla="val 50895"/>
+            </a:avLst>
+          </a:prstGeom>
+        </p:spPr>
+        <p:style>
+          <a:lnRef idx="1">
+            <a:schemeClr val="dk1"/>
+          </a:lnRef>
+          <a:fillRef idx="0">
+            <a:schemeClr val="dk1"/>
+          </a:fillRef>
+          <a:effectRef idx="0">
+            <a:schemeClr val="dk1"/>
+          </a:effectRef>
+          <a:fontRef idx="minor">
+            <a:schemeClr val="tx1"/>
+          </a:fontRef>
+        </p:style>
+        <p:txBody>
+          <a:bodyPr rot="0" spcFirstLastPara="0" vert="horz" wrap="square" lIns="18288" tIns="9144" rIns="18288" bIns="9144" numCol="1" spcCol="0" rtlCol="0" fromWordArt="0" anchor="ctr" anchorCtr="0" forceAA="0" compatLnSpc="1">
+            <a:prstTxWarp prst="textNoShape">
+              <a:avLst/>
+            </a:prstTxWarp>
+            <a:noAutofit/>
+          </a:bodyPr>
+          <a:lstStyle/>
+          <a:p>
+            <a:endParaRPr lang="en-US" sz="700" dirty="0">
+              <a:solidFill>
+                <a:schemeClr val="bg2">
+                  <a:lumMod val="90000"/>
+                </a:schemeClr>
+              </a:solidFill>
+            </a:endParaRPr>
+          </a:p>
+        </p:txBody>
+      </p:sp>
+      <p:sp>
+        <p:nvSpPr>
+          <p:cNvPr id="19" name="TextBox 18">
+            <a:extLst>
+              <a:ext uri="{FF2B5EF4-FFF2-40B4-BE49-F238E27FC236}">
+                <a16:creationId xmlns:a16="http://schemas.microsoft.com/office/drawing/2014/main" id="{855CE9A2-41F3-B348-9EAD-DD73FFF16426}"/>
+              </a:ext>
+            </a:extLst>
+          </p:cNvPr>
+          <p:cNvSpPr txBox="1"/>
+          <p:nvPr/>
+        </p:nvSpPr>
+        <p:spPr>
+          <a:xfrm>
+            <a:off x="5986032" y="2863835"/>
+            <a:ext cx="566502" cy="215444"/>
+          </a:xfrm>
+          <a:prstGeom prst="rect">
+            <a:avLst/>
+          </a:prstGeom>
+          <a:noFill/>
+        </p:spPr>
+        <p:txBody>
+          <a:bodyPr wrap="square" rtlCol="0">
+            <a:spAutoFit/>
+          </a:bodyPr>
+          <a:lstStyle/>
+          <a:p>
+            <a:pPr algn="ctr"/>
+            <a:r>
+              <a:rPr lang="en-US" sz="800" dirty="0">
+                <a:latin typeface="Arial" panose="020B0604020202020204" pitchFamily="34" charset="0"/>
+                <a:cs typeface="Arial" panose="020B0604020202020204" pitchFamily="34" charset="0"/>
+              </a:rPr>
+              <a:t>125</a:t>
+            </a:r>
+          </a:p>
+        </p:txBody>
+      </p:sp>
+      <p:sp>
+        <p:nvSpPr>
+          <p:cNvPr id="20" name="TextBox 19">
+            <a:extLst>
+              <a:ext uri="{FF2B5EF4-FFF2-40B4-BE49-F238E27FC236}">
+                <a16:creationId xmlns:a16="http://schemas.microsoft.com/office/drawing/2014/main" id="{6355FF97-519D-014E-BD55-6E35517617D0}"/>
+              </a:ext>
+            </a:extLst>
+          </p:cNvPr>
+          <p:cNvSpPr txBox="1"/>
+          <p:nvPr/>
+        </p:nvSpPr>
+        <p:spPr>
+          <a:xfrm>
+            <a:off x="6326873" y="2863835"/>
+            <a:ext cx="566502" cy="215444"/>
+          </a:xfrm>
+          <a:prstGeom prst="rect">
+            <a:avLst/>
+          </a:prstGeom>
+          <a:noFill/>
+        </p:spPr>
+        <p:txBody>
+          <a:bodyPr wrap="square" rtlCol="0">
+            <a:spAutoFit/>
+          </a:bodyPr>
+          <a:lstStyle/>
+          <a:p>
+            <a:pPr algn="ctr"/>
+            <a:r>
+              <a:rPr lang="en-US" sz="800" dirty="0">
+                <a:latin typeface="Arial" panose="020B0604020202020204" pitchFamily="34" charset="0"/>
+                <a:cs typeface="Arial" panose="020B0604020202020204" pitchFamily="34" charset="0"/>
+              </a:rPr>
+              <a:t>250</a:t>
+            </a:r>
+          </a:p>
+        </p:txBody>
+      </p:sp>
+      <p:sp>
+        <p:nvSpPr>
+          <p:cNvPr id="21" name="TextBox 20">
+            <a:extLst>
+              <a:ext uri="{FF2B5EF4-FFF2-40B4-BE49-F238E27FC236}">
+                <a16:creationId xmlns:a16="http://schemas.microsoft.com/office/drawing/2014/main" id="{7A9A3FA0-506F-374B-A175-83EB10485637}"/>
+              </a:ext>
+            </a:extLst>
+          </p:cNvPr>
+          <p:cNvSpPr txBox="1"/>
+          <p:nvPr/>
+        </p:nvSpPr>
+        <p:spPr>
+          <a:xfrm>
+            <a:off x="6619649" y="2861474"/>
+            <a:ext cx="672514" cy="215444"/>
+          </a:xfrm>
+          <a:prstGeom prst="rect">
+            <a:avLst/>
+          </a:prstGeom>
+          <a:noFill/>
+        </p:spPr>
+        <p:txBody>
+          <a:bodyPr wrap="square" rtlCol="0">
+            <a:spAutoFit/>
+          </a:bodyPr>
+          <a:lstStyle/>
+          <a:p>
+            <a:pPr algn="ctr"/>
+            <a:r>
+              <a:rPr lang="en-US" sz="800" dirty="0">
+                <a:latin typeface="Arial" panose="020B0604020202020204" pitchFamily="34" charset="0"/>
+                <a:cs typeface="Arial" panose="020B0604020202020204" pitchFamily="34" charset="0"/>
+              </a:rPr>
+              <a:t>1000</a:t>
+            </a:r>
+          </a:p>
+        </p:txBody>
+      </p:sp>
+      <p:sp>
+        <p:nvSpPr>
+          <p:cNvPr id="22" name="Left Brace 21">
+            <a:extLst>
+              <a:ext uri="{FF2B5EF4-FFF2-40B4-BE49-F238E27FC236}">
+                <a16:creationId xmlns:a16="http://schemas.microsoft.com/office/drawing/2014/main" id="{C841ACAF-5E5B-9040-B9E4-0FB86BA4E895}"/>
+              </a:ext>
+            </a:extLst>
+          </p:cNvPr>
+          <p:cNvSpPr/>
+          <p:nvPr/>
+        </p:nvSpPr>
+        <p:spPr>
+          <a:xfrm rot="16200000">
+            <a:off x="6559711" y="2542998"/>
+            <a:ext cx="93248" cy="1039512"/>
+          </a:xfrm>
+          <a:prstGeom prst="leftBrace">
+            <a:avLst>
+              <a:gd name="adj1" fmla="val 8333"/>
+              <a:gd name="adj2" fmla="val 50895"/>
+            </a:avLst>
+          </a:prstGeom>
+        </p:spPr>
+        <p:style>
+          <a:lnRef idx="1">
+            <a:schemeClr val="dk1"/>
+          </a:lnRef>
+          <a:fillRef idx="0">
+            <a:schemeClr val="dk1"/>
+          </a:fillRef>
+          <a:effectRef idx="0">
+            <a:schemeClr val="dk1"/>
+          </a:effectRef>
+          <a:fontRef idx="minor">
+            <a:schemeClr val="tx1"/>
+          </a:fontRef>
+        </p:style>
+        <p:txBody>
+          <a:bodyPr rot="0" spcFirstLastPara="0" vert="horz" wrap="square" lIns="18288" tIns="9144" rIns="18288" bIns="9144" numCol="1" spcCol="0" rtlCol="0" fromWordArt="0" anchor="ctr" anchorCtr="0" forceAA="0" compatLnSpc="1">
+            <a:prstTxWarp prst="textNoShape">
+              <a:avLst/>
+            </a:prstTxWarp>
+            <a:noAutofit/>
+          </a:bodyPr>
+          <a:lstStyle/>
+          <a:p>
+            <a:endParaRPr lang="en-US" sz="700" dirty="0">
+              <a:solidFill>
+                <a:schemeClr val="bg2">
+                  <a:lumMod val="90000"/>
+                </a:schemeClr>
+              </a:solidFill>
+            </a:endParaRPr>
+          </a:p>
+        </p:txBody>
+      </p:sp>
+      <p:sp>
+        <p:nvSpPr>
+          <p:cNvPr id="24" name="TextBox 23">
+            <a:extLst>
+              <a:ext uri="{FF2B5EF4-FFF2-40B4-BE49-F238E27FC236}">
+                <a16:creationId xmlns:a16="http://schemas.microsoft.com/office/drawing/2014/main" id="{4CDC1819-1C4C-4441-9A0E-D3112E77FB66}"/>
+              </a:ext>
+            </a:extLst>
+          </p:cNvPr>
+          <p:cNvSpPr txBox="1"/>
+          <p:nvPr/>
+        </p:nvSpPr>
+        <p:spPr>
+          <a:xfrm>
+            <a:off x="4910579" y="2863835"/>
+            <a:ext cx="566502" cy="215444"/>
+          </a:xfrm>
+          <a:prstGeom prst="rect">
+            <a:avLst/>
+          </a:prstGeom>
+          <a:noFill/>
+        </p:spPr>
+        <p:txBody>
+          <a:bodyPr wrap="square" rtlCol="0">
+            <a:spAutoFit/>
+          </a:bodyPr>
+          <a:lstStyle/>
+          <a:p>
+            <a:pPr algn="ctr"/>
+            <a:r>
+              <a:rPr lang="en-US" sz="800" dirty="0">
+                <a:latin typeface="Arial" panose="020B0604020202020204" pitchFamily="34" charset="0"/>
+                <a:cs typeface="Arial" panose="020B0604020202020204" pitchFamily="34" charset="0"/>
+              </a:rPr>
+              <a:t>125</a:t>
+            </a:r>
+          </a:p>
+        </p:txBody>
+      </p:sp>
+      <p:sp>
+        <p:nvSpPr>
+          <p:cNvPr id="25" name="TextBox 24">
+            <a:extLst>
+              <a:ext uri="{FF2B5EF4-FFF2-40B4-BE49-F238E27FC236}">
+                <a16:creationId xmlns:a16="http://schemas.microsoft.com/office/drawing/2014/main" id="{DC6AFF7A-C319-A54E-86D0-78D561EB8FBF}"/>
+              </a:ext>
+            </a:extLst>
+          </p:cNvPr>
+          <p:cNvSpPr txBox="1"/>
+          <p:nvPr/>
+        </p:nvSpPr>
+        <p:spPr>
+          <a:xfrm>
+            <a:off x="5264120" y="2863835"/>
+            <a:ext cx="566502" cy="215444"/>
+          </a:xfrm>
+          <a:prstGeom prst="rect">
+            <a:avLst/>
+          </a:prstGeom>
+          <a:noFill/>
+        </p:spPr>
+        <p:txBody>
+          <a:bodyPr wrap="square" rtlCol="0">
+            <a:spAutoFit/>
+          </a:bodyPr>
+          <a:lstStyle/>
+          <a:p>
+            <a:pPr algn="ctr"/>
+            <a:r>
+              <a:rPr lang="en-US" sz="800" dirty="0">
+                <a:latin typeface="Arial" panose="020B0604020202020204" pitchFamily="34" charset="0"/>
+                <a:cs typeface="Arial" panose="020B0604020202020204" pitchFamily="34" charset="0"/>
+              </a:rPr>
+              <a:t>250</a:t>
+            </a:r>
+          </a:p>
+        </p:txBody>
+      </p:sp>
+      <p:sp>
+        <p:nvSpPr>
+          <p:cNvPr id="26" name="TextBox 25">
+            <a:extLst>
+              <a:ext uri="{FF2B5EF4-FFF2-40B4-BE49-F238E27FC236}">
+                <a16:creationId xmlns:a16="http://schemas.microsoft.com/office/drawing/2014/main" id="{5492A3DD-40D8-3948-9292-F94587639FF3}"/>
+              </a:ext>
+            </a:extLst>
+          </p:cNvPr>
+          <p:cNvSpPr txBox="1"/>
+          <p:nvPr/>
+        </p:nvSpPr>
+        <p:spPr>
+          <a:xfrm>
+            <a:off x="5547371" y="2861474"/>
+            <a:ext cx="672514" cy="215444"/>
+          </a:xfrm>
+          <a:prstGeom prst="rect">
+            <a:avLst/>
+          </a:prstGeom>
+          <a:noFill/>
+        </p:spPr>
+        <p:txBody>
+          <a:bodyPr wrap="square" rtlCol="0">
+            <a:spAutoFit/>
+          </a:bodyPr>
+          <a:lstStyle/>
+          <a:p>
+            <a:pPr algn="ctr"/>
+            <a:r>
+              <a:rPr lang="en-US" sz="800" dirty="0">
+                <a:latin typeface="Arial" panose="020B0604020202020204" pitchFamily="34" charset="0"/>
+                <a:cs typeface="Arial" panose="020B0604020202020204" pitchFamily="34" charset="0"/>
+              </a:rPr>
+              <a:t>1000</a:t>
+            </a:r>
+          </a:p>
+        </p:txBody>
+      </p:sp>
+      <p:sp>
+        <p:nvSpPr>
+          <p:cNvPr id="27" name="Left Brace 26">
+            <a:extLst>
+              <a:ext uri="{FF2B5EF4-FFF2-40B4-BE49-F238E27FC236}">
+                <a16:creationId xmlns:a16="http://schemas.microsoft.com/office/drawing/2014/main" id="{12BE84EC-1853-B946-AE3B-101D7A00D713}"/>
+              </a:ext>
+            </a:extLst>
+          </p:cNvPr>
+          <p:cNvSpPr/>
+          <p:nvPr/>
+        </p:nvSpPr>
+        <p:spPr>
+          <a:xfrm rot="16200000">
+            <a:off x="5488998" y="2550412"/>
+            <a:ext cx="93248" cy="1024683"/>
+          </a:xfrm>
+          <a:prstGeom prst="leftBrace">
+            <a:avLst>
+              <a:gd name="adj1" fmla="val 8333"/>
+              <a:gd name="adj2" fmla="val 50895"/>
+            </a:avLst>
+          </a:prstGeom>
+        </p:spPr>
+        <p:style>
+          <a:lnRef idx="1">
+            <a:schemeClr val="dk1"/>
+          </a:lnRef>
+          <a:fillRef idx="0">
+            <a:schemeClr val="dk1"/>
+          </a:fillRef>
+          <a:effectRef idx="0">
+            <a:schemeClr val="dk1"/>
+          </a:effectRef>
+          <a:fontRef idx="minor">
+            <a:schemeClr val="tx1"/>
+          </a:fontRef>
+        </p:style>
+        <p:txBody>
+          <a:bodyPr rot="0" spcFirstLastPara="0" vert="horz" wrap="square" lIns="18288" tIns="9144" rIns="18288" bIns="9144" numCol="1" spcCol="0" rtlCol="0" fromWordArt="0" anchor="ctr" anchorCtr="0" forceAA="0" compatLnSpc="1">
+            <a:prstTxWarp prst="textNoShape">
+              <a:avLst/>
+            </a:prstTxWarp>
+            <a:noAutofit/>
+          </a:bodyPr>
+          <a:lstStyle/>
+          <a:p>
+            <a:endParaRPr lang="en-US" sz="700" dirty="0">
+              <a:solidFill>
+                <a:schemeClr val="bg2">
+                  <a:lumMod val="90000"/>
+                </a:schemeClr>
+              </a:solidFill>
+            </a:endParaRPr>
+          </a:p>
+        </p:txBody>
+      </p:sp>
+      <p:sp>
+        <p:nvSpPr>
+          <p:cNvPr id="28" name="TextBox 27">
+            <a:extLst>
+              <a:ext uri="{FF2B5EF4-FFF2-40B4-BE49-F238E27FC236}">
+                <a16:creationId xmlns:a16="http://schemas.microsoft.com/office/drawing/2014/main" id="{9B3F82B8-800D-0E4F-BE63-38A0BB05006C}"/>
+              </a:ext>
+            </a:extLst>
+          </p:cNvPr>
+          <p:cNvSpPr txBox="1"/>
+          <p:nvPr/>
+        </p:nvSpPr>
+        <p:spPr>
+          <a:xfrm>
+            <a:off x="5014523" y="3067721"/>
+            <a:ext cx="1043637" cy="230832"/>
+          </a:xfrm>
+          <a:prstGeom prst="rect">
+            <a:avLst/>
+          </a:prstGeom>
+          <a:noFill/>
+        </p:spPr>
+        <p:txBody>
+          <a:bodyPr wrap="square" rtlCol="0">
+            <a:spAutoFit/>
+          </a:bodyPr>
+          <a:lstStyle/>
+          <a:p>
+            <a:pPr algn="ctr"/>
+            <a:r>
+              <a:rPr lang="en-US" sz="900" dirty="0">
+                <a:latin typeface="Arial" panose="020B0604020202020204" pitchFamily="34" charset="0"/>
+                <a:cs typeface="Arial" panose="020B0604020202020204" pitchFamily="34" charset="0"/>
+              </a:rPr>
+              <a:t>Discrimination</a:t>
+            </a:r>
+          </a:p>
+        </p:txBody>
+      </p:sp>
+      <p:sp>
+        <p:nvSpPr>
+          <p:cNvPr id="29" name="TextBox 28">
+            <a:extLst>
+              <a:ext uri="{FF2B5EF4-FFF2-40B4-BE49-F238E27FC236}">
+                <a16:creationId xmlns:a16="http://schemas.microsoft.com/office/drawing/2014/main" id="{11B9F49E-0921-8D4E-99BC-804686145855}"/>
+              </a:ext>
+            </a:extLst>
+          </p:cNvPr>
+          <p:cNvSpPr txBox="1"/>
+          <p:nvPr/>
+        </p:nvSpPr>
+        <p:spPr>
+          <a:xfrm>
+            <a:off x="5983247" y="3067596"/>
+            <a:ext cx="1193694" cy="230832"/>
+          </a:xfrm>
+          <a:prstGeom prst="rect">
+            <a:avLst/>
+          </a:prstGeom>
+          <a:noFill/>
+        </p:spPr>
+        <p:txBody>
+          <a:bodyPr wrap="square" rtlCol="0">
+            <a:spAutoFit/>
+          </a:bodyPr>
+          <a:lstStyle/>
+          <a:p>
+            <a:pPr algn="ctr"/>
+            <a:r>
+              <a:rPr lang="en-US" sz="900" dirty="0">
+                <a:latin typeface="Arial" panose="020B0604020202020204" pitchFamily="34" charset="0"/>
+                <a:cs typeface="Arial" panose="020B0604020202020204" pitchFamily="34" charset="0"/>
+              </a:rPr>
+              <a:t>Numerical Estimate</a:t>
+            </a:r>
+          </a:p>
+        </p:txBody>
+      </p:sp>
+      <p:sp>
+        <p:nvSpPr>
+          <p:cNvPr id="35" name="TextBox 34">
+            <a:extLst>
+              <a:ext uri="{FF2B5EF4-FFF2-40B4-BE49-F238E27FC236}">
+                <a16:creationId xmlns:a16="http://schemas.microsoft.com/office/drawing/2014/main" id="{B711F451-5649-6340-A687-27DC67CA7F39}"/>
+              </a:ext>
+            </a:extLst>
+          </p:cNvPr>
+          <p:cNvSpPr txBox="1"/>
+          <p:nvPr/>
+        </p:nvSpPr>
+        <p:spPr>
+          <a:xfrm>
+            <a:off x="7276793" y="2072777"/>
+            <a:ext cx="598653" cy="184666"/>
+          </a:xfrm>
+          <a:prstGeom prst="rect">
+            <a:avLst/>
+          </a:prstGeom>
+          <a:noFill/>
+        </p:spPr>
+        <p:txBody>
+          <a:bodyPr wrap="square" rtlCol="0">
+            <a:spAutoFit/>
+          </a:bodyPr>
+          <a:lstStyle/>
+          <a:p>
+            <a:r>
+              <a:rPr lang="en-US" sz="600" dirty="0">
+                <a:latin typeface="Arial" panose="020B0604020202020204" pitchFamily="34" charset="0"/>
+                <a:cs typeface="Arial" panose="020B0604020202020204" pitchFamily="34" charset="0"/>
+              </a:rPr>
+              <a:t>0.45</a:t>
+            </a:r>
+          </a:p>
+        </p:txBody>
+      </p:sp>
+      <p:sp>
+        <p:nvSpPr>
+          <p:cNvPr id="38" name="TextBox 37">
+            <a:extLst>
+              <a:ext uri="{FF2B5EF4-FFF2-40B4-BE49-F238E27FC236}">
+                <a16:creationId xmlns:a16="http://schemas.microsoft.com/office/drawing/2014/main" id="{B0BB87D8-C860-C24B-BBE2-1A74556F1AA5}"/>
+              </a:ext>
+            </a:extLst>
+          </p:cNvPr>
+          <p:cNvSpPr txBox="1"/>
+          <p:nvPr/>
+        </p:nvSpPr>
+        <p:spPr>
+          <a:xfrm>
+            <a:off x="7276793" y="2453791"/>
+            <a:ext cx="598653" cy="184666"/>
+          </a:xfrm>
+          <a:prstGeom prst="rect">
+            <a:avLst/>
+          </a:prstGeom>
+          <a:noFill/>
+        </p:spPr>
+        <p:txBody>
+          <a:bodyPr wrap="square" rtlCol="0">
+            <a:spAutoFit/>
+          </a:bodyPr>
+          <a:lstStyle/>
+          <a:p>
+            <a:r>
+              <a:rPr lang="en-US" sz="600" dirty="0">
+                <a:latin typeface="Arial" panose="020B0604020202020204" pitchFamily="34" charset="0"/>
+                <a:cs typeface="Arial" panose="020B0604020202020204" pitchFamily="34" charset="0"/>
+              </a:rPr>
+              <a:t>0.30</a:t>
+            </a:r>
+          </a:p>
+        </p:txBody>
+      </p:sp>
+      <p:sp>
+        <p:nvSpPr>
+          <p:cNvPr id="39" name="TextBox 38">
+            <a:extLst>
+              <a:ext uri="{FF2B5EF4-FFF2-40B4-BE49-F238E27FC236}">
+                <a16:creationId xmlns:a16="http://schemas.microsoft.com/office/drawing/2014/main" id="{BDBCE01A-D0CF-FD4B-A7FB-AC93A8B93163}"/>
+              </a:ext>
+            </a:extLst>
+          </p:cNvPr>
+          <p:cNvSpPr txBox="1"/>
+          <p:nvPr/>
+        </p:nvSpPr>
+        <p:spPr>
+          <a:xfrm>
+            <a:off x="7387663" y="2624095"/>
+            <a:ext cx="730173" cy="184666"/>
+          </a:xfrm>
+          <a:prstGeom prst="rect">
+            <a:avLst/>
+          </a:prstGeom>
+          <a:noFill/>
+        </p:spPr>
+        <p:txBody>
+          <a:bodyPr wrap="square" rtlCol="0">
+            <a:spAutoFit/>
+          </a:bodyPr>
+          <a:lstStyle/>
+          <a:p>
+            <a:r>
+              <a:rPr lang="en-US" sz="600" dirty="0">
+                <a:latin typeface="Arial" panose="020B0604020202020204" pitchFamily="34" charset="0"/>
+                <a:cs typeface="Arial" panose="020B0604020202020204" pitchFamily="34" charset="0"/>
+              </a:rPr>
+              <a:t> 0.16</a:t>
+            </a:r>
+          </a:p>
+        </p:txBody>
+      </p:sp>
+      <p:sp>
+        <p:nvSpPr>
+          <p:cNvPr id="40" name="TextBox 39">
+            <a:extLst>
+              <a:ext uri="{FF2B5EF4-FFF2-40B4-BE49-F238E27FC236}">
+                <a16:creationId xmlns:a16="http://schemas.microsoft.com/office/drawing/2014/main" id="{B419D4D2-B9F2-2243-894D-B8C0BDBD4300}"/>
+              </a:ext>
+            </a:extLst>
+          </p:cNvPr>
+          <p:cNvSpPr txBox="1"/>
+          <p:nvPr/>
+        </p:nvSpPr>
+        <p:spPr>
+          <a:xfrm>
+            <a:off x="7573762" y="2610568"/>
+            <a:ext cx="294800" cy="261610"/>
+          </a:xfrm>
+          <a:prstGeom prst="rect">
+            <a:avLst/>
+          </a:prstGeom>
+          <a:noFill/>
+          <a:ln>
+            <a:noFill/>
+          </a:ln>
+        </p:spPr>
+        <p:txBody>
+          <a:bodyPr wrap="square" rtlCol="0">
+            <a:spAutoFit/>
+          </a:bodyPr>
+          <a:lstStyle/>
+          <a:p>
+            <a:r>
+              <a:rPr lang="en-US" sz="1100" dirty="0">
+                <a:latin typeface="Arial" panose="020B0604020202020204" pitchFamily="34" charset="0"/>
+                <a:cs typeface="Arial" panose="020B0604020202020204" pitchFamily="34" charset="0"/>
+              </a:rPr>
+              <a:t>*</a:t>
+            </a:r>
+          </a:p>
+        </p:txBody>
+      </p:sp>
+      <p:sp>
+        <p:nvSpPr>
+          <p:cNvPr id="41" name="TextBox 40">
+            <a:extLst>
+              <a:ext uri="{FF2B5EF4-FFF2-40B4-BE49-F238E27FC236}">
+                <a16:creationId xmlns:a16="http://schemas.microsoft.com/office/drawing/2014/main" id="{EAE2F7D4-5C0D-8B4B-834B-C3C42CCA6198}"/>
+              </a:ext>
+            </a:extLst>
+          </p:cNvPr>
+          <p:cNvSpPr txBox="1"/>
+          <p:nvPr/>
+        </p:nvSpPr>
+        <p:spPr>
+          <a:xfrm rot="5400000">
+            <a:off x="6675362" y="1716065"/>
+            <a:ext cx="2108908" cy="230832"/>
+          </a:xfrm>
+          <a:prstGeom prst="rect">
+            <a:avLst/>
+          </a:prstGeom>
+          <a:noFill/>
+        </p:spPr>
+        <p:txBody>
+          <a:bodyPr wrap="square" rtlCol="0">
+            <a:spAutoFit/>
+          </a:bodyPr>
+          <a:lstStyle/>
+          <a:p>
+            <a:pPr algn="ctr"/>
+            <a:r>
+              <a:rPr lang="en-US" sz="900" dirty="0">
+                <a:latin typeface="Arial" panose="020B0604020202020204" pitchFamily="34" charset="0"/>
+                <a:cs typeface="Arial" panose="020B0604020202020204" pitchFamily="34" charset="0"/>
+              </a:rPr>
+              <a:t>Correlation (r)</a:t>
+            </a:r>
+          </a:p>
+        </p:txBody>
+      </p:sp>
+      <p:sp>
+        <p:nvSpPr>
+          <p:cNvPr id="34" name="TextBox 33">
+            <a:extLst>
+              <a:ext uri="{FF2B5EF4-FFF2-40B4-BE49-F238E27FC236}">
+                <a16:creationId xmlns:a16="http://schemas.microsoft.com/office/drawing/2014/main" id="{1DE9CCC6-4016-5144-8AF6-780928D3A488}"/>
+              </a:ext>
+            </a:extLst>
+          </p:cNvPr>
+          <p:cNvSpPr txBox="1"/>
+          <p:nvPr/>
+        </p:nvSpPr>
+        <p:spPr>
+          <a:xfrm>
+            <a:off x="7276796" y="936697"/>
+            <a:ext cx="598653" cy="184666"/>
+          </a:xfrm>
+          <a:prstGeom prst="rect">
+            <a:avLst/>
+          </a:prstGeom>
+          <a:noFill/>
+        </p:spPr>
+        <p:txBody>
+          <a:bodyPr wrap="square" rtlCol="0">
+            <a:spAutoFit/>
+          </a:bodyPr>
+          <a:lstStyle/>
+          <a:p>
+            <a:r>
+              <a:rPr lang="en-US" sz="600" dirty="0">
+                <a:latin typeface="Arial" panose="020B0604020202020204" pitchFamily="34" charset="0"/>
+                <a:cs typeface="Arial" panose="020B0604020202020204" pitchFamily="34" charset="0"/>
+              </a:rPr>
+              <a:t>0.90</a:t>
+            </a:r>
+          </a:p>
+        </p:txBody>
+      </p:sp>
+      <p:sp>
+        <p:nvSpPr>
+          <p:cNvPr id="46" name="TextBox 45">
+            <a:extLst>
+              <a:ext uri="{FF2B5EF4-FFF2-40B4-BE49-F238E27FC236}">
+                <a16:creationId xmlns:a16="http://schemas.microsoft.com/office/drawing/2014/main" id="{F54C1CA3-3C20-8941-8A8B-EE7794D7A862}"/>
+              </a:ext>
+            </a:extLst>
+          </p:cNvPr>
+          <p:cNvSpPr txBox="1"/>
+          <p:nvPr/>
+        </p:nvSpPr>
+        <p:spPr>
+          <a:xfrm>
+            <a:off x="7276795" y="1310749"/>
+            <a:ext cx="598653" cy="184666"/>
+          </a:xfrm>
+          <a:prstGeom prst="rect">
+            <a:avLst/>
+          </a:prstGeom>
+          <a:noFill/>
+        </p:spPr>
+        <p:txBody>
+          <a:bodyPr wrap="square" rtlCol="0">
+            <a:spAutoFit/>
+          </a:bodyPr>
+          <a:lstStyle/>
+          <a:p>
+            <a:r>
+              <a:rPr lang="en-US" sz="600" dirty="0">
+                <a:latin typeface="Arial" panose="020B0604020202020204" pitchFamily="34" charset="0"/>
+                <a:cs typeface="Arial" panose="020B0604020202020204" pitchFamily="34" charset="0"/>
+              </a:rPr>
+              <a:t>0.75</a:t>
+            </a:r>
+          </a:p>
+        </p:txBody>
+      </p:sp>
+      <p:sp>
+        <p:nvSpPr>
+          <p:cNvPr id="47" name="TextBox 46">
+            <a:extLst>
+              <a:ext uri="{FF2B5EF4-FFF2-40B4-BE49-F238E27FC236}">
+                <a16:creationId xmlns:a16="http://schemas.microsoft.com/office/drawing/2014/main" id="{4F93E440-8314-F340-BE59-CCE8A771FF57}"/>
+              </a:ext>
+            </a:extLst>
+          </p:cNvPr>
+          <p:cNvSpPr txBox="1"/>
+          <p:nvPr/>
+        </p:nvSpPr>
+        <p:spPr>
+          <a:xfrm>
+            <a:off x="7276794" y="1691763"/>
+            <a:ext cx="598653" cy="184666"/>
+          </a:xfrm>
+          <a:prstGeom prst="rect">
+            <a:avLst/>
+          </a:prstGeom>
+          <a:noFill/>
+        </p:spPr>
+        <p:txBody>
+          <a:bodyPr wrap="square" rtlCol="0">
+            <a:spAutoFit/>
+          </a:bodyPr>
+          <a:lstStyle/>
+          <a:p>
+            <a:r>
+              <a:rPr lang="en-US" sz="600" dirty="0">
+                <a:latin typeface="Arial" panose="020B0604020202020204" pitchFamily="34" charset="0"/>
+                <a:cs typeface="Arial" panose="020B0604020202020204" pitchFamily="34" charset="0"/>
+              </a:rPr>
+              <a:t>0.60</a:t>
+            </a:r>
+          </a:p>
+        </p:txBody>
+      </p:sp>
+      <p:pic>
+        <p:nvPicPr>
+          <p:cNvPr id="5" name="Picture 4">
+            <a:extLst>
+              <a:ext uri="{FF2B5EF4-FFF2-40B4-BE49-F238E27FC236}">
+                <a16:creationId xmlns:a16="http://schemas.microsoft.com/office/drawing/2014/main" id="{8268F9C3-5868-9348-BA61-B8EC03748341}"/>
+              </a:ext>
+            </a:extLst>
+          </p:cNvPr>
+          <p:cNvPicPr>
+            <a:picLocks noChangeAspect="1"/>
+          </p:cNvPicPr>
+          <p:nvPr/>
+        </p:nvPicPr>
+        <p:blipFill rotWithShape="1">
+          <a:blip r:embed="rId2"/>
+          <a:srcRect l="28378" t="18827" r="56465" b="65704"/>
+          <a:stretch/>
+        </p:blipFill>
+        <p:spPr>
+          <a:xfrm>
+            <a:off x="5023278" y="770118"/>
+            <a:ext cx="1039513" cy="1060924"/>
+          </a:xfrm>
+          <a:prstGeom prst="rect">
+            <a:avLst/>
+          </a:prstGeom>
+        </p:spPr>
+      </p:pic>
+      <p:pic>
+        <p:nvPicPr>
+          <p:cNvPr id="48" name="Picture 47">
+            <a:extLst>
+              <a:ext uri="{FF2B5EF4-FFF2-40B4-BE49-F238E27FC236}">
+                <a16:creationId xmlns:a16="http://schemas.microsoft.com/office/drawing/2014/main" id="{9088D3D1-F886-BB47-91D0-297FC8BA57E5}"/>
+              </a:ext>
+            </a:extLst>
+          </p:cNvPr>
+          <p:cNvPicPr>
+            <a:picLocks noChangeAspect="1"/>
+          </p:cNvPicPr>
+          <p:nvPr/>
+        </p:nvPicPr>
+        <p:blipFill rotWithShape="1">
+          <a:blip r:embed="rId2"/>
+          <a:srcRect l="28378" t="49676" r="56465" b="34854"/>
+          <a:stretch/>
+        </p:blipFill>
+        <p:spPr>
+          <a:xfrm>
+            <a:off x="5026453" y="1844035"/>
+            <a:ext cx="1039514" cy="1060924"/>
+          </a:xfrm>
+          <a:prstGeom prst="rect">
+            <a:avLst/>
+          </a:prstGeom>
+        </p:spPr>
+      </p:pic>
+      <p:pic>
+        <p:nvPicPr>
+          <p:cNvPr id="49" name="Picture 48">
+            <a:extLst>
+              <a:ext uri="{FF2B5EF4-FFF2-40B4-BE49-F238E27FC236}">
+                <a16:creationId xmlns:a16="http://schemas.microsoft.com/office/drawing/2014/main" id="{0A078996-ED1F-B34B-AFC9-F5C3E8D8095E}"/>
+              </a:ext>
+            </a:extLst>
+          </p:cNvPr>
+          <p:cNvPicPr>
+            <a:picLocks noChangeAspect="1"/>
+          </p:cNvPicPr>
+          <p:nvPr/>
+        </p:nvPicPr>
+        <p:blipFill rotWithShape="1">
+          <a:blip r:embed="rId2"/>
+          <a:srcRect l="59173" t="49801" r="25670" b="34728"/>
+          <a:stretch/>
+        </p:blipFill>
+        <p:spPr>
+          <a:xfrm>
+            <a:off x="6088740" y="1844035"/>
+            <a:ext cx="1039512" cy="1060924"/>
+          </a:xfrm>
+          <a:prstGeom prst="rect">
+            <a:avLst/>
+          </a:prstGeom>
+        </p:spPr>
+      </p:pic>
+      <p:pic>
+        <p:nvPicPr>
+          <p:cNvPr id="50" name="Picture 49">
+            <a:extLst>
+              <a:ext uri="{FF2B5EF4-FFF2-40B4-BE49-F238E27FC236}">
+                <a16:creationId xmlns:a16="http://schemas.microsoft.com/office/drawing/2014/main" id="{FED62261-DEBA-0F4C-836E-4B26DD1F521A}"/>
+              </a:ext>
+            </a:extLst>
+          </p:cNvPr>
+          <p:cNvPicPr>
+            <a:picLocks noChangeAspect="1"/>
+          </p:cNvPicPr>
+          <p:nvPr/>
+        </p:nvPicPr>
+        <p:blipFill rotWithShape="1">
+          <a:blip r:embed="rId2"/>
+          <a:srcRect l="58875" t="34155" r="25968" b="50374"/>
+          <a:stretch/>
+        </p:blipFill>
+        <p:spPr>
+          <a:xfrm>
+            <a:off x="6086575" y="770118"/>
+            <a:ext cx="1039513" cy="1060925"/>
+          </a:xfrm>
+          <a:prstGeom prst="rect">
+            <a:avLst/>
+          </a:prstGeom>
+        </p:spPr>
+      </p:pic>
+      <p:pic>
+        <p:nvPicPr>
+          <p:cNvPr id="51" name="Picture 50">
+            <a:extLst>
+              <a:ext uri="{FF2B5EF4-FFF2-40B4-BE49-F238E27FC236}">
+                <a16:creationId xmlns:a16="http://schemas.microsoft.com/office/drawing/2014/main" id="{ACA75A25-5AE1-8D4A-AB3A-E88189F3FA60}"/>
+              </a:ext>
+            </a:extLst>
+          </p:cNvPr>
+          <p:cNvPicPr>
+            <a:picLocks noChangeAspect="1"/>
+          </p:cNvPicPr>
+          <p:nvPr/>
+        </p:nvPicPr>
+        <p:blipFill rotWithShape="1">
+          <a:blip r:embed="rId2"/>
+          <a:srcRect l="78045" t="18826" r="18185" b="19273"/>
+          <a:stretch/>
+        </p:blipFill>
+        <p:spPr>
+          <a:xfrm>
+            <a:off x="7183915" y="766678"/>
+            <a:ext cx="169826" cy="2138280"/>
+          </a:xfrm>
+          <a:prstGeom prst="rect">
+            <a:avLst/>
+          </a:prstGeom>
+        </p:spPr>
+      </p:pic>
+      <p:cxnSp>
+        <p:nvCxnSpPr>
+          <p:cNvPr id="42" name="Straight Connector 41">
+            <a:extLst>
+              <a:ext uri="{FF2B5EF4-FFF2-40B4-BE49-F238E27FC236}">
+                <a16:creationId xmlns:a16="http://schemas.microsoft.com/office/drawing/2014/main" id="{26F23C37-9D2A-4142-8160-6CF89ACF3197}"/>
+              </a:ext>
+            </a:extLst>
+          </p:cNvPr>
+          <p:cNvCxnSpPr>
+            <a:cxnSpLocks/>
+          </p:cNvCxnSpPr>
+          <p:nvPr/>
+        </p:nvCxnSpPr>
+        <p:spPr>
+          <a:xfrm>
+            <a:off x="7234989" y="2718134"/>
+            <a:ext cx="246369" cy="0"/>
+          </a:xfrm>
+          <a:prstGeom prst="line">
+            <a:avLst/>
+          </a:prstGeom>
+          <a:ln w="12700">
+            <a:solidFill>
+              <a:schemeClr val="tx1"/>
+            </a:solidFill>
+          </a:ln>
+        </p:spPr>
+        <p:style>
+          <a:lnRef idx="1">
+            <a:schemeClr val="accent1"/>
+          </a:lnRef>
+          <a:fillRef idx="0">
+            <a:schemeClr val="accent1"/>
+          </a:fillRef>
+          <a:effectRef idx="0">
+            <a:schemeClr val="accent1"/>
+          </a:effectRef>
+          <a:fontRef idx="minor">
+            <a:schemeClr val="tx1"/>
+          </a:fontRef>
+        </p:style>
+      </p:cxnSp>
+    </p:spTree>
+    <p:extLst>
+      <p:ext uri="{BB962C8B-B14F-4D97-AF65-F5344CB8AC3E}">
+        <p14:creationId xmlns:p14="http://schemas.microsoft.com/office/powerpoint/2010/main" val="3449377418"/>
+      </p:ext>
+    </p:extLst>
+  </p:cSld>
+  <p:clrMapOvr>
+    <a:masterClrMapping/>
+  </p:clrMapOvr>
+</p:sld>
+</file>
+
 <file path=ppt/theme/theme1.xml><?xml version="1.0" encoding="utf-8"?>
 <a:theme xmlns:a="http://schemas.openxmlformats.org/drawingml/2006/main" name="Office Theme">
   <a:themeElements>
